--- a/Slides/Module 01.1 Course Introduction.pptx
+++ b/Slides/Module 01.1 Course Introduction.pptx
@@ -5,7 +5,7 @@
     <p:sldMasterId id="2147483648" r:id="rId1"/>
   </p:sldMasterIdLst>
   <p:notesMasterIdLst>
-    <p:notesMasterId r:id="rId25"/>
+    <p:notesMasterId r:id="rId27"/>
   </p:notesMasterIdLst>
   <p:sldIdLst>
     <p:sldId id="256" r:id="rId2"/>
@@ -14,23 +14,25 @@
     <p:sldId id="302" r:id="rId5"/>
     <p:sldId id="303" r:id="rId6"/>
     <p:sldId id="316" r:id="rId7"/>
-    <p:sldId id="317" r:id="rId8"/>
-    <p:sldId id="304" r:id="rId9"/>
-    <p:sldId id="266" r:id="rId10"/>
-    <p:sldId id="268" r:id="rId11"/>
-    <p:sldId id="300" r:id="rId12"/>
-    <p:sldId id="292" r:id="rId13"/>
-    <p:sldId id="308" r:id="rId14"/>
-    <p:sldId id="299" r:id="rId15"/>
-    <p:sldId id="271" r:id="rId16"/>
-    <p:sldId id="356" r:id="rId17"/>
-    <p:sldId id="318" r:id="rId18"/>
-    <p:sldId id="279" r:id="rId19"/>
-    <p:sldId id="280" r:id="rId20"/>
-    <p:sldId id="297" r:id="rId21"/>
-    <p:sldId id="306" r:id="rId22"/>
-    <p:sldId id="314" r:id="rId23"/>
-    <p:sldId id="305" r:id="rId24"/>
+    <p:sldId id="266" r:id="rId8"/>
+    <p:sldId id="317" r:id="rId9"/>
+    <p:sldId id="304" r:id="rId10"/>
+    <p:sldId id="522" r:id="rId11"/>
+    <p:sldId id="520" r:id="rId12"/>
+    <p:sldId id="268" r:id="rId13"/>
+    <p:sldId id="300" r:id="rId14"/>
+    <p:sldId id="292" r:id="rId15"/>
+    <p:sldId id="308" r:id="rId16"/>
+    <p:sldId id="299" r:id="rId17"/>
+    <p:sldId id="271" r:id="rId18"/>
+    <p:sldId id="356" r:id="rId19"/>
+    <p:sldId id="318" r:id="rId20"/>
+    <p:sldId id="279" r:id="rId21"/>
+    <p:sldId id="280" r:id="rId22"/>
+    <p:sldId id="297" r:id="rId23"/>
+    <p:sldId id="306" r:id="rId24"/>
+    <p:sldId id="314" r:id="rId25"/>
+    <p:sldId id="305" r:id="rId26"/>
   </p:sldIdLst>
   <p:sldSz cx="12192000" cy="6858000"/>
   <p:notesSz cx="6858000" cy="9144000"/>
@@ -3666,7 +3668,7 @@
           <a:p>
             <a:fld id="{7C7E5181-6CF5-45F7-A87A-E0E0B1FD7549}" type="datetimeFigureOut">
               <a:rPr lang="en-US" smtClean="0"/>
-              <a:t>1/2/2024</a:t>
+              <a:t>2/2/2024</a:t>
             </a:fld>
             <a:endParaRPr lang="en-US"/>
           </a:p>
@@ -4064,6 +4066,156 @@
           <a:bodyPr/>
           <a:lstStyle/>
           <a:p>
+            <a:endParaRPr lang="en-US" dirty="0"/>
+          </a:p>
+        </p:txBody>
+      </p:sp>
+      <p:sp>
+        <p:nvSpPr>
+          <p:cNvPr id="4" name="Slide Number Placeholder 3"/>
+          <p:cNvSpPr>
+            <a:spLocks noGrp="1"/>
+          </p:cNvSpPr>
+          <p:nvPr>
+            <p:ph type="sldNum" sz="quarter" idx="5"/>
+          </p:nvPr>
+        </p:nvSpPr>
+        <p:spPr/>
+        <p:txBody>
+          <a:bodyPr/>
+          <a:lstStyle/>
+          <a:p>
+            <a:fld id="{07937F07-1250-4CCE-B198-1B2887014F41}" type="slidenum">
+              <a:rPr lang="en-US" smtClean="0"/>
+              <a:t>19</a:t>
+            </a:fld>
+            <a:endParaRPr lang="en-US"/>
+          </a:p>
+        </p:txBody>
+      </p:sp>
+    </p:spTree>
+    <p:extLst>
+      <p:ext uri="{BB962C8B-B14F-4D97-AF65-F5344CB8AC3E}">
+        <p14:creationId xmlns:p14="http://schemas.microsoft.com/office/powerpoint/2010/main" val="1260796881"/>
+      </p:ext>
+    </p:extLst>
+  </p:cSld>
+  <p:clrMapOvr>
+    <a:masterClrMapping/>
+  </p:clrMapOvr>
+</p:notes>
+</file>
+
+<file path=ppt/notesSlides/notesSlide11.xml><?xml version="1.0" encoding="utf-8"?>
+<p:notes xmlns:a="http://schemas.openxmlformats.org/drawingml/2006/main" xmlns:r="http://schemas.openxmlformats.org/officeDocument/2006/relationships" xmlns:p="http://schemas.openxmlformats.org/presentationml/2006/main">
+  <p:cSld>
+    <p:spTree>
+      <p:nvGrpSpPr>
+        <p:cNvPr id="1" name=""/>
+        <p:cNvGrpSpPr/>
+        <p:nvPr/>
+      </p:nvGrpSpPr>
+      <p:grpSpPr>
+        <a:xfrm>
+          <a:off x="0" y="0"/>
+          <a:ext cx="0" cy="0"/>
+          <a:chOff x="0" y="0"/>
+          <a:chExt cx="0" cy="0"/>
+        </a:xfrm>
+      </p:grpSpPr>
+      <p:sp>
+        <p:nvSpPr>
+          <p:cNvPr id="2" name="Slide Image Placeholder 1"/>
+          <p:cNvSpPr>
+            <a:spLocks noGrp="1" noRot="1" noChangeAspect="1"/>
+          </p:cNvSpPr>
+          <p:nvPr>
+            <p:ph type="sldImg"/>
+          </p:nvPr>
+        </p:nvSpPr>
+        <p:spPr>
+          <a:xfrm>
+            <a:off x="325438" y="698500"/>
+            <a:ext cx="6207125" cy="3492500"/>
+          </a:xfrm>
+        </p:spPr>
+      </p:sp>
+      <p:sp>
+        <p:nvSpPr>
+          <p:cNvPr id="3" name="Notes Placeholder 2"/>
+          <p:cNvSpPr>
+            <a:spLocks noGrp="1"/>
+          </p:cNvSpPr>
+          <p:nvPr>
+            <p:ph type="body" idx="1"/>
+          </p:nvPr>
+        </p:nvSpPr>
+        <p:spPr/>
+        <p:txBody>
+          <a:bodyPr/>
+          <a:lstStyle/>
+          <a:p>
+            <a:endParaRPr lang="en-US" dirty="0"/>
+          </a:p>
+        </p:txBody>
+      </p:sp>
+    </p:spTree>
+    <p:extLst>
+      <p:ext uri="{BB962C8B-B14F-4D97-AF65-F5344CB8AC3E}">
+        <p14:creationId xmlns:p14="http://schemas.microsoft.com/office/powerpoint/2010/main" val="2658141216"/>
+      </p:ext>
+    </p:extLst>
+  </p:cSld>
+  <p:clrMapOvr>
+    <a:masterClrMapping/>
+  </p:clrMapOvr>
+</p:notes>
+</file>
+
+<file path=ppt/notesSlides/notesSlide12.xml><?xml version="1.0" encoding="utf-8"?>
+<p:notes xmlns:a="http://schemas.openxmlformats.org/drawingml/2006/main" xmlns:r="http://schemas.openxmlformats.org/officeDocument/2006/relationships" xmlns:p="http://schemas.openxmlformats.org/presentationml/2006/main">
+  <p:cSld>
+    <p:spTree>
+      <p:nvGrpSpPr>
+        <p:cNvPr id="1" name=""/>
+        <p:cNvGrpSpPr/>
+        <p:nvPr/>
+      </p:nvGrpSpPr>
+      <p:grpSpPr>
+        <a:xfrm>
+          <a:off x="0" y="0"/>
+          <a:ext cx="0" cy="0"/>
+          <a:chOff x="0" y="0"/>
+          <a:chExt cx="0" cy="0"/>
+        </a:xfrm>
+      </p:grpSpPr>
+      <p:sp>
+        <p:nvSpPr>
+          <p:cNvPr id="2" name="Slide Image Placeholder 1"/>
+          <p:cNvSpPr>
+            <a:spLocks noGrp="1" noRot="1" noChangeAspect="1"/>
+          </p:cNvSpPr>
+          <p:nvPr>
+            <p:ph type="sldImg"/>
+          </p:nvPr>
+        </p:nvSpPr>
+        <p:spPr/>
+      </p:sp>
+      <p:sp>
+        <p:nvSpPr>
+          <p:cNvPr id="3" name="Notes Placeholder 2"/>
+          <p:cNvSpPr>
+            <a:spLocks noGrp="1"/>
+          </p:cNvSpPr>
+          <p:nvPr>
+            <p:ph type="body" idx="1"/>
+          </p:nvPr>
+        </p:nvSpPr>
+        <p:spPr/>
+        <p:txBody>
+          <a:bodyPr/>
+          <a:lstStyle/>
+          <a:p>
             <a:r>
               <a:rPr lang="en-US" dirty="0"/>
               <a:t>Lesson 1.1 Activity: Introductions</a:t>
@@ -4113,7 +4265,7 @@
           <a:p>
             <a:fld id="{07937F07-1250-4CCE-B198-1B2887014F41}" type="slidenum">
               <a:rPr lang="en-US" smtClean="0"/>
-              <a:t>23</a:t>
+              <a:t>25</a:t>
             </a:fld>
             <a:endParaRPr lang="en-US"/>
           </a:p>
@@ -4299,7 +4451,7 @@
           <a:p>
             <a:fld id="{07937F07-1250-4CCE-B198-1B2887014F41}" type="slidenum">
               <a:rPr lang="en-US" smtClean="0"/>
-              <a:t>7</a:t>
+              <a:t>8</a:t>
             </a:fld>
             <a:endParaRPr lang="en-US"/>
           </a:p>
@@ -4386,7 +4538,7 @@
           <a:p>
             <a:fld id="{07937F07-1250-4CCE-B198-1B2887014F41}" type="slidenum">
               <a:rPr lang="en-US" smtClean="0"/>
-              <a:t>8</a:t>
+              <a:t>9</a:t>
             </a:fld>
             <a:endParaRPr lang="en-US"/>
           </a:p>
@@ -4424,7 +4576,7 @@
       </p:grpSpPr>
       <p:sp>
         <p:nvSpPr>
-          <p:cNvPr id="206" name="Shape 206"/>
+          <p:cNvPr id="2" name="Slide Image Placeholder 1"/>
           <p:cNvSpPr>
             <a:spLocks noGrp="1" noRot="1" noChangeAspect="1"/>
           </p:cNvSpPr>
@@ -4432,47 +4584,208 @@
             <p:ph type="sldImg"/>
           </p:nvPr>
         </p:nvSpPr>
-        <p:spPr>
-          <a:xfrm>
-            <a:off x="325438" y="698500"/>
-            <a:ext cx="6207125" cy="3492500"/>
-          </a:xfrm>
-          <a:prstGeom prst="rect">
-            <a:avLst/>
-          </a:prstGeom>
-        </p:spPr>
+        <p:spPr/>
+      </p:sp>
+      <p:sp>
+        <p:nvSpPr>
+          <p:cNvPr id="3" name="Notes Placeholder 2"/>
+          <p:cNvSpPr>
+            <a:spLocks noGrp="1"/>
+          </p:cNvSpPr>
+          <p:nvPr>
+            <p:ph type="body" idx="1"/>
+          </p:nvPr>
+        </p:nvSpPr>
+        <p:spPr/>
         <p:txBody>
           <a:bodyPr/>
           <a:lstStyle/>
           <a:p>
-            <a:endParaRPr/>
-          </a:p>
-        </p:txBody>
-      </p:sp>
-      <p:sp>
-        <p:nvSpPr>
-          <p:cNvPr id="207" name="Shape 207"/>
-          <p:cNvSpPr>
-            <a:spLocks noGrp="1"/>
-          </p:cNvSpPr>
-          <p:nvPr>
-            <p:ph type="body" sz="quarter" idx="1"/>
-          </p:nvPr>
-        </p:nvSpPr>
-        <p:spPr>
-          <a:prstGeom prst="rect">
-            <a:avLst/>
-          </a:prstGeom>
-        </p:spPr>
+            <a:pPr marL="0" marR="0" lvl="0" indent="0" algn="l" defTabSz="914400" rtl="0" eaLnBrk="1" fontAlgn="auto" latinLnBrk="0" hangingPunct="1">
+              <a:lnSpc>
+                <a:spcPct val="100000"/>
+              </a:lnSpc>
+              <a:spcBef>
+                <a:spcPts val="0"/>
+              </a:spcBef>
+              <a:spcAft>
+                <a:spcPts val="0"/>
+              </a:spcAft>
+              <a:buClrTx/>
+              <a:buSzTx/>
+              <a:buFontTx/>
+              <a:buNone/>
+              <a:tabLst/>
+              <a:defRPr/>
+            </a:pPr>
+            <a:r>
+              <a:rPr lang="en-US" dirty="0"/>
+              <a:t>In the 70’s, a prominent software engineer named Fred Brooks analyzed software construction failures, coining Brooks’ Law: “Adding manpower to a late software project makes it later.” He talked a lot about the problems that software engineers faced at the time. </a:t>
+            </a:r>
+          </a:p>
+          <a:p>
+            <a:pPr marL="0" marR="0" lvl="0" indent="0" algn="l" defTabSz="914400" rtl="0" eaLnBrk="1" fontAlgn="auto" latinLnBrk="0" hangingPunct="1">
+              <a:lnSpc>
+                <a:spcPct val="100000"/>
+              </a:lnSpc>
+              <a:spcBef>
+                <a:spcPts val="0"/>
+              </a:spcBef>
+              <a:spcAft>
+                <a:spcPts val="0"/>
+              </a:spcAft>
+              <a:buClrTx/>
+              <a:buSzTx/>
+              <a:buFontTx/>
+              <a:buNone/>
+              <a:tabLst/>
+              <a:defRPr/>
+            </a:pPr>
+            <a:endParaRPr lang="en-US" dirty="0"/>
+          </a:p>
+          <a:p>
+            <a:pPr marL="0" marR="0" lvl="0" indent="0" algn="l" defTabSz="914400" rtl="0" eaLnBrk="1" fontAlgn="auto" latinLnBrk="0" hangingPunct="1">
+              <a:lnSpc>
+                <a:spcPct val="100000"/>
+              </a:lnSpc>
+              <a:spcBef>
+                <a:spcPts val="0"/>
+              </a:spcBef>
+              <a:spcAft>
+                <a:spcPts val="0"/>
+              </a:spcAft>
+              <a:buClrTx/>
+              <a:buSzTx/>
+              <a:buFontTx/>
+              <a:buNone/>
+              <a:tabLst/>
+              <a:defRPr/>
+            </a:pPr>
+            <a:r>
+              <a:rPr lang="en-US" dirty="0"/>
+              <a:t>The core thesis behind his book “The mythical man month” is that it’s a myth to estimate software construction in terms of person-months. This is because complex projects can never be perfectly partitioned into discrete chunks that can be worked on independently.</a:t>
+            </a:r>
+          </a:p>
+          <a:p>
+            <a:pPr marL="0" marR="0" lvl="0" indent="0" algn="l" defTabSz="914400" rtl="0" eaLnBrk="1" fontAlgn="auto" latinLnBrk="0" hangingPunct="1">
+              <a:lnSpc>
+                <a:spcPct val="100000"/>
+              </a:lnSpc>
+              <a:spcBef>
+                <a:spcPts val="0"/>
+              </a:spcBef>
+              <a:spcAft>
+                <a:spcPts val="0"/>
+              </a:spcAft>
+              <a:buClrTx/>
+              <a:buSzTx/>
+              <a:buFontTx/>
+              <a:buNone/>
+              <a:tabLst/>
+              <a:defRPr/>
+            </a:pPr>
+            <a:endParaRPr lang="en-US" dirty="0"/>
+          </a:p>
+          <a:p>
+            <a:pPr marL="0" marR="0" lvl="0" indent="0" algn="l" defTabSz="914400" rtl="0" eaLnBrk="1" fontAlgn="auto" latinLnBrk="0" hangingPunct="1">
+              <a:lnSpc>
+                <a:spcPct val="100000"/>
+              </a:lnSpc>
+              <a:spcBef>
+                <a:spcPts val="0"/>
+              </a:spcBef>
+              <a:spcAft>
+                <a:spcPts val="0"/>
+              </a:spcAft>
+              <a:buClrTx/>
+              <a:buSzTx/>
+              <a:buFontTx/>
+              <a:buNone/>
+              <a:tabLst/>
+              <a:defRPr/>
+            </a:pPr>
+            <a:r>
+              <a:rPr lang="en-US" dirty="0"/>
+              <a:t>Hence, when adding more team members, you also increase the amount of communication necessary across team members, making your overall development speed slower, not faster.</a:t>
+            </a:r>
+          </a:p>
+          <a:p>
+            <a:pPr marL="0" marR="0" lvl="0" indent="0" algn="l" defTabSz="914400" rtl="0" eaLnBrk="1" fontAlgn="auto" latinLnBrk="0" hangingPunct="1">
+              <a:lnSpc>
+                <a:spcPct val="100000"/>
+              </a:lnSpc>
+              <a:spcBef>
+                <a:spcPts val="0"/>
+              </a:spcBef>
+              <a:spcAft>
+                <a:spcPts val="0"/>
+              </a:spcAft>
+              <a:buClrTx/>
+              <a:buSzTx/>
+              <a:buFontTx/>
+              <a:buNone/>
+              <a:tabLst/>
+              <a:defRPr/>
+            </a:pPr>
+            <a:endParaRPr lang="en-US" dirty="0"/>
+          </a:p>
+          <a:p>
+            <a:pPr marL="0" marR="0" lvl="0" indent="0" algn="l" defTabSz="914400" rtl="0" eaLnBrk="1" fontAlgn="auto" latinLnBrk="0" hangingPunct="1">
+              <a:lnSpc>
+                <a:spcPct val="100000"/>
+              </a:lnSpc>
+              <a:spcBef>
+                <a:spcPts val="0"/>
+              </a:spcBef>
+              <a:spcAft>
+                <a:spcPts val="0"/>
+              </a:spcAft>
+              <a:buClrTx/>
+              <a:buSzTx/>
+              <a:buFontTx/>
+              <a:buNone/>
+              <a:tabLst/>
+              <a:defRPr/>
+            </a:pPr>
+            <a:r>
+              <a:rPr lang="en-US" dirty="0"/>
+              <a:t>If you’ve been following along in the Software Engineering @ Google book this semester, you have likely found that one of the recurring themes in THAT book is to design processes that scale sub-linearly with the size of your team or the scale of your software: that is, to get around Brooks’ law.</a:t>
+            </a:r>
+          </a:p>
+          <a:p>
+            <a:endParaRPr lang="en-US" dirty="0"/>
+          </a:p>
+        </p:txBody>
+      </p:sp>
+      <p:sp>
+        <p:nvSpPr>
+          <p:cNvPr id="4" name="Slide Number Placeholder 3"/>
+          <p:cNvSpPr>
+            <a:spLocks noGrp="1"/>
+          </p:cNvSpPr>
+          <p:nvPr>
+            <p:ph type="sldNum" sz="quarter" idx="5"/>
+          </p:nvPr>
+        </p:nvSpPr>
+        <p:spPr/>
         <p:txBody>
           <a:bodyPr/>
           <a:lstStyle/>
           <a:p>
-            <a:endParaRPr dirty="0"/>
+            <a:fld id="{07937F07-1250-4CCE-B198-1B2887014F41}" type="slidenum">
+              <a:rPr lang="en-US" smtClean="0"/>
+              <a:t>10</a:t>
+            </a:fld>
+            <a:endParaRPr lang="en-US"/>
           </a:p>
         </p:txBody>
       </p:sp>
     </p:spTree>
+    <p:extLst>
+      <p:ext uri="{BB962C8B-B14F-4D97-AF65-F5344CB8AC3E}">
+        <p14:creationId xmlns:p14="http://schemas.microsoft.com/office/powerpoint/2010/main" val="488810664"/>
+      </p:ext>
+    </p:extLst>
   </p:cSld>
   <p:clrMapOvr>
     <a:masterClrMapping/>
@@ -4526,7 +4839,25 @@
           <a:p>
             <a:r>
               <a:rPr lang="en-US" dirty="0"/>
-              <a:t>* Exam is on the first lecture after spring break</a:t>
+              <a:t>[Ask students to share experiences good and bad of working in teams before doing animation]</a:t>
+            </a:r>
+          </a:p>
+          <a:p>
+            <a:endParaRPr lang="en-US" dirty="0"/>
+          </a:p>
+          <a:p>
+            <a:r>
+              <a:rPr lang="en-US" dirty="0"/>
+              <a:t>(Read slide of common team issues)</a:t>
+            </a:r>
+          </a:p>
+          <a:p>
+            <a:endParaRPr lang="en-US" dirty="0"/>
+          </a:p>
+          <a:p>
+            <a:r>
+              <a:rPr lang="en-US" dirty="0"/>
+              <a:t>Our goal with this lesson is to share some common strategies to address these problems. Some of these lessons will be things that you can operationalize: how to be a better team player. Others will be things that you won’t be able to operationalize directly. We do not expect many of you will graduate and immediately enter positions where you will be making decisions about how to structure and lead a team. But, it is quite likely that you will be subject to someone else making those decisions. Through this lesson, we hope to provide you with a framework for understanding how effective teams are organized. One of the core agile principles that we’ve been talking about this week is: how to connect what we are doing to the ultimate value that we are delivering to our customers through our software. By understanding why team processes are setup like they are, hopefully you can understand better the value that those processes provide – and maybe you can even help your manager reflect on and improve their existing processes.</a:t>
             </a:r>
           </a:p>
         </p:txBody>
@@ -4548,7 +4879,7 @@
           <a:p>
             <a:fld id="{07937F07-1250-4CCE-B198-1B2887014F41}" type="slidenum">
               <a:rPr lang="en-US" smtClean="0"/>
-              <a:t>14</a:t>
+              <a:t>11</a:t>
             </a:fld>
             <a:endParaRPr lang="en-US"/>
           </a:p>
@@ -4557,7 +4888,7 @@
     </p:spTree>
     <p:extLst>
       <p:ext uri="{BB962C8B-B14F-4D97-AF65-F5344CB8AC3E}">
-        <p14:creationId xmlns:p14="http://schemas.microsoft.com/office/powerpoint/2010/main" val="1737561988"/>
+        <p14:creationId xmlns:p14="http://schemas.microsoft.com/office/powerpoint/2010/main" val="724747926"/>
       </p:ext>
     </p:extLst>
   </p:cSld>
@@ -4586,7 +4917,7 @@
       </p:grpSpPr>
       <p:sp>
         <p:nvSpPr>
-          <p:cNvPr id="2" name="Slide Image Placeholder 1"/>
+          <p:cNvPr id="206" name="Shape 206"/>
           <p:cNvSpPr>
             <a:spLocks noGrp="1" noRot="1" noChangeAspect="1"/>
           </p:cNvSpPr>
@@ -4594,146 +4925,47 @@
             <p:ph type="sldImg"/>
           </p:nvPr>
         </p:nvSpPr>
-        <p:spPr/>
-      </p:sp>
-      <p:sp>
-        <p:nvSpPr>
-          <p:cNvPr id="3" name="Notes Placeholder 2"/>
-          <p:cNvSpPr>
-            <a:spLocks noGrp="1"/>
-          </p:cNvSpPr>
-          <p:nvPr>
-            <p:ph type="body" idx="1"/>
-          </p:nvPr>
-        </p:nvSpPr>
-        <p:spPr/>
+        <p:spPr>
+          <a:xfrm>
+            <a:off x="325438" y="698500"/>
+            <a:ext cx="6207125" cy="3492500"/>
+          </a:xfrm>
+          <a:prstGeom prst="rect">
+            <a:avLst/>
+          </a:prstGeom>
+        </p:spPr>
         <p:txBody>
           <a:bodyPr/>
           <a:lstStyle/>
           <a:p>
-            <a:r>
-              <a:rPr lang="en-US" b="0" i="0" dirty="0" err="1">
-                <a:solidFill>
-                  <a:srgbClr val="2D3B45"/>
-                </a:solidFill>
-                <a:effectLst/>
-                <a:latin typeface="Lato Extended"/>
-              </a:rPr>
-              <a:t>Covey.Town</a:t>
-            </a:r>
-            <a:r>
-              <a:rPr lang="en-US" b="0" i="0" dirty="0">
-                <a:solidFill>
-                  <a:srgbClr val="2D3B45"/>
-                </a:solidFill>
-                <a:effectLst/>
-                <a:latin typeface="Lato Extended"/>
-              </a:rPr>
-              <a:t> provides a virtual meeting space where different groups of people can have simultaneous video calls, allowing participants to drift between different conversations, just like in real life. </a:t>
-            </a:r>
-            <a:r>
-              <a:rPr lang="en-US" b="0" i="0" dirty="0" err="1">
-                <a:solidFill>
-                  <a:srgbClr val="2D3B45"/>
-                </a:solidFill>
-                <a:effectLst/>
-                <a:latin typeface="Lato Extended"/>
-              </a:rPr>
-              <a:t>Covey.Town</a:t>
-            </a:r>
-            <a:r>
-              <a:rPr lang="en-US" b="0" i="0" dirty="0">
-                <a:solidFill>
-                  <a:srgbClr val="2D3B45"/>
-                </a:solidFill>
-                <a:effectLst/>
-                <a:latin typeface="Lato Extended"/>
-              </a:rPr>
-              <a:t> is inspired by existing products like </a:t>
-            </a:r>
-            <a:r>
-              <a:rPr lang="en-US" b="0" i="0" u="sng" dirty="0" err="1">
-                <a:effectLst/>
-                <a:latin typeface="Lato Extended"/>
-              </a:rPr>
-              <a:t>Gather.Town</a:t>
-            </a:r>
-            <a:r>
-              <a:rPr lang="en-US" b="0" i="0" u="sng" dirty="0">
-                <a:effectLst/>
-                <a:latin typeface="Lato Extended"/>
-              </a:rPr>
-              <a:t> , </a:t>
-            </a:r>
-            <a:r>
-              <a:rPr lang="en-US" b="0" i="0" u="sng" dirty="0" err="1">
-                <a:effectLst/>
-                <a:latin typeface="Lato Extended"/>
-                <a:hlinkClick r:id="rId3"/>
-              </a:rPr>
-              <a:t>Sococo</a:t>
-            </a:r>
-            <a:r>
-              <a:rPr lang="en-US" b="0" i="0" dirty="0">
-                <a:solidFill>
-                  <a:srgbClr val="2D3B45"/>
-                </a:solidFill>
-                <a:effectLst/>
-                <a:latin typeface="Lato Extended"/>
-              </a:rPr>
-              <a:t>, and </a:t>
-            </a:r>
-            <a:r>
-              <a:rPr lang="en-US" b="0" i="0" u="sng" dirty="0">
-                <a:effectLst/>
-                <a:latin typeface="Lato Extended"/>
-                <a:hlinkClick r:id="rId4"/>
-              </a:rPr>
-              <a:t>Gatherly.IO</a:t>
-            </a:r>
-            <a:r>
-              <a:rPr lang="en-US" b="0" i="0" dirty="0">
-                <a:solidFill>
-                  <a:srgbClr val="2D3B45"/>
-                </a:solidFill>
-                <a:effectLst/>
-                <a:latin typeface="Lato Extended"/>
-              </a:rPr>
-              <a:t>— but it is an open source effort, and the features will be proposed and implemented by you! All implementation will take place in the TypeScript programming language, using React for the user interface.</a:t>
-            </a:r>
-            <a:endParaRPr lang="en-US" dirty="0"/>
-          </a:p>
-        </p:txBody>
-      </p:sp>
-      <p:sp>
-        <p:nvSpPr>
-          <p:cNvPr id="4" name="Slide Number Placeholder 3"/>
-          <p:cNvSpPr>
-            <a:spLocks noGrp="1"/>
-          </p:cNvSpPr>
-          <p:nvPr>
-            <p:ph type="sldNum" sz="quarter" idx="5"/>
-          </p:nvPr>
-        </p:nvSpPr>
-        <p:spPr/>
+            <a:endParaRPr/>
+          </a:p>
+        </p:txBody>
+      </p:sp>
+      <p:sp>
+        <p:nvSpPr>
+          <p:cNvPr id="207" name="Shape 207"/>
+          <p:cNvSpPr>
+            <a:spLocks noGrp="1"/>
+          </p:cNvSpPr>
+          <p:nvPr>
+            <p:ph type="body" sz="quarter" idx="1"/>
+          </p:nvPr>
+        </p:nvSpPr>
+        <p:spPr>
+          <a:prstGeom prst="rect">
+            <a:avLst/>
+          </a:prstGeom>
+        </p:spPr>
         <p:txBody>
           <a:bodyPr/>
           <a:lstStyle/>
           <a:p>
-            <a:fld id="{07937F07-1250-4CCE-B198-1B2887014F41}" type="slidenum">
-              <a:rPr lang="en-US" smtClean="0"/>
-              <a:t>16</a:t>
-            </a:fld>
-            <a:endParaRPr lang="en-US"/>
+            <a:endParaRPr dirty="0"/>
           </a:p>
         </p:txBody>
       </p:sp>
     </p:spTree>
-    <p:extLst>
-      <p:ext uri="{BB962C8B-B14F-4D97-AF65-F5344CB8AC3E}">
-        <p14:creationId xmlns:p14="http://schemas.microsoft.com/office/powerpoint/2010/main" val="875248814"/>
-      </p:ext>
-    </p:extLst>
   </p:cSld>
   <p:clrMapOvr>
     <a:masterClrMapping/>
@@ -4785,7 +5017,10 @@
           <a:bodyPr/>
           <a:lstStyle/>
           <a:p>
-            <a:endParaRPr lang="en-US" dirty="0"/>
+            <a:r>
+              <a:rPr lang="en-US" dirty="0"/>
+              <a:t>* Exam is on the first lecture after spring break</a:t>
+            </a:r>
           </a:p>
         </p:txBody>
       </p:sp>
@@ -4806,7 +5041,7 @@
           <a:p>
             <a:fld id="{07937F07-1250-4CCE-B198-1B2887014F41}" type="slidenum">
               <a:rPr lang="en-US" smtClean="0"/>
-              <a:t>17</a:t>
+              <a:t>16</a:t>
             </a:fld>
             <a:endParaRPr lang="en-US"/>
           </a:p>
@@ -4815,7 +5050,7 @@
     </p:spTree>
     <p:extLst>
       <p:ext uri="{BB962C8B-B14F-4D97-AF65-F5344CB8AC3E}">
-        <p14:creationId xmlns:p14="http://schemas.microsoft.com/office/powerpoint/2010/main" val="1260796881"/>
+        <p14:creationId xmlns:p14="http://schemas.microsoft.com/office/powerpoint/2010/main" val="1737561988"/>
       </p:ext>
     </p:extLst>
   </p:cSld>
@@ -4852,12 +5087,7 @@
             <p:ph type="sldImg"/>
           </p:nvPr>
         </p:nvSpPr>
-        <p:spPr>
-          <a:xfrm>
-            <a:off x="325438" y="698500"/>
-            <a:ext cx="6207125" cy="3492500"/>
-          </a:xfrm>
-        </p:spPr>
+        <p:spPr/>
       </p:sp>
       <p:sp>
         <p:nvSpPr>
@@ -4874,14 +5104,127 @@
           <a:bodyPr/>
           <a:lstStyle/>
           <a:p>
+            <a:r>
+              <a:rPr lang="en-US" b="0" i="0" dirty="0" err="1">
+                <a:solidFill>
+                  <a:srgbClr val="2D3B45"/>
+                </a:solidFill>
+                <a:effectLst/>
+                <a:latin typeface="Lato Extended"/>
+              </a:rPr>
+              <a:t>Covey.Town</a:t>
+            </a:r>
+            <a:r>
+              <a:rPr lang="en-US" b="0" i="0" dirty="0">
+                <a:solidFill>
+                  <a:srgbClr val="2D3B45"/>
+                </a:solidFill>
+                <a:effectLst/>
+                <a:latin typeface="Lato Extended"/>
+              </a:rPr>
+              <a:t> provides a virtual meeting space where different groups of people can have simultaneous video calls, allowing participants to drift between different conversations, just like in real life. </a:t>
+            </a:r>
+            <a:r>
+              <a:rPr lang="en-US" b="0" i="0" dirty="0" err="1">
+                <a:solidFill>
+                  <a:srgbClr val="2D3B45"/>
+                </a:solidFill>
+                <a:effectLst/>
+                <a:latin typeface="Lato Extended"/>
+              </a:rPr>
+              <a:t>Covey.Town</a:t>
+            </a:r>
+            <a:r>
+              <a:rPr lang="en-US" b="0" i="0" dirty="0">
+                <a:solidFill>
+                  <a:srgbClr val="2D3B45"/>
+                </a:solidFill>
+                <a:effectLst/>
+                <a:latin typeface="Lato Extended"/>
+              </a:rPr>
+              <a:t> is inspired by existing products like </a:t>
+            </a:r>
+            <a:r>
+              <a:rPr lang="en-US" b="0" i="0" u="sng" dirty="0" err="1">
+                <a:effectLst/>
+                <a:latin typeface="Lato Extended"/>
+              </a:rPr>
+              <a:t>Gather.Town</a:t>
+            </a:r>
+            <a:r>
+              <a:rPr lang="en-US" b="0" i="0" u="sng" dirty="0">
+                <a:effectLst/>
+                <a:latin typeface="Lato Extended"/>
+              </a:rPr>
+              <a:t> , </a:t>
+            </a:r>
+            <a:r>
+              <a:rPr lang="en-US" b="0" i="0" u="sng" dirty="0" err="1">
+                <a:effectLst/>
+                <a:latin typeface="Lato Extended"/>
+                <a:hlinkClick r:id="rId3"/>
+              </a:rPr>
+              <a:t>Sococo</a:t>
+            </a:r>
+            <a:r>
+              <a:rPr lang="en-US" b="0" i="0" dirty="0">
+                <a:solidFill>
+                  <a:srgbClr val="2D3B45"/>
+                </a:solidFill>
+                <a:effectLst/>
+                <a:latin typeface="Lato Extended"/>
+              </a:rPr>
+              <a:t>, and </a:t>
+            </a:r>
+            <a:r>
+              <a:rPr lang="en-US" b="0" i="0" u="sng" dirty="0">
+                <a:effectLst/>
+                <a:latin typeface="Lato Extended"/>
+                <a:hlinkClick r:id="rId4"/>
+              </a:rPr>
+              <a:t>Gatherly.IO</a:t>
+            </a:r>
+            <a:r>
+              <a:rPr lang="en-US" b="0" i="0" dirty="0">
+                <a:solidFill>
+                  <a:srgbClr val="2D3B45"/>
+                </a:solidFill>
+                <a:effectLst/>
+                <a:latin typeface="Lato Extended"/>
+              </a:rPr>
+              <a:t>— but it is an open source effort, and the features will be proposed and implemented by you! All implementation will take place in the TypeScript programming language, using React for the user interface.</a:t>
+            </a:r>
             <a:endParaRPr lang="en-US" dirty="0"/>
+          </a:p>
+        </p:txBody>
+      </p:sp>
+      <p:sp>
+        <p:nvSpPr>
+          <p:cNvPr id="4" name="Slide Number Placeholder 3"/>
+          <p:cNvSpPr>
+            <a:spLocks noGrp="1"/>
+          </p:cNvSpPr>
+          <p:nvPr>
+            <p:ph type="sldNum" sz="quarter" idx="5"/>
+          </p:nvPr>
+        </p:nvSpPr>
+        <p:spPr/>
+        <p:txBody>
+          <a:bodyPr/>
+          <a:lstStyle/>
+          <a:p>
+            <a:fld id="{07937F07-1250-4CCE-B198-1B2887014F41}" type="slidenum">
+              <a:rPr lang="en-US" smtClean="0"/>
+              <a:t>18</a:t>
+            </a:fld>
+            <a:endParaRPr lang="en-US"/>
           </a:p>
         </p:txBody>
       </p:sp>
     </p:spTree>
     <p:extLst>
       <p:ext uri="{BB962C8B-B14F-4D97-AF65-F5344CB8AC3E}">
-        <p14:creationId xmlns:p14="http://schemas.microsoft.com/office/powerpoint/2010/main" val="2658141216"/>
+        <p14:creationId xmlns:p14="http://schemas.microsoft.com/office/powerpoint/2010/main" val="875248814"/>
       </p:ext>
     </p:extLst>
   </p:cSld>
@@ -5045,7 +5388,7 @@
           <a:p>
             <a:fld id="{5D2A64DE-480B-420F-9649-4F8E696E08E0}" type="datetime1">
               <a:rPr lang="en-US" smtClean="0"/>
-              <a:t>1/2/2024</a:t>
+              <a:t>2/2/2024</a:t>
             </a:fld>
             <a:endParaRPr lang="en-US"/>
           </a:p>
@@ -5279,7 +5622,7 @@
           <a:p>
             <a:fld id="{0D3616D0-8311-4107-9726-6B805E7D05BA}" type="datetime1">
               <a:rPr lang="en-US" smtClean="0"/>
-              <a:t>1/2/2024</a:t>
+              <a:t>2/2/2024</a:t>
             </a:fld>
             <a:endParaRPr lang="en-US"/>
           </a:p>
@@ -5487,7 +5830,7 @@
           <a:p>
             <a:fld id="{3BC2557A-5C88-417A-A763-5AC779462A5F}" type="datetime1">
               <a:rPr lang="en-US" smtClean="0"/>
-              <a:t>1/2/2024</a:t>
+              <a:t>2/2/2024</a:t>
             </a:fld>
             <a:endParaRPr lang="en-US"/>
           </a:p>
@@ -6011,7 +6354,7 @@
           <a:p>
             <a:fld id="{07C7BFD4-467E-4EDE-93EA-052F5B39A4E5}" type="datetime1">
               <a:rPr lang="en-US" smtClean="0"/>
-              <a:t>1/2/2024</a:t>
+              <a:t>2/2/2024</a:t>
             </a:fld>
             <a:endParaRPr lang="en-US"/>
           </a:p>
@@ -6324,7 +6667,7 @@
           <a:p>
             <a:fld id="{A533CBE2-D5BE-47AC-ADC2-9CDFC1D0CF90}" type="datetime1">
               <a:rPr lang="en-US" smtClean="0"/>
-              <a:t>1/2/2024</a:t>
+              <a:t>2/2/2024</a:t>
             </a:fld>
             <a:endParaRPr lang="en-US"/>
           </a:p>
@@ -6625,7 +6968,7 @@
           <a:p>
             <a:fld id="{39B7EDB1-CE74-4951-85A2-0B01C2128E28}" type="datetime1">
               <a:rPr lang="en-US" smtClean="0"/>
-              <a:t>1/2/2024</a:t>
+              <a:t>2/2/2024</a:t>
             </a:fld>
             <a:endParaRPr lang="en-US"/>
           </a:p>
@@ -7073,7 +7416,7 @@
           <a:p>
             <a:fld id="{2BC7EB92-A5C2-4807-A9DC-9EDE6CBFB241}" type="datetime1">
               <a:rPr lang="en-US" smtClean="0"/>
-              <a:t>1/2/2024</a:t>
+              <a:t>2/2/2024</a:t>
             </a:fld>
             <a:endParaRPr lang="en-US"/>
           </a:p>
@@ -7219,7 +7562,7 @@
           <a:p>
             <a:fld id="{109E55A0-C911-4F03-82FC-7E5926047D46}" type="datetime1">
               <a:rPr lang="en-US" smtClean="0"/>
-              <a:t>1/2/2024</a:t>
+              <a:t>2/2/2024</a:t>
             </a:fld>
             <a:endParaRPr lang="en-US"/>
           </a:p>
@@ -7368,7 +7711,7 @@
           <a:p>
             <a:fld id="{2B7B7EE0-7771-4CD5-9B2B-3550753A54A1}" type="datetime1">
               <a:rPr lang="en-US" smtClean="0"/>
-              <a:t>1/2/2024</a:t>
+              <a:t>2/2/2024</a:t>
             </a:fld>
             <a:endParaRPr lang="en-US"/>
           </a:p>
@@ -7679,7 +8022,7 @@
           <a:p>
             <a:fld id="{F8B318B3-0E87-4416-A9B8-D891968C2727}" type="datetime1">
               <a:rPr lang="en-US" smtClean="0"/>
-              <a:t>1/2/2024</a:t>
+              <a:t>2/2/2024</a:t>
             </a:fld>
             <a:endParaRPr lang="en-US"/>
           </a:p>
@@ -7967,7 +8310,7 @@
           <a:p>
             <a:fld id="{EA476A42-A091-4468-A075-64A31BE59948}" type="datetime1">
               <a:rPr lang="en-US" smtClean="0"/>
-              <a:t>1/2/2024</a:t>
+              <a:t>2/2/2024</a:t>
             </a:fld>
             <a:endParaRPr lang="en-US"/>
           </a:p>
@@ -8208,7 +8551,7 @@
           <a:p>
             <a:fld id="{54D997E8-DDEE-43F1-8D9B-F8A1E11DE488}" type="datetime1">
               <a:rPr lang="en-US" smtClean="0"/>
-              <a:t>1/2/2024</a:t>
+              <a:t>2/2/2024</a:t>
             </a:fld>
             <a:endParaRPr lang="en-US"/>
           </a:p>
@@ -8848,8 +9191,14 @@
       </p:grpSpPr>
       <p:sp>
         <p:nvSpPr>
-          <p:cNvPr id="203" name="CS 5500: Course Objective"/>
-          <p:cNvSpPr txBox="1">
+          <p:cNvPr id="2" name="Title 1">
+            <a:extLst>
+              <a:ext uri="{FF2B5EF4-FFF2-40B4-BE49-F238E27FC236}">
+                <a16:creationId xmlns:a16="http://schemas.microsoft.com/office/drawing/2014/main" id="{4E6D6F48-D992-5445-A739-D9BF0116791B}"/>
+              </a:ext>
+            </a:extLst>
+          </p:cNvPr>
+          <p:cNvSpPr>
             <a:spLocks noGrp="1"/>
           </p:cNvSpPr>
           <p:nvPr>
@@ -8859,107 +9208,250 @@
         <p:spPr/>
         <p:txBody>
           <a:bodyPr/>
+          <a:lstStyle/>
+          <a:p>
+            <a:r>
+              <a:rPr lang="en-US" dirty="0"/>
+              <a:t>Teams are hard: Brooks’ Law</a:t>
+            </a:r>
+          </a:p>
+        </p:txBody>
+      </p:sp>
+      <p:sp>
+        <p:nvSpPr>
+          <p:cNvPr id="4" name="Slide Number Placeholder 3">
+            <a:extLst>
+              <a:ext uri="{FF2B5EF4-FFF2-40B4-BE49-F238E27FC236}">
+                <a16:creationId xmlns:a16="http://schemas.microsoft.com/office/drawing/2014/main" id="{DF8B37BF-FFCD-2A4F-8597-1C76F00E0826}"/>
+              </a:ext>
+            </a:extLst>
+          </p:cNvPr>
+          <p:cNvSpPr>
+            <a:spLocks noGrp="1"/>
+          </p:cNvSpPr>
+          <p:nvPr>
+            <p:ph type="sldNum" sz="quarter" idx="12"/>
+          </p:nvPr>
+        </p:nvSpPr>
+        <p:spPr/>
+        <p:txBody>
+          <a:bodyPr/>
+          <a:lstStyle/>
+          <a:p>
+            <a:fld id="{20F37917-FD3A-4669-9018-DA04BCDD3D75}" type="slidenum">
+              <a:rPr lang="en-US" smtClean="0"/>
+              <a:t>10</a:t>
+            </a:fld>
+            <a:endParaRPr lang="en-US"/>
+          </a:p>
+        </p:txBody>
+      </p:sp>
+      <p:sp>
+        <p:nvSpPr>
+          <p:cNvPr id="5" name="“Adding manpower to a late software project makes it later”">
+            <a:extLst>
+              <a:ext uri="{FF2B5EF4-FFF2-40B4-BE49-F238E27FC236}">
+                <a16:creationId xmlns:a16="http://schemas.microsoft.com/office/drawing/2014/main" id="{72AC9103-DE31-5B48-B002-C569696D3032}"/>
+              </a:ext>
+            </a:extLst>
+          </p:cNvPr>
+          <p:cNvSpPr txBox="1"/>
+          <p:nvPr/>
+        </p:nvSpPr>
+        <p:spPr>
+          <a:xfrm>
+            <a:off x="1190810" y="2444554"/>
+            <a:ext cx="6098562" cy="1432187"/>
+          </a:xfrm>
+          <a:prstGeom prst="rect">
+            <a:avLst/>
+          </a:prstGeom>
+          <a:ln w="12700">
+            <a:miter lim="400000"/>
+          </a:ln>
+          <a:extLst>
+            <a:ext uri="{C572A759-6A51-4108-AA02-DFA0A04FC94B}">
+              <ma14:wrappingTextBoxFlag xmlns="" xmlns:m="http://schemas.openxmlformats.org/officeDocument/2006/math" xmlns:a14="http://schemas.microsoft.com/office/drawing/2010/main" xmlns:ma14="http://schemas.microsoft.com/office/mac/drawingml/2011/main" val="1"/>
+            </a:ext>
+          </a:extLst>
+        </p:spPr>
+        <p:txBody>
+          <a:bodyPr wrap="square" lIns="50800" tIns="50800" rIns="50800" bIns="50800" anchor="ctr">
+            <a:spAutoFit/>
+          </a:bodyPr>
           <a:lstStyle>
-            <a:lvl1pPr>
-              <a:defRPr>
+            <a:lvl1pPr marL="638923" indent="-469900" algn="l">
+              <a:lnSpc>
+                <a:spcPct val="90000"/>
+              </a:lnSpc>
+              <a:defRPr sz="6700" spc="-133">
                 <a:solidFill>
-                  <a:srgbClr val="005493"/>
+                  <a:srgbClr val="000000"/>
+                </a:solidFill>
+                <a:latin typeface="Helvetica Neue Medium"/>
+                <a:ea typeface="Helvetica Neue Medium"/>
+                <a:cs typeface="Helvetica Neue Medium"/>
+                <a:sym typeface="Helvetica Neue Medium"/>
+              </a:defRPr>
+            </a:lvl1pPr>
+          </a:lstStyle>
+          <a:p>
+            <a:r>
+              <a:rPr sz="3200" dirty="0">
+                <a:latin typeface="Verdana" panose="020B0604030504040204" pitchFamily="34" charset="0"/>
+                <a:ea typeface="Verdana" panose="020B0604030504040204" pitchFamily="34" charset="0"/>
+                <a:cs typeface="Verdana" panose="020B0604030504040204" pitchFamily="34" charset="0"/>
+              </a:rPr>
+              <a:t>“Adding manpower to a late software project makes it later”</a:t>
+            </a:r>
+          </a:p>
+        </p:txBody>
+      </p:sp>
+      <p:pic>
+        <p:nvPicPr>
+          <p:cNvPr id="6" name="Image" descr="Image">
+            <a:extLst>
+              <a:ext uri="{FF2B5EF4-FFF2-40B4-BE49-F238E27FC236}">
+                <a16:creationId xmlns:a16="http://schemas.microsoft.com/office/drawing/2014/main" id="{26986328-D2C5-0045-98F6-16842DAD49C6}"/>
+              </a:ext>
+            </a:extLst>
+          </p:cNvPr>
+          <p:cNvPicPr>
+            <a:picLocks noChangeAspect="1"/>
+          </p:cNvPicPr>
+          <p:nvPr/>
+        </p:nvPicPr>
+        <p:blipFill>
+          <a:blip r:embed="rId3"/>
+          <a:stretch>
+            <a:fillRect/>
+          </a:stretch>
+        </p:blipFill>
+        <p:spPr>
+          <a:xfrm>
+            <a:off x="8876703" y="1583802"/>
+            <a:ext cx="2771926" cy="4157889"/>
+          </a:xfrm>
+          <a:prstGeom prst="rect">
+            <a:avLst/>
+          </a:prstGeom>
+          <a:ln w="12700">
+            <a:miter lim="400000"/>
+          </a:ln>
+        </p:spPr>
+      </p:pic>
+      <p:sp>
+        <p:nvSpPr>
+          <p:cNvPr id="7" name="Fred Brooks, 1975">
+            <a:extLst>
+              <a:ext uri="{FF2B5EF4-FFF2-40B4-BE49-F238E27FC236}">
+                <a16:creationId xmlns:a16="http://schemas.microsoft.com/office/drawing/2014/main" id="{9E25AD8C-C4D6-7846-BEF9-3FE5556E59A1}"/>
+              </a:ext>
+            </a:extLst>
+          </p:cNvPr>
+          <p:cNvSpPr txBox="1"/>
+          <p:nvPr/>
+        </p:nvSpPr>
+        <p:spPr>
+          <a:xfrm>
+            <a:off x="5280937" y="3697352"/>
+            <a:ext cx="2008435" cy="410369"/>
+          </a:xfrm>
+          <a:prstGeom prst="rect">
+            <a:avLst/>
+          </a:prstGeom>
+          <a:ln w="12700">
+            <a:miter lim="400000"/>
+          </a:ln>
+          <a:extLst>
+            <a:ext uri="{C572A759-6A51-4108-AA02-DFA0A04FC94B}">
+              <ma14:wrappingTextBoxFlag xmlns="" xmlns:m="http://schemas.openxmlformats.org/officeDocument/2006/math" xmlns:a14="http://schemas.microsoft.com/office/drawing/2010/main" xmlns:ma14="http://schemas.microsoft.com/office/mac/drawingml/2011/main" val="1"/>
+            </a:ext>
+          </a:extLst>
+        </p:spPr>
+        <p:txBody>
+          <a:bodyPr wrap="none" lIns="50800" tIns="50800" rIns="50800" bIns="50800" anchor="ctr">
+            <a:spAutoFit/>
+          </a:bodyPr>
+          <a:lstStyle>
+            <a:lvl1pPr algn="l" defTabSz="825500">
+              <a:defRPr sz="3200" b="1">
+                <a:solidFill>
+                  <a:srgbClr val="000000"/>
                 </a:solidFill>
               </a:defRPr>
             </a:lvl1pPr>
           </a:lstStyle>
           <a:p>
             <a:r>
-              <a:rPr lang="en-US" dirty="0">
+              <a:rPr sz="2000" b="0" dirty="0"/>
+              <a:t>Fred Brooks, 1975</a:t>
+            </a:r>
+          </a:p>
+        </p:txBody>
+      </p:sp>
+      <p:sp>
+        <p:nvSpPr>
+          <p:cNvPr id="3" name="Rectangle 2">
+            <a:extLst>
+              <a:ext uri="{FF2B5EF4-FFF2-40B4-BE49-F238E27FC236}">
+                <a16:creationId xmlns:a16="http://schemas.microsoft.com/office/drawing/2014/main" id="{1909DC97-A2D4-B490-968B-F27E6AF7621D}"/>
+              </a:ext>
+            </a:extLst>
+          </p:cNvPr>
+          <p:cNvSpPr/>
+          <p:nvPr/>
+        </p:nvSpPr>
+        <p:spPr>
+          <a:xfrm>
+            <a:off x="8219975" y="269507"/>
+            <a:ext cx="3224463" cy="1193533"/>
+          </a:xfrm>
+          <a:prstGeom prst="rect">
+            <a:avLst/>
+          </a:prstGeom>
+          <a:solidFill>
+            <a:srgbClr val="FFFF00"/>
+          </a:solidFill>
+        </p:spPr>
+        <p:style>
+          <a:lnRef idx="2">
+            <a:schemeClr val="accent1">
+              <a:shade val="50000"/>
+            </a:schemeClr>
+          </a:lnRef>
+          <a:fillRef idx="1">
+            <a:schemeClr val="accent1"/>
+          </a:fillRef>
+          <a:effectRef idx="0">
+            <a:schemeClr val="accent1"/>
+          </a:effectRef>
+          <a:fontRef idx="minor">
+            <a:schemeClr val="lt1"/>
+          </a:fontRef>
+        </p:style>
+        <p:txBody>
+          <a:bodyPr rtlCol="0" anchor="ctr"/>
+          <a:lstStyle/>
+          <a:p>
+            <a:pPr algn="ctr"/>
+            <a:r>
+              <a:rPr lang="en-US" sz="2400" dirty="0">
                 <a:solidFill>
-                  <a:srgbClr val="0070C0"/>
+                  <a:sysClr val="windowText" lastClr="000000"/>
                 </a:solidFill>
               </a:rPr>
-              <a:t>Learning Objectives for this course:</a:t>
-            </a:r>
-          </a:p>
-        </p:txBody>
-      </p:sp>
-      <p:sp>
-        <p:nvSpPr>
-          <p:cNvPr id="204" name="Developing skills that are necessary for successful software development…"/>
-          <p:cNvSpPr txBox="1">
-            <a:spLocks noGrp="1"/>
-          </p:cNvSpPr>
-          <p:nvPr>
-            <p:ph idx="1"/>
-          </p:nvPr>
-        </p:nvSpPr>
-        <p:spPr/>
-        <p:txBody>
-          <a:bodyPr>
-            <a:normAutofit/>
-          </a:bodyPr>
-          <a:lstStyle/>
-          <a:p>
-            <a:r>
-              <a:rPr lang="en-US" dirty="0"/>
-              <a:t>By the end of this course, you will--</a:t>
-            </a:r>
-          </a:p>
-          <a:p>
-            <a:pPr lvl="1"/>
-            <a:r>
-              <a:rPr lang="en-US" dirty="0"/>
-              <a:t>Be able to define and describe the phases of the software engineering lifecycle.</a:t>
-            </a:r>
-          </a:p>
-          <a:p>
-            <a:pPr lvl="1"/>
-            <a:r>
-              <a:rPr lang="en-US" dirty="0"/>
-              <a:t>Be able to explain the role of key processes and technologies in modern software development.</a:t>
-            </a:r>
-          </a:p>
-          <a:p>
-            <a:pPr lvl="1"/>
-            <a:r>
-              <a:rPr lang="en-US" dirty="0"/>
-              <a:t>Be able to productively apply instances of major tools used in elementary SE tasks.</a:t>
-            </a:r>
-          </a:p>
-          <a:p>
-            <a:pPr lvl="1"/>
-            <a:r>
-              <a:rPr lang="en-US" dirty="0"/>
-              <a:t>Design and implement a portfolio-worthy software engineering project in a small team environment that can be showcased to recruiters.</a:t>
-            </a:r>
-          </a:p>
-          <a:p>
-            <a:endParaRPr lang="en-US" dirty="0"/>
-          </a:p>
-        </p:txBody>
-      </p:sp>
-      <p:sp>
-        <p:nvSpPr>
-          <p:cNvPr id="205" name="Slide Number"/>
-          <p:cNvSpPr txBox="1">
-            <a:spLocks noGrp="1"/>
-          </p:cNvSpPr>
-          <p:nvPr>
-            <p:ph type="sldNum" sz="quarter" idx="12"/>
-          </p:nvPr>
-        </p:nvSpPr>
-        <p:spPr/>
-        <p:txBody>
-          <a:bodyPr/>
-          <a:lstStyle/>
-          <a:p>
-            <a:fld id="{86CB4B4D-7CA3-9044-876B-883B54F8677D}" type="slidenum">
-              <a:rPr lang="en-US"/>
-              <a:pPr/>
-              <a:t>10</a:t>
-            </a:fld>
-            <a:endParaRPr lang="en-US"/>
+              <a:t>Mitch added 2/24</a:t>
+            </a:r>
           </a:p>
         </p:txBody>
       </p:sp>
     </p:spTree>
+    <p:extLst>
+      <p:ext uri="{BB962C8B-B14F-4D97-AF65-F5344CB8AC3E}">
+        <p14:creationId xmlns:p14="http://schemas.microsoft.com/office/powerpoint/2010/main" val="235161186"/>
+      </p:ext>
+    </p:extLst>
   </p:cSld>
   <p:clrMapOvr>
     <a:masterClrMapping/>
@@ -8989,7 +9481,7 @@
           <p:cNvPr id="2" name="Title 1">
             <a:extLst>
               <a:ext uri="{FF2B5EF4-FFF2-40B4-BE49-F238E27FC236}">
-                <a16:creationId xmlns:a16="http://schemas.microsoft.com/office/drawing/2014/main" id="{F6EBAC04-7D84-4ADF-9008-CD1F760BF4F6}"/>
+                <a16:creationId xmlns:a16="http://schemas.microsoft.com/office/drawing/2014/main" id="{1E93218E-DE91-434D-82F9-9A7358AE5943}"/>
               </a:ext>
             </a:extLst>
           </p:cNvPr>
@@ -9007,17 +9499,17 @@
           <a:p>
             <a:r>
               <a:rPr lang="en-US" dirty="0"/>
-              <a:t>Approach</a:t>
-            </a:r>
-          </a:p>
-        </p:txBody>
-      </p:sp>
-      <p:sp>
-        <p:nvSpPr>
-          <p:cNvPr id="3" name="Text Placeholder 2">
+              <a:t>Questions for SE to address</a:t>
+            </a:r>
+          </a:p>
+        </p:txBody>
+      </p:sp>
+      <p:sp>
+        <p:nvSpPr>
+          <p:cNvPr id="3" name="Content Placeholder 2">
             <a:extLst>
               <a:ext uri="{FF2B5EF4-FFF2-40B4-BE49-F238E27FC236}">
-                <a16:creationId xmlns:a16="http://schemas.microsoft.com/office/drawing/2014/main" id="{2F14D664-92BF-4A0F-A0F9-34716F35F125}"/>
+                <a16:creationId xmlns:a16="http://schemas.microsoft.com/office/drawing/2014/main" id="{F2B1264D-D8C0-AF4A-831C-4CED4E3AF7D4}"/>
               </a:ext>
             </a:extLst>
           </p:cNvPr>
@@ -9028,45 +9520,47 @@
             <p:ph idx="1"/>
           </p:nvPr>
         </p:nvSpPr>
-        <p:spPr/>
-        <p:txBody>
-          <a:bodyPr>
-            <a:normAutofit/>
-          </a:bodyPr>
+        <p:spPr>
+          <a:xfrm>
+            <a:off x="838199" y="1500160"/>
+            <a:ext cx="10515599" cy="4351338"/>
+          </a:xfrm>
+        </p:spPr>
+        <p:txBody>
+          <a:bodyPr/>
           <a:lstStyle/>
           <a:p>
             <a:r>
               <a:rPr lang="en-US" dirty="0"/>
-              <a:t>The course will mirror the steps of the software engineering life cycle</a:t>
-            </a:r>
-          </a:p>
-          <a:p>
-            <a:pPr lvl="1"/>
-            <a:r>
-              <a:rPr lang="en-US" dirty="0"/>
-              <a:t>starting with requirements, through testing and deployment</a:t>
-            </a:r>
-          </a:p>
-          <a:p>
-            <a:pPr lvl="1"/>
-            <a:r>
-              <a:rPr lang="en-US" dirty="0"/>
-              <a:t>Essentially you will be working on a </a:t>
-            </a:r>
-            <a:r>
-              <a:rPr lang="en-US" b="1" dirty="0"/>
-              <a:t>team project</a:t>
-            </a:r>
-            <a:r>
-              <a:rPr lang="en-US" dirty="0"/>
-              <a:t> that combines all aspects of SE.</a:t>
-            </a:r>
-          </a:p>
-          <a:p>
-            <a:r>
-              <a:rPr lang="en-US" dirty="0"/>
-              <a:t>We will move some material forward to make sure that you have the learning you need when you need it</a:t>
-            </a:r>
+              <a:t>How do you structure teams effectively?</a:t>
+            </a:r>
+          </a:p>
+          <a:p>
+            <a:r>
+              <a:rPr lang="en-US" dirty="0"/>
+              <a:t>How do you encourage team members to treat each other well?</a:t>
+            </a:r>
+          </a:p>
+          <a:p>
+            <a:r>
+              <a:rPr lang="en-US" dirty="0"/>
+              <a:t>How do you encourage teams to share knowledge and collaborate?</a:t>
+            </a:r>
+          </a:p>
+          <a:p>
+            <a:r>
+              <a:rPr lang="en-US" dirty="0"/>
+              <a:t>How do you respond to failures?</a:t>
+            </a:r>
+          </a:p>
+          <a:p>
+            <a:r>
+              <a:rPr lang="en-US" dirty="0"/>
+              <a:t>How do you respond to changing requirements?</a:t>
+            </a:r>
+          </a:p>
+          <a:p>
+            <a:endParaRPr lang="en-US" dirty="0"/>
           </a:p>
         </p:txBody>
       </p:sp>
@@ -9075,7 +9569,7 @@
           <p:cNvPr id="4" name="Slide Number Placeholder 3">
             <a:extLst>
               <a:ext uri="{FF2B5EF4-FFF2-40B4-BE49-F238E27FC236}">
-                <a16:creationId xmlns:a16="http://schemas.microsoft.com/office/drawing/2014/main" id="{35CC98DA-479F-4397-9904-62EF61195E72}"/>
+                <a16:creationId xmlns:a16="http://schemas.microsoft.com/office/drawing/2014/main" id="{F713FC25-3730-F44F-BC5B-BA726C178D1A}"/>
               </a:ext>
             </a:extLst>
           </p:cNvPr>
@@ -9091,24 +9585,74 @@
           <a:bodyPr/>
           <a:lstStyle/>
           <a:p>
-            <a:pPr defTabSz="547695">
-              <a:defRPr/>
-            </a:pPr>
-            <a:fld id="{86CB4B4D-7CA3-9044-876B-883B54F8677D}" type="slidenum">
+            <a:fld id="{20F37917-FD3A-4669-9018-DA04BCDD3D75}" type="slidenum">
               <a:rPr lang="en-US" smtClean="0"/>
-              <a:pPr defTabSz="547695">
-                <a:defRPr/>
-              </a:pPr>
               <a:t>11</a:t>
             </a:fld>
             <a:endParaRPr lang="en-US"/>
           </a:p>
         </p:txBody>
       </p:sp>
+      <p:sp>
+        <p:nvSpPr>
+          <p:cNvPr id="5" name="Rectangle 4">
+            <a:extLst>
+              <a:ext uri="{FF2B5EF4-FFF2-40B4-BE49-F238E27FC236}">
+                <a16:creationId xmlns:a16="http://schemas.microsoft.com/office/drawing/2014/main" id="{3ECE11AA-2889-6E8E-969A-87E22B8642A4}"/>
+              </a:ext>
+            </a:extLst>
+          </p:cNvPr>
+          <p:cNvSpPr/>
+          <p:nvPr/>
+        </p:nvSpPr>
+        <p:spPr>
+          <a:xfrm>
+            <a:off x="8219975" y="269507"/>
+            <a:ext cx="3224463" cy="1193533"/>
+          </a:xfrm>
+          <a:prstGeom prst="rect">
+            <a:avLst/>
+          </a:prstGeom>
+          <a:solidFill>
+            <a:srgbClr val="FFFF00"/>
+          </a:solidFill>
+        </p:spPr>
+        <p:style>
+          <a:lnRef idx="2">
+            <a:schemeClr val="accent1">
+              <a:shade val="50000"/>
+            </a:schemeClr>
+          </a:lnRef>
+          <a:fillRef idx="1">
+            <a:schemeClr val="accent1"/>
+          </a:fillRef>
+          <a:effectRef idx="0">
+            <a:schemeClr val="accent1"/>
+          </a:effectRef>
+          <a:fontRef idx="minor">
+            <a:schemeClr val="lt1"/>
+          </a:fontRef>
+        </p:style>
+        <p:txBody>
+          <a:bodyPr rtlCol="0" anchor="ctr"/>
+          <a:lstStyle/>
+          <a:p>
+            <a:pPr algn="ctr"/>
+            <a:r>
+              <a:rPr lang="en-US" sz="2400" dirty="0">
+                <a:solidFill>
+                  <a:sysClr val="windowText" lastClr="000000"/>
+                </a:solidFill>
+              </a:rPr>
+              <a:t>Mitch added 2/24</a:t>
+            </a:r>
+          </a:p>
+        </p:txBody>
+      </p:sp>
     </p:spTree>
     <p:extLst>
       <p:ext uri="{BB962C8B-B14F-4D97-AF65-F5344CB8AC3E}">
-        <p14:creationId xmlns:p14="http://schemas.microsoft.com/office/powerpoint/2010/main" val="1165156964"/>
+        <p14:creationId xmlns:p14="http://schemas.microsoft.com/office/powerpoint/2010/main" val="1007606320"/>
       </p:ext>
     </p:extLst>
   </p:cSld>
@@ -9137,12 +9681,101 @@
       </p:grpSpPr>
       <p:sp>
         <p:nvSpPr>
-          <p:cNvPr id="182" name="Course Mechanics"/>
+          <p:cNvPr id="203" name="CS 5500: Course Objective"/>
           <p:cNvSpPr txBox="1">
             <a:spLocks noGrp="1"/>
           </p:cNvSpPr>
           <p:nvPr>
             <p:ph type="title"/>
+          </p:nvPr>
+        </p:nvSpPr>
+        <p:spPr/>
+        <p:txBody>
+          <a:bodyPr/>
+          <a:lstStyle>
+            <a:lvl1pPr>
+              <a:defRPr>
+                <a:solidFill>
+                  <a:srgbClr val="005493"/>
+                </a:solidFill>
+              </a:defRPr>
+            </a:lvl1pPr>
+          </a:lstStyle>
+          <a:p>
+            <a:r>
+              <a:rPr lang="en-US" dirty="0">
+                <a:solidFill>
+                  <a:srgbClr val="0070C0"/>
+                </a:solidFill>
+              </a:rPr>
+              <a:t>Learning Objectives for this course:</a:t>
+            </a:r>
+          </a:p>
+        </p:txBody>
+      </p:sp>
+      <p:sp>
+        <p:nvSpPr>
+          <p:cNvPr id="204" name="Developing skills that are necessary for successful software development…"/>
+          <p:cNvSpPr txBox="1">
+            <a:spLocks noGrp="1"/>
+          </p:cNvSpPr>
+          <p:nvPr>
+            <p:ph idx="1"/>
+          </p:nvPr>
+        </p:nvSpPr>
+        <p:spPr/>
+        <p:txBody>
+          <a:bodyPr>
+            <a:normAutofit/>
+          </a:bodyPr>
+          <a:lstStyle/>
+          <a:p>
+            <a:r>
+              <a:rPr lang="en-US" dirty="0"/>
+              <a:t>By the end of this course, you will--</a:t>
+            </a:r>
+          </a:p>
+          <a:p>
+            <a:pPr lvl="1"/>
+            <a:r>
+              <a:rPr lang="en-US" dirty="0"/>
+              <a:t>Be able to define and describe the phases of the software engineering lifecycle.</a:t>
+            </a:r>
+          </a:p>
+          <a:p>
+            <a:pPr lvl="1"/>
+            <a:r>
+              <a:rPr lang="en-US" dirty="0"/>
+              <a:t>Be able to explain the role of key processes and technologies in modern software development.</a:t>
+            </a:r>
+          </a:p>
+          <a:p>
+            <a:pPr lvl="1"/>
+            <a:r>
+              <a:rPr lang="en-US" dirty="0"/>
+              <a:t>Be able to productively apply instances of major tools used in elementary SE tasks.</a:t>
+            </a:r>
+          </a:p>
+          <a:p>
+            <a:pPr lvl="1"/>
+            <a:r>
+              <a:rPr lang="en-US" dirty="0"/>
+              <a:t>Design and implement a portfolio-worthy software engineering project in a small team environment that can be showcased to recruiters.</a:t>
+            </a:r>
+          </a:p>
+          <a:p>
+            <a:endParaRPr lang="en-US" dirty="0"/>
+          </a:p>
+        </p:txBody>
+      </p:sp>
+      <p:sp>
+        <p:nvSpPr>
+          <p:cNvPr id="205" name="Slide Number"/>
+          <p:cNvSpPr txBox="1">
+            <a:spLocks noGrp="1"/>
+          </p:cNvSpPr>
+          <p:nvPr>
+            <p:ph type="sldNum" sz="quarter" idx="12"/>
           </p:nvPr>
         </p:nvSpPr>
         <p:spPr/>
@@ -9150,90 +9783,9 @@
           <a:bodyPr/>
           <a:lstStyle/>
           <a:p>
-            <a:r>
-              <a:rPr lang="en-US" dirty="0"/>
-              <a:t>Course Mechanics</a:t>
-            </a:r>
-          </a:p>
-        </p:txBody>
-      </p:sp>
-      <p:sp>
-        <p:nvSpPr>
-          <p:cNvPr id="184" name="See syllabus for all of the usual stuff…"/>
-          <p:cNvSpPr txBox="1">
-            <a:spLocks noGrp="1"/>
-          </p:cNvSpPr>
-          <p:nvPr>
-            <p:ph idx="1"/>
-          </p:nvPr>
-        </p:nvSpPr>
-        <p:spPr/>
-        <p:txBody>
-          <a:bodyPr>
-            <a:normAutofit fontScale="92500"/>
-          </a:bodyPr>
-          <a:lstStyle/>
-          <a:p>
-            <a:r>
-              <a:rPr lang="en-US" dirty="0"/>
-              <a:t>Our goal is to provide a productive learning environment to both remote and on-the-ground students</a:t>
-            </a:r>
-          </a:p>
-          <a:p>
-            <a:r>
-              <a:rPr lang="en-US" dirty="0"/>
-              <a:t>100% attendance is expected for both on-the-ground and remote sections</a:t>
-            </a:r>
-          </a:p>
-          <a:p>
-            <a:r>
-              <a:rPr lang="en-US" dirty="0"/>
-              <a:t>Classes will include both lectures and in-class activities.</a:t>
-            </a:r>
-          </a:p>
-          <a:p>
-            <a:r>
-              <a:rPr lang="en-US" dirty="0"/>
-              <a:t>Be sure to bring your laptop</a:t>
-            </a:r>
-          </a:p>
-          <a:p>
-            <a:r>
-              <a:rPr lang="en-US" dirty="0"/>
-              <a:t>Weekly slides will be posted in advance, so be prepared to ask and answer questions about the material.</a:t>
-            </a:r>
-          </a:p>
-        </p:txBody>
-      </p:sp>
-      <p:sp>
-        <p:nvSpPr>
-          <p:cNvPr id="2" name="Slide Number Placeholder 1">
-            <a:extLst>
-              <a:ext uri="{FF2B5EF4-FFF2-40B4-BE49-F238E27FC236}">
-                <a16:creationId xmlns:a16="http://schemas.microsoft.com/office/drawing/2014/main" id="{6DBF43BB-13F1-408A-8B9B-BE74663C72AB}"/>
-              </a:ext>
-            </a:extLst>
-          </p:cNvPr>
-          <p:cNvSpPr>
-            <a:spLocks noGrp="1"/>
-          </p:cNvSpPr>
-          <p:nvPr>
-            <p:ph type="sldNum" sz="quarter" idx="12"/>
-          </p:nvPr>
-        </p:nvSpPr>
-        <p:spPr/>
-        <p:txBody>
-          <a:bodyPr/>
-          <a:lstStyle/>
-          <a:p>
-            <a:pPr defTabSz="547695">
-              <a:defRPr/>
-            </a:pPr>
             <a:fld id="{86CB4B4D-7CA3-9044-876B-883B54F8677D}" type="slidenum">
-              <a:rPr lang="en-US" smtClean="0"/>
-              <a:pPr defTabSz="547695">
-                <a:defRPr/>
-              </a:pPr>
+              <a:rPr lang="en-US"/>
+              <a:pPr/>
               <a:t>12</a:t>
             </a:fld>
             <a:endParaRPr lang="en-US"/>
@@ -9270,7 +9822,7 @@
           <p:cNvPr id="2" name="Title 1">
             <a:extLst>
               <a:ext uri="{FF2B5EF4-FFF2-40B4-BE49-F238E27FC236}">
-                <a16:creationId xmlns:a16="http://schemas.microsoft.com/office/drawing/2014/main" id="{2C70CA9F-0155-471E-8C28-16719BFE9FB4}"/>
+                <a16:creationId xmlns:a16="http://schemas.microsoft.com/office/drawing/2014/main" id="{F6EBAC04-7D84-4ADF-9008-CD1F760BF4F6}"/>
               </a:ext>
             </a:extLst>
           </p:cNvPr>
@@ -9288,24 +9840,17 @@
           <a:p>
             <a:r>
               <a:rPr lang="en-US" dirty="0"/>
-              <a:t>Course Mechanics:</a:t>
-            </a:r>
-            <a:br>
-              <a:rPr lang="en-US" dirty="0"/>
-            </a:br>
-            <a:r>
-              <a:rPr lang="en-US" dirty="0"/>
-              <a:t>In-Class Exercises and Tutorials</a:t>
-            </a:r>
-          </a:p>
-        </p:txBody>
-      </p:sp>
-      <p:sp>
-        <p:nvSpPr>
-          <p:cNvPr id="3" name="Content Placeholder 2">
+              <a:t>Approach</a:t>
+            </a:r>
+          </a:p>
+        </p:txBody>
+      </p:sp>
+      <p:sp>
+        <p:nvSpPr>
+          <p:cNvPr id="3" name="Text Placeholder 2">
             <a:extLst>
               <a:ext uri="{FF2B5EF4-FFF2-40B4-BE49-F238E27FC236}">
-                <a16:creationId xmlns:a16="http://schemas.microsoft.com/office/drawing/2014/main" id="{83E7DD52-8BF4-47F1-A03F-8790E75F276E}"/>
+                <a16:creationId xmlns:a16="http://schemas.microsoft.com/office/drawing/2014/main" id="{2F14D664-92BF-4A0F-A0F9-34716F35F125}"/>
               </a:ext>
             </a:extLst>
           </p:cNvPr>
@@ -9325,65 +9870,36 @@
           <a:p>
             <a:r>
               <a:rPr lang="en-US" dirty="0"/>
-              <a:t>There will often be in-class exercises to give you practice with the technologies we will use.</a:t>
-            </a:r>
-          </a:p>
-          <a:p>
-            <a:r>
-              <a:rPr lang="en-US" dirty="0"/>
-              <a:t>Typically, will consist of structured steps that will guide you through a typical task</a:t>
-            </a:r>
-          </a:p>
-          <a:p>
-            <a:r>
-              <a:rPr lang="en-US" dirty="0"/>
-              <a:t>Each instructor will use </a:t>
-            </a:r>
-            <a:r>
-              <a:rPr lang="en-US" b="1" dirty="0">
-                <a:solidFill>
-                  <a:srgbClr val="FF0000"/>
-                </a:solidFill>
-              </a:rPr>
-              <a:t>individual approach </a:t>
-            </a:r>
-            <a:r>
-              <a:rPr lang="en-US" dirty="0"/>
-              <a:t>to grade in-class activities.</a:t>
-            </a:r>
-          </a:p>
-          <a:p>
-            <a:r>
-              <a:rPr lang="en-US" dirty="0"/>
-              <a:t>In addition, there will be </a:t>
-            </a:r>
-            <a:r>
-              <a:rPr lang="en-US" b="1" dirty="0">
-                <a:solidFill>
-                  <a:srgbClr val="FF0000"/>
-                </a:solidFill>
-              </a:rPr>
-              <a:t>tutorials</a:t>
-            </a:r>
-            <a:r>
-              <a:rPr lang="en-US" dirty="0"/>
-              <a:t> posted on the web.</a:t>
-            </a:r>
-          </a:p>
-          <a:p>
-            <a:r>
-              <a:rPr lang="en-US" dirty="0"/>
-              <a:t>These will extend the in-class materials.</a:t>
-            </a:r>
-          </a:p>
-          <a:p>
-            <a:endParaRPr lang="en-US" dirty="0"/>
-          </a:p>
-          <a:p>
-            <a:endParaRPr lang="en-US" dirty="0"/>
-          </a:p>
-          <a:p>
-            <a:endParaRPr lang="en-US" dirty="0"/>
+              <a:t>The course will mirror the steps of the software engineering life cycle</a:t>
+            </a:r>
+          </a:p>
+          <a:p>
+            <a:pPr lvl="1"/>
+            <a:r>
+              <a:rPr lang="en-US" dirty="0"/>
+              <a:t>starting with requirements, through testing and deployment</a:t>
+            </a:r>
+          </a:p>
+          <a:p>
+            <a:pPr lvl="1"/>
+            <a:r>
+              <a:rPr lang="en-US" dirty="0"/>
+              <a:t>Essentially you will be working on a </a:t>
+            </a:r>
+            <a:r>
+              <a:rPr lang="en-US" b="1" dirty="0"/>
+              <a:t>team project</a:t>
+            </a:r>
+            <a:r>
+              <a:rPr lang="en-US" dirty="0"/>
+              <a:t> that combines all aspects of SE.</a:t>
+            </a:r>
+          </a:p>
+          <a:p>
+            <a:r>
+              <a:rPr lang="en-US" dirty="0"/>
+              <a:t>We will move some material forward to make sure that you have the learning you need when you need it</a:t>
+            </a:r>
           </a:p>
         </p:txBody>
       </p:sp>
@@ -9392,7 +9908,7 @@
           <p:cNvPr id="4" name="Slide Number Placeholder 3">
             <a:extLst>
               <a:ext uri="{FF2B5EF4-FFF2-40B4-BE49-F238E27FC236}">
-                <a16:creationId xmlns:a16="http://schemas.microsoft.com/office/drawing/2014/main" id="{FDF8C937-3F72-4BE9-A627-86A7D9E23D6F}"/>
+                <a16:creationId xmlns:a16="http://schemas.microsoft.com/office/drawing/2014/main" id="{35CC98DA-479F-4397-9904-62EF61195E72}"/>
               </a:ext>
             </a:extLst>
           </p:cNvPr>
@@ -9408,8 +9924,14 @@
           <a:bodyPr/>
           <a:lstStyle/>
           <a:p>
-            <a:fld id="{20F37917-FD3A-4669-9018-DA04BCDD3D75}" type="slidenum">
+            <a:pPr defTabSz="547695">
+              <a:defRPr/>
+            </a:pPr>
+            <a:fld id="{86CB4B4D-7CA3-9044-876B-883B54F8677D}" type="slidenum">
               <a:rPr lang="en-US" smtClean="0"/>
+              <a:pPr defTabSz="547695">
+                <a:defRPr/>
+              </a:pPr>
               <a:t>13</a:t>
             </a:fld>
             <a:endParaRPr lang="en-US"/>
@@ -9419,7 +9941,7 @@
     </p:spTree>
     <p:extLst>
       <p:ext uri="{BB962C8B-B14F-4D97-AF65-F5344CB8AC3E}">
-        <p14:creationId xmlns:p14="http://schemas.microsoft.com/office/powerpoint/2010/main" val="504651817"/>
+        <p14:creationId xmlns:p14="http://schemas.microsoft.com/office/powerpoint/2010/main" val="1165156964"/>
       </p:ext>
     </p:extLst>
   </p:cSld>
@@ -9448,123 +9970,80 @@
       </p:grpSpPr>
       <p:sp>
         <p:nvSpPr>
-          <p:cNvPr id="2" name="Title 1">
+          <p:cNvPr id="182" name="Course Mechanics"/>
+          <p:cNvSpPr txBox="1">
+            <a:spLocks noGrp="1"/>
+          </p:cNvSpPr>
+          <p:nvPr>
+            <p:ph type="title"/>
+          </p:nvPr>
+        </p:nvSpPr>
+        <p:spPr/>
+        <p:txBody>
+          <a:bodyPr/>
+          <a:lstStyle/>
+          <a:p>
+            <a:r>
+              <a:rPr lang="en-US" dirty="0"/>
+              <a:t>Course Mechanics</a:t>
+            </a:r>
+          </a:p>
+        </p:txBody>
+      </p:sp>
+      <p:sp>
+        <p:nvSpPr>
+          <p:cNvPr id="184" name="See syllabus for all of the usual stuff…"/>
+          <p:cNvSpPr txBox="1">
+            <a:spLocks noGrp="1"/>
+          </p:cNvSpPr>
+          <p:nvPr>
+            <p:ph idx="1"/>
+          </p:nvPr>
+        </p:nvSpPr>
+        <p:spPr/>
+        <p:txBody>
+          <a:bodyPr>
+            <a:normAutofit fontScale="92500"/>
+          </a:bodyPr>
+          <a:lstStyle/>
+          <a:p>
+            <a:r>
+              <a:rPr lang="en-US" dirty="0"/>
+              <a:t>Our goal is to provide a productive learning environment to both remote and on-the-ground students</a:t>
+            </a:r>
+          </a:p>
+          <a:p>
+            <a:r>
+              <a:rPr lang="en-US" dirty="0"/>
+              <a:t>100% attendance is expected for both on-the-ground and remote sections</a:t>
+            </a:r>
+          </a:p>
+          <a:p>
+            <a:r>
+              <a:rPr lang="en-US" dirty="0"/>
+              <a:t>Classes will include both lectures and in-class activities.</a:t>
+            </a:r>
+          </a:p>
+          <a:p>
+            <a:r>
+              <a:rPr lang="en-US" dirty="0"/>
+              <a:t>Be sure to bring your laptop</a:t>
+            </a:r>
+          </a:p>
+          <a:p>
+            <a:r>
+              <a:rPr lang="en-US" dirty="0"/>
+              <a:t>Weekly slides will be posted in advance, so be prepared to ask and answer questions about the material.</a:t>
+            </a:r>
+          </a:p>
+        </p:txBody>
+      </p:sp>
+      <p:sp>
+        <p:nvSpPr>
+          <p:cNvPr id="2" name="Slide Number Placeholder 1">
             <a:extLst>
               <a:ext uri="{FF2B5EF4-FFF2-40B4-BE49-F238E27FC236}">
-                <a16:creationId xmlns:a16="http://schemas.microsoft.com/office/drawing/2014/main" id="{46CF8AAD-C000-4577-AEBC-F85F657FFE8C}"/>
-              </a:ext>
-            </a:extLst>
-          </p:cNvPr>
-          <p:cNvSpPr>
-            <a:spLocks noGrp="1"/>
-          </p:cNvSpPr>
-          <p:nvPr>
-            <p:ph type="title"/>
-          </p:nvPr>
-        </p:nvSpPr>
-        <p:spPr/>
-        <p:txBody>
-          <a:bodyPr/>
-          <a:lstStyle/>
-          <a:p>
-            <a:r>
-              <a:rPr lang="en-US" dirty="0"/>
-              <a:t>Course Requirements</a:t>
-            </a:r>
-          </a:p>
-        </p:txBody>
-      </p:sp>
-      <p:sp>
-        <p:nvSpPr>
-          <p:cNvPr id="3" name="Text Placeholder 2">
-            <a:extLst>
-              <a:ext uri="{FF2B5EF4-FFF2-40B4-BE49-F238E27FC236}">
-                <a16:creationId xmlns:a16="http://schemas.microsoft.com/office/drawing/2014/main" id="{3B13C7A6-A28D-4387-9F64-48979188D9B1}"/>
-              </a:ext>
-            </a:extLst>
-          </p:cNvPr>
-          <p:cNvSpPr>
-            <a:spLocks noGrp="1"/>
-          </p:cNvSpPr>
-          <p:nvPr>
-            <p:ph idx="1"/>
-          </p:nvPr>
-        </p:nvSpPr>
-        <p:spPr>
-          <a:xfrm>
-            <a:off x="838200" y="1500160"/>
-            <a:ext cx="8417312" cy="4351338"/>
-          </a:xfrm>
-        </p:spPr>
-        <p:txBody>
-          <a:bodyPr>
-            <a:normAutofit/>
-          </a:bodyPr>
-          <a:lstStyle/>
-          <a:p>
-            <a:r>
-              <a:rPr lang="en-US" dirty="0"/>
-              <a:t>We will start with an individual project, divided into 2 deliverables.  This is to be done </a:t>
-            </a:r>
-            <a:r>
-              <a:rPr lang="en-US" b="1" dirty="0"/>
-              <a:t>individually</a:t>
-            </a:r>
-          </a:p>
-          <a:p>
-            <a:r>
-              <a:rPr lang="en-US" dirty="0"/>
-              <a:t>Then a group project, done in teams of about 4 people</a:t>
-            </a:r>
-          </a:p>
-          <a:p>
-            <a:r>
-              <a:rPr lang="en-US" dirty="0"/>
-              <a:t>There will be an exam on Mar 11-13 (Week 10 – Week after Spring break). There will not be a final exam.</a:t>
-            </a:r>
-          </a:p>
-          <a:p>
-            <a:r>
-              <a:rPr lang="en-US" dirty="0"/>
-              <a:t>The overall grading breakdown is:</a:t>
-            </a:r>
-          </a:p>
-          <a:p>
-            <a:pPr lvl="1"/>
-            <a:r>
-              <a:rPr lang="en-US" dirty="0"/>
-              <a:t>30% Individual Assignments (Individual Projects 1 and 2)</a:t>
-            </a:r>
-          </a:p>
-          <a:p>
-            <a:pPr lvl="1"/>
-            <a:r>
-              <a:rPr lang="en-US" dirty="0"/>
-              <a:t>40% Team Project</a:t>
-            </a:r>
-          </a:p>
-          <a:p>
-            <a:pPr lvl="1"/>
-            <a:r>
-              <a:rPr lang="en-US" dirty="0"/>
-              <a:t>10% Participation &amp; In-class activities</a:t>
-            </a:r>
-          </a:p>
-          <a:p>
-            <a:pPr lvl="1"/>
-            <a:r>
-              <a:rPr lang="en-US" dirty="0"/>
-              <a:t>20% Week 10 Exam</a:t>
-            </a:r>
-          </a:p>
-        </p:txBody>
-      </p:sp>
-      <p:sp>
-        <p:nvSpPr>
-          <p:cNvPr id="7" name="Slide Number Placeholder 6">
-            <a:extLst>
-              <a:ext uri="{FF2B5EF4-FFF2-40B4-BE49-F238E27FC236}">
-                <a16:creationId xmlns:a16="http://schemas.microsoft.com/office/drawing/2014/main" id="{C3226C9D-2553-4272-88E2-CE134DEACCAB}"/>
+                <a16:creationId xmlns:a16="http://schemas.microsoft.com/office/drawing/2014/main" id="{6DBF43BB-13F1-408A-8B9B-BE74663C72AB}"/>
               </a:ext>
             </a:extLst>
           </p:cNvPr>
@@ -9595,11 +10074,6 @@
         </p:txBody>
       </p:sp>
     </p:spTree>
-    <p:extLst>
-      <p:ext uri="{BB962C8B-B14F-4D97-AF65-F5344CB8AC3E}">
-        <p14:creationId xmlns:p14="http://schemas.microsoft.com/office/powerpoint/2010/main" val="3191866407"/>
-      </p:ext>
-    </p:extLst>
   </p:cSld>
   <p:clrMapOvr>
     <a:masterClrMapping/>
@@ -9626,8 +10100,14 @@
       </p:grpSpPr>
       <p:sp>
         <p:nvSpPr>
-          <p:cNvPr id="217" name="Approach"/>
-          <p:cNvSpPr txBox="1">
+          <p:cNvPr id="2" name="Title 1">
+            <a:extLst>
+              <a:ext uri="{FF2B5EF4-FFF2-40B4-BE49-F238E27FC236}">
+                <a16:creationId xmlns:a16="http://schemas.microsoft.com/office/drawing/2014/main" id="{2C70CA9F-0155-471E-8C28-16719BFE9FB4}"/>
+              </a:ext>
+            </a:extLst>
+          </p:cNvPr>
+          <p:cNvSpPr>
             <a:spLocks noGrp="1"/>
           </p:cNvSpPr>
           <p:nvPr>
@@ -9637,35 +10117,123 @@
         <p:spPr/>
         <p:txBody>
           <a:bodyPr/>
-          <a:lstStyle>
-            <a:lvl1pPr>
-              <a:defRPr>
+          <a:lstStyle/>
+          <a:p>
+            <a:r>
+              <a:rPr lang="en-US" dirty="0"/>
+              <a:t>Course Mechanics:</a:t>
+            </a:r>
+            <a:br>
+              <a:rPr lang="en-US" dirty="0"/>
+            </a:br>
+            <a:r>
+              <a:rPr lang="en-US" dirty="0"/>
+              <a:t>In-Class Exercises and Tutorials</a:t>
+            </a:r>
+          </a:p>
+        </p:txBody>
+      </p:sp>
+      <p:sp>
+        <p:nvSpPr>
+          <p:cNvPr id="3" name="Content Placeholder 2">
+            <a:extLst>
+              <a:ext uri="{FF2B5EF4-FFF2-40B4-BE49-F238E27FC236}">
+                <a16:creationId xmlns:a16="http://schemas.microsoft.com/office/drawing/2014/main" id="{83E7DD52-8BF4-47F1-A03F-8790E75F276E}"/>
+              </a:ext>
+            </a:extLst>
+          </p:cNvPr>
+          <p:cNvSpPr>
+            <a:spLocks noGrp="1"/>
+          </p:cNvSpPr>
+          <p:nvPr>
+            <p:ph idx="1"/>
+          </p:nvPr>
+        </p:nvSpPr>
+        <p:spPr/>
+        <p:txBody>
+          <a:bodyPr>
+            <a:normAutofit/>
+          </a:bodyPr>
+          <a:lstStyle/>
+          <a:p>
+            <a:r>
+              <a:rPr lang="en-US" dirty="0"/>
+              <a:t>There will often be in-class exercises to give you practice with the technologies we will use.</a:t>
+            </a:r>
+          </a:p>
+          <a:p>
+            <a:r>
+              <a:rPr lang="en-US" dirty="0"/>
+              <a:t>Typically, will consist of structured steps that will guide you through a typical task</a:t>
+            </a:r>
+          </a:p>
+          <a:p>
+            <a:r>
+              <a:rPr lang="en-US" dirty="0"/>
+              <a:t>Each instructor will use </a:t>
+            </a:r>
+            <a:r>
+              <a:rPr lang="en-US" b="1" dirty="0">
                 <a:solidFill>
-                  <a:srgbClr val="005493"/>
-                </a:solidFill>
-              </a:defRPr>
-            </a:lvl1pPr>
-          </a:lstStyle>
-          <a:p>
-            <a:r>
-              <a:rPr lang="en-US" dirty="0">
-                <a:solidFill>
-                  <a:srgbClr val="0070C0"/>
+                  <a:srgbClr val="FF0000"/>
                 </a:solidFill>
               </a:rPr>
-              <a:t>Technology</a:t>
-            </a:r>
-          </a:p>
-        </p:txBody>
-      </p:sp>
-      <p:sp>
-        <p:nvSpPr>
-          <p:cNvPr id="218" name="first half of the course: emphasis on skills development…"/>
-          <p:cNvSpPr txBox="1">
-            <a:spLocks noGrp="1"/>
-          </p:cNvSpPr>
-          <p:nvPr>
-            <p:ph idx="1"/>
+              <a:t>individual approach </a:t>
+            </a:r>
+            <a:r>
+              <a:rPr lang="en-US" dirty="0"/>
+              <a:t>to grade in-class activities.</a:t>
+            </a:r>
+          </a:p>
+          <a:p>
+            <a:r>
+              <a:rPr lang="en-US" dirty="0"/>
+              <a:t>In addition, there will be </a:t>
+            </a:r>
+            <a:r>
+              <a:rPr lang="en-US" b="1" dirty="0">
+                <a:solidFill>
+                  <a:srgbClr val="FF0000"/>
+                </a:solidFill>
+              </a:rPr>
+              <a:t>tutorials</a:t>
+            </a:r>
+            <a:r>
+              <a:rPr lang="en-US" dirty="0"/>
+              <a:t> posted on the web.</a:t>
+            </a:r>
+          </a:p>
+          <a:p>
+            <a:r>
+              <a:rPr lang="en-US" dirty="0"/>
+              <a:t>These will extend the in-class materials.</a:t>
+            </a:r>
+          </a:p>
+          <a:p>
+            <a:endParaRPr lang="en-US" dirty="0"/>
+          </a:p>
+          <a:p>
+            <a:endParaRPr lang="en-US" dirty="0"/>
+          </a:p>
+          <a:p>
+            <a:endParaRPr lang="en-US" dirty="0"/>
+          </a:p>
+        </p:txBody>
+      </p:sp>
+      <p:sp>
+        <p:nvSpPr>
+          <p:cNvPr id="4" name="Slide Number Placeholder 3">
+            <a:extLst>
+              <a:ext uri="{FF2B5EF4-FFF2-40B4-BE49-F238E27FC236}">
+                <a16:creationId xmlns:a16="http://schemas.microsoft.com/office/drawing/2014/main" id="{FDF8C937-3F72-4BE9-A627-86A7D9E23D6F}"/>
+              </a:ext>
+            </a:extLst>
+          </p:cNvPr>
+          <p:cNvSpPr>
+            <a:spLocks noGrp="1"/>
+          </p:cNvSpPr>
+          <p:nvPr>
+            <p:ph type="sldNum" sz="quarter" idx="12"/>
           </p:nvPr>
         </p:nvSpPr>
         <p:spPr/>
@@ -9673,83 +10241,8 @@
           <a:bodyPr/>
           <a:lstStyle/>
           <a:p>
-            <a:r>
-              <a:rPr lang="en-US" dirty="0"/>
-              <a:t>We will use:</a:t>
-            </a:r>
-          </a:p>
-          <a:p>
-            <a:pPr lvl="1"/>
-            <a:r>
-              <a:rPr lang="en-US" dirty="0"/>
-              <a:t>TypeScript as implementation language</a:t>
-            </a:r>
-          </a:p>
-          <a:p>
-            <a:pPr lvl="1"/>
-            <a:r>
-              <a:rPr lang="en-US" dirty="0"/>
-              <a:t>Jest as Testing Framework</a:t>
-            </a:r>
-          </a:p>
-          <a:p>
-            <a:pPr lvl="1"/>
-            <a:r>
-              <a:rPr lang="en-US" dirty="0"/>
-              <a:t>Visual Studio Code as our IDE</a:t>
-            </a:r>
-          </a:p>
-          <a:p>
-            <a:pPr lvl="1"/>
-            <a:r>
-              <a:rPr lang="en-US" dirty="0"/>
-              <a:t>React for webapps</a:t>
-            </a:r>
-          </a:p>
-          <a:p>
-            <a:pPr lvl="1"/>
-            <a:r>
-              <a:rPr lang="en-US" dirty="0"/>
-              <a:t>GitHub Projects for Project Management</a:t>
-            </a:r>
-          </a:p>
-          <a:p>
-            <a:pPr lvl="1"/>
-            <a:r>
-              <a:rPr lang="en-US" dirty="0"/>
-              <a:t>GitHub Actions / Netlify /Heroku / Render for CI/CD</a:t>
-            </a:r>
-          </a:p>
-          <a:p>
-            <a:pPr lvl="1"/>
-            <a:r>
-              <a:rPr lang="en-US" dirty="0"/>
-              <a:t>Also, other miscellaneous tools</a:t>
-            </a:r>
-          </a:p>
-          <a:p>
-            <a:endParaRPr lang="en-US" dirty="0"/>
-          </a:p>
-        </p:txBody>
-      </p:sp>
-      <p:sp>
-        <p:nvSpPr>
-          <p:cNvPr id="219" name="Slide Number"/>
-          <p:cNvSpPr txBox="1">
-            <a:spLocks noGrp="1"/>
-          </p:cNvSpPr>
-          <p:nvPr>
-            <p:ph type="sldNum" sz="quarter" idx="12"/>
-          </p:nvPr>
-        </p:nvSpPr>
-        <p:spPr/>
-        <p:txBody>
-          <a:bodyPr/>
-          <a:lstStyle/>
-          <a:p>
-            <a:fld id="{86CB4B4D-7CA3-9044-876B-883B54F8677D}" type="slidenum">
-              <a:rPr lang="en-US"/>
-              <a:pPr/>
+            <a:fld id="{20F37917-FD3A-4669-9018-DA04BCDD3D75}" type="slidenum">
+              <a:rPr lang="en-US" smtClean="0"/>
               <a:t>15</a:t>
             </a:fld>
             <a:endParaRPr lang="en-US"/>
@@ -9757,6 +10250,11 @@
         </p:txBody>
       </p:sp>
     </p:spTree>
+    <p:extLst>
+      <p:ext uri="{BB962C8B-B14F-4D97-AF65-F5344CB8AC3E}">
+        <p14:creationId xmlns:p14="http://schemas.microsoft.com/office/powerpoint/2010/main" val="504651817"/>
+      </p:ext>
+    </p:extLst>
   </p:cSld>
   <p:clrMapOvr>
     <a:masterClrMapping/>
@@ -9804,23 +10302,7 @@
           <a:p>
             <a:r>
               <a:rPr lang="en-US" dirty="0"/>
-              <a:t>We will use </a:t>
-            </a:r>
-            <a:r>
-              <a:rPr lang="en-US" dirty="0" err="1"/>
-              <a:t>Covey.Town</a:t>
-            </a:r>
-            <a:r>
-              <a:rPr lang="en-US" dirty="0"/>
-              <a:t> as the </a:t>
-            </a:r>
-            <a:r>
-              <a:rPr lang="en-US" i="1" dirty="0"/>
-              <a:t>running</a:t>
-            </a:r>
-            <a:r>
-              <a:rPr lang="en-US" dirty="0"/>
-              <a:t> codebase for the course</a:t>
+              <a:t>Course Requirements</a:t>
             </a:r>
           </a:p>
         </p:txBody>
@@ -9844,146 +10326,69 @@
         <p:spPr>
           <a:xfrm>
             <a:off x="838200" y="1500160"/>
-            <a:ext cx="5618356" cy="4351338"/>
+            <a:ext cx="8417312" cy="4351338"/>
           </a:xfrm>
         </p:spPr>
         <p:txBody>
           <a:bodyPr>
-            <a:normAutofit fontScale="77500" lnSpcReduction="20000"/>
+            <a:normAutofit/>
           </a:bodyPr>
           <a:lstStyle/>
           <a:p>
             <a:r>
-              <a:rPr lang="en-US" dirty="0" err="1">
-                <a:latin typeface="Lato Extended"/>
-              </a:rPr>
-              <a:t>Covey.Town</a:t>
-            </a:r>
-            <a:r>
-              <a:rPr lang="en-US" dirty="0">
-                <a:latin typeface="Lato Extended"/>
-              </a:rPr>
-              <a:t> is a virtual meeting space.</a:t>
-            </a:r>
-          </a:p>
-          <a:p>
-            <a:r>
-              <a:rPr lang="en-US" b="0" i="0" dirty="0">
-                <a:solidFill>
-                  <a:srgbClr val="2D3B45"/>
-                </a:solidFill>
-                <a:effectLst/>
-                <a:latin typeface="Lato Extended"/>
-              </a:rPr>
-              <a:t>Different groups of people can have simultaneous video calls, allowing participants to drift between different conversations, just like in real life. </a:t>
-            </a:r>
-          </a:p>
-          <a:p>
-            <a:r>
-              <a:rPr lang="en-US" b="0" i="0" dirty="0">
-                <a:solidFill>
-                  <a:srgbClr val="2D3B45"/>
-                </a:solidFill>
-                <a:effectLst/>
-                <a:latin typeface="Lato Extended"/>
-              </a:rPr>
-              <a:t>Inspired by existing products like </a:t>
-            </a:r>
-            <a:r>
-              <a:rPr lang="en-US" b="0" i="0" u="sng" dirty="0" err="1">
-                <a:effectLst/>
-                <a:latin typeface="Lato Extended"/>
-              </a:rPr>
-              <a:t>Gather.Town</a:t>
-            </a:r>
-            <a:r>
-              <a:rPr lang="en-US" b="0" i="0" u="sng" dirty="0">
-                <a:effectLst/>
-                <a:latin typeface="Lato Extended"/>
-              </a:rPr>
-              <a:t>, </a:t>
-            </a:r>
-            <a:r>
-              <a:rPr lang="en-US" b="0" i="0" u="sng" dirty="0" err="1">
-                <a:effectLst/>
-                <a:latin typeface="Lato Extended"/>
-                <a:hlinkClick r:id="rId3"/>
-              </a:rPr>
-              <a:t>Sococo</a:t>
-            </a:r>
-            <a:r>
-              <a:rPr lang="en-US" b="0" i="0" dirty="0">
-                <a:solidFill>
-                  <a:srgbClr val="2D3B45"/>
-                </a:solidFill>
-                <a:effectLst/>
-                <a:latin typeface="Lato Extended"/>
-              </a:rPr>
-              <a:t>, and </a:t>
-            </a:r>
-            <a:r>
-              <a:rPr lang="en-US" b="0" i="0" u="sng" dirty="0">
-                <a:effectLst/>
-                <a:latin typeface="Lato Extended"/>
-                <a:hlinkClick r:id="rId4"/>
-              </a:rPr>
-              <a:t>Gatherly.IO</a:t>
-            </a:r>
-            <a:endParaRPr lang="en-US" b="0" i="0" u="sng" dirty="0">
-              <a:effectLst/>
-              <a:latin typeface="Lato Extended"/>
-            </a:endParaRPr>
-          </a:p>
-          <a:p>
-            <a:r>
-              <a:rPr lang="en-US" b="0" i="0" dirty="0">
-                <a:solidFill>
-                  <a:srgbClr val="2D3B45"/>
-                </a:solidFill>
-                <a:effectLst/>
-                <a:latin typeface="Lato Extended"/>
-              </a:rPr>
-              <a:t>But it is an open-source effort </a:t>
-            </a:r>
-          </a:p>
-          <a:p>
-            <a:r>
-              <a:rPr lang="en-US" dirty="0">
-                <a:solidFill>
-                  <a:srgbClr val="2D3B45"/>
-                </a:solidFill>
-                <a:latin typeface="Lato Extended"/>
-              </a:rPr>
-              <a:t>T</a:t>
-            </a:r>
-            <a:r>
-              <a:rPr lang="en-US" b="0" i="0" dirty="0">
-                <a:solidFill>
-                  <a:srgbClr val="2D3B45"/>
-                </a:solidFill>
-                <a:effectLst/>
-                <a:latin typeface="Lato Extended"/>
-              </a:rPr>
-              <a:t>he features will be proposed and implemented by you! </a:t>
-            </a:r>
-          </a:p>
-          <a:p>
-            <a:r>
-              <a:rPr lang="en-US" b="0" i="0" dirty="0">
-                <a:solidFill>
-                  <a:srgbClr val="2D3B45"/>
-                </a:solidFill>
-                <a:effectLst/>
-                <a:latin typeface="Lato Extended"/>
-              </a:rPr>
-              <a:t>All implementation will take place in the TypeScript programming language, using React for the user interface.</a:t>
-            </a:r>
-            <a:endParaRPr lang="en-US" dirty="0">
-              <a:latin typeface="Lato Extended"/>
-            </a:endParaRPr>
-          </a:p>
-          <a:p>
-            <a:endParaRPr lang="en-US" dirty="0"/>
+              <a:rPr lang="en-US" dirty="0"/>
+              <a:t>We will start with an individual project, divided into 2 deliverables.  This is to be done </a:t>
+            </a:r>
+            <a:r>
+              <a:rPr lang="en-US" b="1" dirty="0"/>
+              <a:t>individually</a:t>
+            </a:r>
+          </a:p>
+          <a:p>
+            <a:r>
+              <a:rPr lang="en-US" dirty="0"/>
+              <a:t>Then a group project, done in teams of about 4 people</a:t>
+            </a:r>
+          </a:p>
+          <a:p>
+            <a:r>
+              <a:rPr lang="en-US" dirty="0"/>
+              <a:t>There will be an exam on Mar 11-13 (Week 10 – Week after Spring break). There will not be a final exam.</a:t>
+            </a:r>
+          </a:p>
+          <a:p>
+            <a:r>
+              <a:rPr lang="en-US" dirty="0"/>
+              <a:t>The overall grading breakdown is:</a:t>
+            </a:r>
+          </a:p>
+          <a:p>
+            <a:pPr lvl="1"/>
+            <a:r>
+              <a:rPr lang="en-US" dirty="0"/>
+              <a:t>30% Individual Assignments (Individual Projects 1 and 2)</a:t>
+            </a:r>
+          </a:p>
+          <a:p>
+            <a:pPr lvl="1"/>
+            <a:r>
+              <a:rPr lang="en-US" dirty="0"/>
+              <a:t>40% Team Project</a:t>
+            </a:r>
+          </a:p>
+          <a:p>
+            <a:pPr lvl="1"/>
+            <a:r>
+              <a:rPr lang="en-US" dirty="0"/>
+              <a:t>10% Participation &amp; In-class activities</a:t>
+            </a:r>
+          </a:p>
+          <a:p>
+            <a:pPr lvl="1"/>
+            <a:r>
+              <a:rPr lang="en-US" dirty="0"/>
+              <a:t>20% Week 10 Exam</a:t>
+            </a:r>
           </a:p>
         </p:txBody>
       </p:sp>
@@ -10017,6 +10422,434 @@
                 <a:defRPr/>
               </a:pPr>
               <a:t>16</a:t>
+            </a:fld>
+            <a:endParaRPr lang="en-US"/>
+          </a:p>
+        </p:txBody>
+      </p:sp>
+    </p:spTree>
+    <p:extLst>
+      <p:ext uri="{BB962C8B-B14F-4D97-AF65-F5344CB8AC3E}">
+        <p14:creationId xmlns:p14="http://schemas.microsoft.com/office/powerpoint/2010/main" val="3191866407"/>
+      </p:ext>
+    </p:extLst>
+  </p:cSld>
+  <p:clrMapOvr>
+    <a:masterClrMapping/>
+  </p:clrMapOvr>
+</p:sld>
+</file>
+
+<file path=ppt/slides/slide17.xml><?xml version="1.0" encoding="utf-8"?>
+<p:sld xmlns:a="http://schemas.openxmlformats.org/drawingml/2006/main" xmlns:r="http://schemas.openxmlformats.org/officeDocument/2006/relationships" xmlns:p="http://schemas.openxmlformats.org/presentationml/2006/main">
+  <p:cSld>
+    <p:spTree>
+      <p:nvGrpSpPr>
+        <p:cNvPr id="1" name=""/>
+        <p:cNvGrpSpPr/>
+        <p:nvPr/>
+      </p:nvGrpSpPr>
+      <p:grpSpPr>
+        <a:xfrm>
+          <a:off x="0" y="0"/>
+          <a:ext cx="0" cy="0"/>
+          <a:chOff x="0" y="0"/>
+          <a:chExt cx="0" cy="0"/>
+        </a:xfrm>
+      </p:grpSpPr>
+      <p:sp>
+        <p:nvSpPr>
+          <p:cNvPr id="217" name="Approach"/>
+          <p:cNvSpPr txBox="1">
+            <a:spLocks noGrp="1"/>
+          </p:cNvSpPr>
+          <p:nvPr>
+            <p:ph type="title"/>
+          </p:nvPr>
+        </p:nvSpPr>
+        <p:spPr/>
+        <p:txBody>
+          <a:bodyPr/>
+          <a:lstStyle>
+            <a:lvl1pPr>
+              <a:defRPr>
+                <a:solidFill>
+                  <a:srgbClr val="005493"/>
+                </a:solidFill>
+              </a:defRPr>
+            </a:lvl1pPr>
+          </a:lstStyle>
+          <a:p>
+            <a:r>
+              <a:rPr lang="en-US" dirty="0">
+                <a:solidFill>
+                  <a:srgbClr val="0070C0"/>
+                </a:solidFill>
+              </a:rPr>
+              <a:t>Technology</a:t>
+            </a:r>
+          </a:p>
+        </p:txBody>
+      </p:sp>
+      <p:sp>
+        <p:nvSpPr>
+          <p:cNvPr id="218" name="first half of the course: emphasis on skills development…"/>
+          <p:cNvSpPr txBox="1">
+            <a:spLocks noGrp="1"/>
+          </p:cNvSpPr>
+          <p:nvPr>
+            <p:ph idx="1"/>
+          </p:nvPr>
+        </p:nvSpPr>
+        <p:spPr/>
+        <p:txBody>
+          <a:bodyPr/>
+          <a:lstStyle/>
+          <a:p>
+            <a:r>
+              <a:rPr lang="en-US" dirty="0"/>
+              <a:t>We will use:</a:t>
+            </a:r>
+          </a:p>
+          <a:p>
+            <a:pPr lvl="1"/>
+            <a:r>
+              <a:rPr lang="en-US" dirty="0"/>
+              <a:t>TypeScript as implementation language</a:t>
+            </a:r>
+          </a:p>
+          <a:p>
+            <a:pPr lvl="1"/>
+            <a:r>
+              <a:rPr lang="en-US" dirty="0"/>
+              <a:t>Jest as Testing Framework</a:t>
+            </a:r>
+          </a:p>
+          <a:p>
+            <a:pPr lvl="1"/>
+            <a:r>
+              <a:rPr lang="en-US" dirty="0"/>
+              <a:t>Visual Studio Code as our IDE</a:t>
+            </a:r>
+          </a:p>
+          <a:p>
+            <a:pPr lvl="1"/>
+            <a:r>
+              <a:rPr lang="en-US" dirty="0"/>
+              <a:t>React for webapps</a:t>
+            </a:r>
+          </a:p>
+          <a:p>
+            <a:pPr lvl="1"/>
+            <a:r>
+              <a:rPr lang="en-US" dirty="0"/>
+              <a:t>GitHub Projects for Project Management</a:t>
+            </a:r>
+          </a:p>
+          <a:p>
+            <a:pPr lvl="1"/>
+            <a:r>
+              <a:rPr lang="en-US" dirty="0"/>
+              <a:t>GitHub Actions / Netlify /Heroku / Render for CI/CD</a:t>
+            </a:r>
+          </a:p>
+          <a:p>
+            <a:pPr lvl="1"/>
+            <a:r>
+              <a:rPr lang="en-US" dirty="0"/>
+              <a:t>Also, other miscellaneous tools</a:t>
+            </a:r>
+          </a:p>
+          <a:p>
+            <a:endParaRPr lang="en-US" dirty="0"/>
+          </a:p>
+        </p:txBody>
+      </p:sp>
+      <p:sp>
+        <p:nvSpPr>
+          <p:cNvPr id="219" name="Slide Number"/>
+          <p:cNvSpPr txBox="1">
+            <a:spLocks noGrp="1"/>
+          </p:cNvSpPr>
+          <p:nvPr>
+            <p:ph type="sldNum" sz="quarter" idx="12"/>
+          </p:nvPr>
+        </p:nvSpPr>
+        <p:spPr/>
+        <p:txBody>
+          <a:bodyPr/>
+          <a:lstStyle/>
+          <a:p>
+            <a:fld id="{86CB4B4D-7CA3-9044-876B-883B54F8677D}" type="slidenum">
+              <a:rPr lang="en-US"/>
+              <a:pPr/>
+              <a:t>17</a:t>
+            </a:fld>
+            <a:endParaRPr lang="en-US"/>
+          </a:p>
+        </p:txBody>
+      </p:sp>
+    </p:spTree>
+  </p:cSld>
+  <p:clrMapOvr>
+    <a:masterClrMapping/>
+  </p:clrMapOvr>
+</p:sld>
+</file>
+
+<file path=ppt/slides/slide18.xml><?xml version="1.0" encoding="utf-8"?>
+<p:sld xmlns:a="http://schemas.openxmlformats.org/drawingml/2006/main" xmlns:r="http://schemas.openxmlformats.org/officeDocument/2006/relationships" xmlns:p="http://schemas.openxmlformats.org/presentationml/2006/main">
+  <p:cSld>
+    <p:spTree>
+      <p:nvGrpSpPr>
+        <p:cNvPr id="1" name=""/>
+        <p:cNvGrpSpPr/>
+        <p:nvPr/>
+      </p:nvGrpSpPr>
+      <p:grpSpPr>
+        <a:xfrm>
+          <a:off x="0" y="0"/>
+          <a:ext cx="0" cy="0"/>
+          <a:chOff x="0" y="0"/>
+          <a:chExt cx="0" cy="0"/>
+        </a:xfrm>
+      </p:grpSpPr>
+      <p:sp>
+        <p:nvSpPr>
+          <p:cNvPr id="2" name="Title 1">
+            <a:extLst>
+              <a:ext uri="{FF2B5EF4-FFF2-40B4-BE49-F238E27FC236}">
+                <a16:creationId xmlns:a16="http://schemas.microsoft.com/office/drawing/2014/main" id="{46CF8AAD-C000-4577-AEBC-F85F657FFE8C}"/>
+              </a:ext>
+            </a:extLst>
+          </p:cNvPr>
+          <p:cNvSpPr>
+            <a:spLocks noGrp="1"/>
+          </p:cNvSpPr>
+          <p:nvPr>
+            <p:ph type="title"/>
+          </p:nvPr>
+        </p:nvSpPr>
+        <p:spPr/>
+        <p:txBody>
+          <a:bodyPr/>
+          <a:lstStyle/>
+          <a:p>
+            <a:r>
+              <a:rPr lang="en-US" dirty="0"/>
+              <a:t>We will use </a:t>
+            </a:r>
+            <a:r>
+              <a:rPr lang="en-US" dirty="0" err="1"/>
+              <a:t>Covey.Town</a:t>
+            </a:r>
+            <a:r>
+              <a:rPr lang="en-US" dirty="0"/>
+              <a:t> as the </a:t>
+            </a:r>
+            <a:r>
+              <a:rPr lang="en-US" i="1" dirty="0"/>
+              <a:t>running</a:t>
+            </a:r>
+            <a:r>
+              <a:rPr lang="en-US" dirty="0"/>
+              <a:t> codebase for the course</a:t>
+            </a:r>
+          </a:p>
+        </p:txBody>
+      </p:sp>
+      <p:sp>
+        <p:nvSpPr>
+          <p:cNvPr id="3" name="Text Placeholder 2">
+            <a:extLst>
+              <a:ext uri="{FF2B5EF4-FFF2-40B4-BE49-F238E27FC236}">
+                <a16:creationId xmlns:a16="http://schemas.microsoft.com/office/drawing/2014/main" id="{3B13C7A6-A28D-4387-9F64-48979188D9B1}"/>
+              </a:ext>
+            </a:extLst>
+          </p:cNvPr>
+          <p:cNvSpPr>
+            <a:spLocks noGrp="1"/>
+          </p:cNvSpPr>
+          <p:nvPr>
+            <p:ph idx="1"/>
+          </p:nvPr>
+        </p:nvSpPr>
+        <p:spPr>
+          <a:xfrm>
+            <a:off x="838200" y="1500160"/>
+            <a:ext cx="5618356" cy="4351338"/>
+          </a:xfrm>
+        </p:spPr>
+        <p:txBody>
+          <a:bodyPr>
+            <a:normAutofit fontScale="77500" lnSpcReduction="20000"/>
+          </a:bodyPr>
+          <a:lstStyle/>
+          <a:p>
+            <a:r>
+              <a:rPr lang="en-US" dirty="0" err="1">
+                <a:latin typeface="Lato Extended"/>
+              </a:rPr>
+              <a:t>Covey.Town</a:t>
+            </a:r>
+            <a:r>
+              <a:rPr lang="en-US" dirty="0">
+                <a:latin typeface="Lato Extended"/>
+              </a:rPr>
+              <a:t> is a virtual meeting space.</a:t>
+            </a:r>
+          </a:p>
+          <a:p>
+            <a:r>
+              <a:rPr lang="en-US" b="0" i="0" dirty="0">
+                <a:solidFill>
+                  <a:srgbClr val="2D3B45"/>
+                </a:solidFill>
+                <a:effectLst/>
+                <a:latin typeface="Lato Extended"/>
+              </a:rPr>
+              <a:t>Different groups of people can have simultaneous video calls, allowing participants to drift between different conversations, just like in real life. </a:t>
+            </a:r>
+          </a:p>
+          <a:p>
+            <a:r>
+              <a:rPr lang="en-US" b="0" i="0" dirty="0">
+                <a:solidFill>
+                  <a:srgbClr val="2D3B45"/>
+                </a:solidFill>
+                <a:effectLst/>
+                <a:latin typeface="Lato Extended"/>
+              </a:rPr>
+              <a:t>Inspired by existing products like </a:t>
+            </a:r>
+            <a:r>
+              <a:rPr lang="en-US" b="0" i="0" u="sng" dirty="0" err="1">
+                <a:effectLst/>
+                <a:latin typeface="Lato Extended"/>
+              </a:rPr>
+              <a:t>Gather.Town</a:t>
+            </a:r>
+            <a:r>
+              <a:rPr lang="en-US" b="0" i="0" u="sng" dirty="0">
+                <a:effectLst/>
+                <a:latin typeface="Lato Extended"/>
+              </a:rPr>
+              <a:t>, </a:t>
+            </a:r>
+            <a:r>
+              <a:rPr lang="en-US" b="0" i="0" u="sng" dirty="0" err="1">
+                <a:effectLst/>
+                <a:latin typeface="Lato Extended"/>
+                <a:hlinkClick r:id="rId3"/>
+              </a:rPr>
+              <a:t>Sococo</a:t>
+            </a:r>
+            <a:r>
+              <a:rPr lang="en-US" b="0" i="0" dirty="0">
+                <a:solidFill>
+                  <a:srgbClr val="2D3B45"/>
+                </a:solidFill>
+                <a:effectLst/>
+                <a:latin typeface="Lato Extended"/>
+              </a:rPr>
+              <a:t>, and </a:t>
+            </a:r>
+            <a:r>
+              <a:rPr lang="en-US" b="0" i="0" u="sng" dirty="0">
+                <a:effectLst/>
+                <a:latin typeface="Lato Extended"/>
+                <a:hlinkClick r:id="rId4"/>
+              </a:rPr>
+              <a:t>Gatherly.IO</a:t>
+            </a:r>
+            <a:endParaRPr lang="en-US" b="0" i="0" u="sng" dirty="0">
+              <a:effectLst/>
+              <a:latin typeface="Lato Extended"/>
+            </a:endParaRPr>
+          </a:p>
+          <a:p>
+            <a:r>
+              <a:rPr lang="en-US" b="0" i="0" dirty="0">
+                <a:solidFill>
+                  <a:srgbClr val="2D3B45"/>
+                </a:solidFill>
+                <a:effectLst/>
+                <a:latin typeface="Lato Extended"/>
+              </a:rPr>
+              <a:t>But it is an open-source effort </a:t>
+            </a:r>
+          </a:p>
+          <a:p>
+            <a:r>
+              <a:rPr lang="en-US" dirty="0">
+                <a:solidFill>
+                  <a:srgbClr val="2D3B45"/>
+                </a:solidFill>
+                <a:latin typeface="Lato Extended"/>
+              </a:rPr>
+              <a:t>T</a:t>
+            </a:r>
+            <a:r>
+              <a:rPr lang="en-US" b="0" i="0" dirty="0">
+                <a:solidFill>
+                  <a:srgbClr val="2D3B45"/>
+                </a:solidFill>
+                <a:effectLst/>
+                <a:latin typeface="Lato Extended"/>
+              </a:rPr>
+              <a:t>he features will be proposed and implemented by you! </a:t>
+            </a:r>
+          </a:p>
+          <a:p>
+            <a:r>
+              <a:rPr lang="en-US" b="0" i="0" dirty="0">
+                <a:solidFill>
+                  <a:srgbClr val="2D3B45"/>
+                </a:solidFill>
+                <a:effectLst/>
+                <a:latin typeface="Lato Extended"/>
+              </a:rPr>
+              <a:t>All implementation will take place in the TypeScript programming language, using React for the user interface.</a:t>
+            </a:r>
+            <a:endParaRPr lang="en-US" dirty="0">
+              <a:latin typeface="Lato Extended"/>
+            </a:endParaRPr>
+          </a:p>
+          <a:p>
+            <a:endParaRPr lang="en-US" dirty="0"/>
+          </a:p>
+        </p:txBody>
+      </p:sp>
+      <p:sp>
+        <p:nvSpPr>
+          <p:cNvPr id="7" name="Slide Number Placeholder 6">
+            <a:extLst>
+              <a:ext uri="{FF2B5EF4-FFF2-40B4-BE49-F238E27FC236}">
+                <a16:creationId xmlns:a16="http://schemas.microsoft.com/office/drawing/2014/main" id="{C3226C9D-2553-4272-88E2-CE134DEACCAB}"/>
+              </a:ext>
+            </a:extLst>
+          </p:cNvPr>
+          <p:cNvSpPr>
+            <a:spLocks noGrp="1"/>
+          </p:cNvSpPr>
+          <p:nvPr>
+            <p:ph type="sldNum" sz="quarter" idx="12"/>
+          </p:nvPr>
+        </p:nvSpPr>
+        <p:spPr/>
+        <p:txBody>
+          <a:bodyPr/>
+          <a:lstStyle/>
+          <a:p>
+            <a:pPr defTabSz="547695">
+              <a:defRPr/>
+            </a:pPr>
+            <a:fld id="{86CB4B4D-7CA3-9044-876B-883B54F8677D}" type="slidenum">
+              <a:rPr lang="en-US" smtClean="0"/>
+              <a:pPr defTabSz="547695">
+                <a:defRPr/>
+              </a:pPr>
+              <a:t>18</a:t>
             </a:fld>
             <a:endParaRPr lang="en-US" dirty="0"/>
           </a:p>
@@ -10284,7 +11117,7 @@
 </p:sld>
 </file>
 
-<file path=ppt/slides/slide17.xml><?xml version="1.0" encoding="utf-8"?>
+<file path=ppt/slides/slide19.xml><?xml version="1.0" encoding="utf-8"?>
 <p:sld xmlns:a="http://schemas.openxmlformats.org/drawingml/2006/main" xmlns:r="http://schemas.openxmlformats.org/officeDocument/2006/relationships" xmlns:p="http://schemas.openxmlformats.org/presentationml/2006/main">
   <p:cSld>
     <p:spTree>
@@ -10476,7 +11309,7 @@
               <a:pPr defTabSz="547695">
                 <a:defRPr/>
               </a:pPr>
-              <a:t>17</a:t>
+              <a:t>19</a:t>
             </a:fld>
             <a:endParaRPr lang="en-US" dirty="0"/>
           </a:p>
@@ -10695,343 +11528,6 @@
 </p:sld>
 </file>
 
-<file path=ppt/slides/slide18.xml><?xml version="1.0" encoding="utf-8"?>
-<p:sld xmlns:a="http://schemas.openxmlformats.org/drawingml/2006/main" xmlns:r="http://schemas.openxmlformats.org/officeDocument/2006/relationships" xmlns:p="http://schemas.openxmlformats.org/presentationml/2006/main">
-  <p:cSld>
-    <p:spTree>
-      <p:nvGrpSpPr>
-        <p:cNvPr id="1" name=""/>
-        <p:cNvGrpSpPr/>
-        <p:nvPr/>
-      </p:nvGrpSpPr>
-      <p:grpSpPr>
-        <a:xfrm>
-          <a:off x="0" y="0"/>
-          <a:ext cx="0" cy="0"/>
-          <a:chOff x="0" y="0"/>
-          <a:chExt cx="0" cy="0"/>
-        </a:xfrm>
-      </p:grpSpPr>
-      <p:sp>
-        <p:nvSpPr>
-          <p:cNvPr id="253" name="Grade Appeal Policy"/>
-          <p:cNvSpPr txBox="1">
-            <a:spLocks noGrp="1"/>
-          </p:cNvSpPr>
-          <p:nvPr>
-            <p:ph type="title"/>
-          </p:nvPr>
-        </p:nvSpPr>
-        <p:spPr/>
-        <p:txBody>
-          <a:bodyPr/>
-          <a:lstStyle>
-            <a:lvl1pPr>
-              <a:defRPr>
-                <a:solidFill>
-                  <a:srgbClr val="005493"/>
-                </a:solidFill>
-              </a:defRPr>
-            </a:lvl1pPr>
-          </a:lstStyle>
-          <a:p>
-            <a:r>
-              <a:rPr lang="en-US" dirty="0">
-                <a:solidFill>
-                  <a:srgbClr val="0070C0"/>
-                </a:solidFill>
-              </a:rPr>
-              <a:t>Grade Appeal Policy</a:t>
-            </a:r>
-          </a:p>
-        </p:txBody>
-      </p:sp>
-      <p:sp>
-        <p:nvSpPr>
-          <p:cNvPr id="254" name="scores for homeworks/projects/midterms will be final two weeks after it has been returned to you"/>
-          <p:cNvSpPr txBox="1">
-            <a:spLocks noGrp="1"/>
-          </p:cNvSpPr>
-          <p:nvPr>
-            <p:ph idx="1"/>
-          </p:nvPr>
-        </p:nvSpPr>
-        <p:spPr/>
-        <p:txBody>
-          <a:bodyPr>
-            <a:normAutofit/>
-          </a:bodyPr>
-          <a:lstStyle>
-            <a:lvl1pPr>
-              <a:defRPr>
-                <a:solidFill>
-                  <a:srgbClr val="000000"/>
-                </a:solidFill>
-              </a:defRPr>
-            </a:lvl1pPr>
-          </a:lstStyle>
-          <a:p>
-            <a:r>
-              <a:rPr lang="en-US" dirty="0"/>
-              <a:t>If you have concerns regarding the grading of your work, please let us know right away.</a:t>
-            </a:r>
-          </a:p>
-          <a:p>
-            <a:pPr lvl="1"/>
-            <a:r>
-              <a:rPr lang="en-US" dirty="0"/>
-              <a:t>We provide mechanism for you to request regrades for all work submitted on </a:t>
-            </a:r>
-            <a:r>
-              <a:rPr lang="en-US" dirty="0" err="1"/>
-              <a:t>Autograder</a:t>
-            </a:r>
-            <a:r>
-              <a:rPr lang="en-US" dirty="0"/>
-              <a:t> (google form)</a:t>
-            </a:r>
-          </a:p>
-          <a:p>
-            <a:pPr lvl="1"/>
-            <a:r>
-              <a:rPr lang="en-US" dirty="0"/>
-              <a:t>Do </a:t>
-            </a:r>
-            <a:r>
-              <a:rPr lang="en-US" dirty="0">
-                <a:solidFill>
-                  <a:srgbClr val="FF0000"/>
-                </a:solidFill>
-              </a:rPr>
-              <a:t>not</a:t>
-            </a:r>
-            <a:r>
-              <a:rPr lang="en-US" dirty="0"/>
-              <a:t> post on Piazza or email your TA or instructor </a:t>
-            </a:r>
-          </a:p>
-          <a:p>
-            <a:pPr lvl="1"/>
-            <a:r>
-              <a:rPr lang="en-US" dirty="0"/>
-              <a:t>All regrade requests must be submitted within </a:t>
-            </a:r>
-            <a:r>
-              <a:rPr lang="en-US" b="1" dirty="0"/>
-              <a:t>7 days </a:t>
-            </a:r>
-            <a:r>
-              <a:rPr lang="en-US" dirty="0"/>
-              <a:t>from your receipt of the graded work. </a:t>
-            </a:r>
-          </a:p>
-          <a:p>
-            <a:pPr lvl="1"/>
-            <a:r>
-              <a:rPr lang="en-US" dirty="0"/>
-              <a:t>If your regrade request is closed and you feel that the response was not satisfactory, you may appeal to the instructor via email within 48 hours </a:t>
-            </a:r>
-          </a:p>
-        </p:txBody>
-      </p:sp>
-      <p:sp>
-        <p:nvSpPr>
-          <p:cNvPr id="255" name="Slide Number"/>
-          <p:cNvSpPr txBox="1">
-            <a:spLocks noGrp="1"/>
-          </p:cNvSpPr>
-          <p:nvPr>
-            <p:ph type="sldNum" sz="quarter" idx="12"/>
-          </p:nvPr>
-        </p:nvSpPr>
-        <p:spPr/>
-        <p:txBody>
-          <a:bodyPr/>
-          <a:lstStyle/>
-          <a:p>
-            <a:fld id="{86CB4B4D-7CA3-9044-876B-883B54F8677D}" type="slidenum">
-              <a:rPr lang="en-US"/>
-              <a:pPr/>
-              <a:t>18</a:t>
-            </a:fld>
-            <a:endParaRPr lang="en-US"/>
-          </a:p>
-        </p:txBody>
-      </p:sp>
-    </p:spTree>
-  </p:cSld>
-  <p:clrMapOvr>
-    <a:masterClrMapping/>
-  </p:clrMapOvr>
-</p:sld>
-</file>
-
-<file path=ppt/slides/slide19.xml><?xml version="1.0" encoding="utf-8"?>
-<p:sld xmlns:a="http://schemas.openxmlformats.org/drawingml/2006/main" xmlns:r="http://schemas.openxmlformats.org/officeDocument/2006/relationships" xmlns:p="http://schemas.openxmlformats.org/presentationml/2006/main">
-  <p:cSld>
-    <p:spTree>
-      <p:nvGrpSpPr>
-        <p:cNvPr id="1" name=""/>
-        <p:cNvGrpSpPr/>
-        <p:nvPr/>
-      </p:nvGrpSpPr>
-      <p:grpSpPr>
-        <a:xfrm>
-          <a:off x="0" y="0"/>
-          <a:ext cx="0" cy="0"/>
-          <a:chOff x="0" y="0"/>
-          <a:chExt cx="0" cy="0"/>
-        </a:xfrm>
-      </p:grpSpPr>
-      <p:sp>
-        <p:nvSpPr>
-          <p:cNvPr id="257" name="Late Policy"/>
-          <p:cNvSpPr txBox="1">
-            <a:spLocks noGrp="1"/>
-          </p:cNvSpPr>
-          <p:nvPr>
-            <p:ph type="title"/>
-          </p:nvPr>
-        </p:nvSpPr>
-        <p:spPr/>
-        <p:txBody>
-          <a:bodyPr/>
-          <a:lstStyle>
-            <a:lvl1pPr>
-              <a:defRPr>
-                <a:solidFill>
-                  <a:srgbClr val="005493"/>
-                </a:solidFill>
-              </a:defRPr>
-            </a:lvl1pPr>
-          </a:lstStyle>
-          <a:p>
-            <a:r>
-              <a:rPr lang="en-US" dirty="0">
-                <a:solidFill>
-                  <a:srgbClr val="0070C0"/>
-                </a:solidFill>
-              </a:rPr>
-              <a:t>Late Policy</a:t>
-            </a:r>
-          </a:p>
-        </p:txBody>
-      </p:sp>
-      <p:sp>
-        <p:nvSpPr>
-          <p:cNvPr id="258" name="Your work is late if it is not turned in by the deadline. The official clock is the time on the submission tool (github.ccs.neu.edu).…"/>
-          <p:cNvSpPr txBox="1">
-            <a:spLocks noGrp="1"/>
-          </p:cNvSpPr>
-          <p:nvPr>
-            <p:ph idx="1"/>
-          </p:nvPr>
-        </p:nvSpPr>
-        <p:spPr>
-          <a:xfrm>
-            <a:off x="838200" y="1500160"/>
-            <a:ext cx="8662639" cy="4856190"/>
-          </a:xfrm>
-        </p:spPr>
-        <p:txBody>
-          <a:bodyPr>
-            <a:normAutofit/>
-          </a:bodyPr>
-          <a:lstStyle/>
-          <a:p>
-            <a:r>
-              <a:rPr lang="en-US" dirty="0"/>
-              <a:t>Your work is </a:t>
-            </a:r>
-            <a:r>
-              <a:rPr lang="en-US" b="1" dirty="0"/>
-              <a:t>late</a:t>
-            </a:r>
-            <a:r>
-              <a:rPr lang="en-US" dirty="0"/>
-              <a:t> if it is not turned in by the deadline. </a:t>
-            </a:r>
-          </a:p>
-          <a:p>
-            <a:pPr lvl="1"/>
-            <a:r>
-              <a:rPr lang="en-US" dirty="0"/>
-              <a:t>10% will be deducted for late HW (individual assignments) turned in within 24 hours after the due date </a:t>
-            </a:r>
-          </a:p>
-          <a:p>
-            <a:pPr lvl="1"/>
-            <a:r>
-              <a:rPr lang="en-US" dirty="0"/>
-              <a:t>Individual assignments submitted more than 24 hours late will receive a zero.</a:t>
-            </a:r>
-          </a:p>
-          <a:p>
-            <a:pPr lvl="1"/>
-            <a:r>
-              <a:rPr lang="en-US" dirty="0"/>
-              <a:t>If you're worried about being busy around the time of a HW submission, please plan ahead and get started early.</a:t>
-            </a:r>
-          </a:p>
-          <a:p>
-            <a:pPr lvl="1"/>
-            <a:r>
-              <a:rPr lang="en-US" dirty="0"/>
-              <a:t>No late submissions allowed for any </a:t>
-            </a:r>
-            <a:r>
-              <a:rPr lang="en-US" b="1" dirty="0"/>
-              <a:t>group work</a:t>
-            </a:r>
-          </a:p>
-          <a:p>
-            <a:pPr lvl="1"/>
-            <a:r>
-              <a:rPr lang="en-US" dirty="0"/>
-              <a:t>If you have an accommodation from Disability Resource Center, you must request it from the instructors separately for each assignment or exam.</a:t>
-            </a:r>
-          </a:p>
-          <a:p>
-            <a:pPr lvl="2"/>
-            <a:r>
-              <a:rPr lang="en-US" dirty="0"/>
-              <a:t>DRC Accommodations are usually NOT available for Group Assignments (please work with instructor) </a:t>
-            </a:r>
-          </a:p>
-        </p:txBody>
-      </p:sp>
-      <p:sp>
-        <p:nvSpPr>
-          <p:cNvPr id="259" name="Slide Number"/>
-          <p:cNvSpPr txBox="1">
-            <a:spLocks noGrp="1"/>
-          </p:cNvSpPr>
-          <p:nvPr>
-            <p:ph type="sldNum" sz="quarter" idx="12"/>
-          </p:nvPr>
-        </p:nvSpPr>
-        <p:spPr/>
-        <p:txBody>
-          <a:bodyPr/>
-          <a:lstStyle/>
-          <a:p>
-            <a:fld id="{86CB4B4D-7CA3-9044-876B-883B54F8677D}" type="slidenum">
-              <a:rPr lang="en-US"/>
-              <a:pPr/>
-              <a:t>19</a:t>
-            </a:fld>
-            <a:endParaRPr lang="en-US"/>
-          </a:p>
-        </p:txBody>
-      </p:sp>
-    </p:spTree>
-  </p:cSld>
-  <p:clrMapOvr>
-    <a:masterClrMapping/>
-  </p:clrMapOvr>
-</p:sld>
-</file>
-
 <file path=ppt/slides/slide2.xml><?xml version="1.0" encoding="utf-8"?>
 <p:sld xmlns:a="http://schemas.openxmlformats.org/drawingml/2006/main" xmlns:r="http://schemas.openxmlformats.org/officeDocument/2006/relationships" xmlns:p="http://schemas.openxmlformats.org/presentationml/2006/main">
   <p:cSld>
@@ -11468,14 +11964,8 @@
       </p:grpSpPr>
       <p:sp>
         <p:nvSpPr>
-          <p:cNvPr id="2" name="Title 1">
-            <a:extLst>
-              <a:ext uri="{FF2B5EF4-FFF2-40B4-BE49-F238E27FC236}">
-                <a16:creationId xmlns:a16="http://schemas.microsoft.com/office/drawing/2014/main" id="{8DAD8E7C-85CF-4AF5-8090-304D54E13733}"/>
-              </a:ext>
-            </a:extLst>
-          </p:cNvPr>
-          <p:cNvSpPr>
+          <p:cNvPr id="253" name="Grade Appeal Policy"/>
+          <p:cNvSpPr txBox="1">
             <a:spLocks noGrp="1"/>
           </p:cNvSpPr>
           <p:nvPr>
@@ -11485,25 +11975,31 @@
         <p:spPr/>
         <p:txBody>
           <a:bodyPr/>
-          <a:lstStyle/>
-          <a:p>
-            <a:r>
-              <a:rPr lang="en-US" dirty="0"/>
-              <a:t>Academic Integrity (1)</a:t>
-            </a:r>
-          </a:p>
-        </p:txBody>
-      </p:sp>
-      <p:sp>
-        <p:nvSpPr>
-          <p:cNvPr id="3" name="Text Placeholder 2">
-            <a:extLst>
-              <a:ext uri="{FF2B5EF4-FFF2-40B4-BE49-F238E27FC236}">
-                <a16:creationId xmlns:a16="http://schemas.microsoft.com/office/drawing/2014/main" id="{F3F41972-2455-48E2-B0C8-0C2FD08B1049}"/>
-              </a:ext>
-            </a:extLst>
-          </p:cNvPr>
-          <p:cNvSpPr>
+          <a:lstStyle>
+            <a:lvl1pPr>
+              <a:defRPr>
+                <a:solidFill>
+                  <a:srgbClr val="005493"/>
+                </a:solidFill>
+              </a:defRPr>
+            </a:lvl1pPr>
+          </a:lstStyle>
+          <a:p>
+            <a:r>
+              <a:rPr lang="en-US" dirty="0">
+                <a:solidFill>
+                  <a:srgbClr val="0070C0"/>
+                </a:solidFill>
+              </a:rPr>
+              <a:t>Grade Appeal Policy</a:t>
+            </a:r>
+          </a:p>
+        </p:txBody>
+      </p:sp>
+      <p:sp>
+        <p:nvSpPr>
+          <p:cNvPr id="254" name="scores for homeworks/projects/midterms will be final two weeks after it has been returned to you"/>
+          <p:cNvSpPr txBox="1">
             <a:spLocks noGrp="1"/>
           </p:cNvSpPr>
           <p:nvPr>
@@ -11513,25 +12009,43 @@
         <p:spPr/>
         <p:txBody>
           <a:bodyPr>
-            <a:normAutofit fontScale="92500" lnSpcReduction="10000"/>
+            <a:normAutofit/>
           </a:bodyPr>
-          <a:lstStyle/>
-          <a:p>
-            <a:r>
-              <a:rPr lang="en-US" dirty="0"/>
-              <a:t>Students must work individually on all homework assignments.</a:t>
-            </a:r>
-          </a:p>
-          <a:p>
-            <a:r>
-              <a:rPr lang="en-US" dirty="0"/>
-              <a:t>We encourage you to have high-level discussions with other students in the class about the assignments, however, we require that when you turn in an assignment, it is only your work. That is, copying any part of another student's assignment is strictly prohibited.</a:t>
-            </a:r>
-          </a:p>
-          <a:p>
-            <a:r>
-              <a:rPr lang="en-US" dirty="0"/>
-              <a:t>If you steal someone else's work, you </a:t>
+          <a:lstStyle>
+            <a:lvl1pPr>
+              <a:defRPr>
+                <a:solidFill>
+                  <a:srgbClr val="000000"/>
+                </a:solidFill>
+              </a:defRPr>
+            </a:lvl1pPr>
+          </a:lstStyle>
+          <a:p>
+            <a:r>
+              <a:rPr lang="en-US" dirty="0"/>
+              <a:t>If you have concerns regarding the grading of your work, please let us know right away.</a:t>
+            </a:r>
+          </a:p>
+          <a:p>
+            <a:pPr lvl="1"/>
+            <a:r>
+              <a:rPr lang="en-US" dirty="0"/>
+              <a:t>We provide mechanism for you to request regrades for all work submitted on </a:t>
+            </a:r>
+            <a:r>
+              <a:rPr lang="en-US" dirty="0" err="1"/>
+              <a:t>Autograder</a:t>
+            </a:r>
+            <a:r>
+              <a:rPr lang="en-US" dirty="0"/>
+              <a:t> (google form)</a:t>
+            </a:r>
+          </a:p>
+          <a:p>
+            <a:pPr lvl="1"/>
+            <a:r>
+              <a:rPr lang="en-US" dirty="0"/>
+              <a:t>Do </a:t>
             </a:r>
             <a:r>
               <a:rPr lang="en-US" dirty="0">
@@ -11539,43 +12053,41 @@
                   <a:srgbClr val="FF0000"/>
                 </a:solidFill>
               </a:rPr>
-              <a:t>fail </a:t>
-            </a:r>
-            <a:r>
-              <a:rPr lang="en-US" dirty="0"/>
-              <a:t>the class.</a:t>
-            </a:r>
-          </a:p>
-          <a:p>
-            <a:r>
-              <a:rPr lang="en-US" dirty="0"/>
-              <a:t>You are responsible for protecting your work. If someone uses your work, with or without your permission, you </a:t>
-            </a:r>
-            <a:r>
-              <a:rPr lang="en-US" dirty="0">
-                <a:solidFill>
-                  <a:srgbClr val="FF0000"/>
-                </a:solidFill>
-              </a:rPr>
-              <a:t>fail</a:t>
-            </a:r>
-            <a:r>
-              <a:rPr lang="en-US" dirty="0"/>
-              <a:t> the class.</a:t>
-            </a:r>
-          </a:p>
-        </p:txBody>
-      </p:sp>
-      <p:sp>
-        <p:nvSpPr>
-          <p:cNvPr id="4" name="Slide Number Placeholder 3">
-            <a:extLst>
-              <a:ext uri="{FF2B5EF4-FFF2-40B4-BE49-F238E27FC236}">
-                <a16:creationId xmlns:a16="http://schemas.microsoft.com/office/drawing/2014/main" id="{34D72AC8-7059-4398-976F-9B0E0D6DABC0}"/>
-              </a:ext>
-            </a:extLst>
-          </p:cNvPr>
-          <p:cNvSpPr>
+              <a:t>not</a:t>
+            </a:r>
+            <a:r>
+              <a:rPr lang="en-US" dirty="0"/>
+              <a:t> post on Piazza or email your TA or instructor </a:t>
+            </a:r>
+          </a:p>
+          <a:p>
+            <a:pPr lvl="1"/>
+            <a:r>
+              <a:rPr lang="en-US" dirty="0"/>
+              <a:t>All regrade requests must be submitted within </a:t>
+            </a:r>
+            <a:r>
+              <a:rPr lang="en-US" b="1" dirty="0"/>
+              <a:t>7 days </a:t>
+            </a:r>
+            <a:r>
+              <a:rPr lang="en-US" dirty="0"/>
+              <a:t>from your receipt of the graded work. </a:t>
+            </a:r>
+          </a:p>
+          <a:p>
+            <a:pPr lvl="1"/>
+            <a:r>
+              <a:rPr lang="en-US" dirty="0"/>
+              <a:t>If your regrade request is closed and you feel that the response was not satisfactory, you may appeal to the instructor via email within 48 hours </a:t>
+            </a:r>
+          </a:p>
+        </p:txBody>
+      </p:sp>
+      <p:sp>
+        <p:nvSpPr>
+          <p:cNvPr id="255" name="Slide Number"/>
+          <p:cNvSpPr txBox="1">
             <a:spLocks noGrp="1"/>
           </p:cNvSpPr>
           <p:nvPr>
@@ -11587,14 +12099,9 @@
           <a:bodyPr/>
           <a:lstStyle/>
           <a:p>
-            <a:pPr defTabSz="547695">
-              <a:defRPr/>
-            </a:pPr>
             <a:fld id="{86CB4B4D-7CA3-9044-876B-883B54F8677D}" type="slidenum">
-              <a:rPr lang="en-US" smtClean="0"/>
-              <a:pPr defTabSz="547695">
-                <a:defRPr/>
-              </a:pPr>
+              <a:rPr lang="en-US"/>
+              <a:pPr/>
               <a:t>20</a:t>
             </a:fld>
             <a:endParaRPr lang="en-US"/>
@@ -11602,11 +12109,6 @@
         </p:txBody>
       </p:sp>
     </p:spTree>
-    <p:extLst>
-      <p:ext uri="{BB962C8B-B14F-4D97-AF65-F5344CB8AC3E}">
-        <p14:creationId xmlns:p14="http://schemas.microsoft.com/office/powerpoint/2010/main" val="4223183005"/>
-      </p:ext>
-    </p:extLst>
   </p:cSld>
   <p:clrMapOvr>
     <a:masterClrMapping/>
@@ -11633,18 +12135,129 @@
       </p:grpSpPr>
       <p:sp>
         <p:nvSpPr>
-          <p:cNvPr id="2" name="Title 1">
-            <a:extLst>
-              <a:ext uri="{FF2B5EF4-FFF2-40B4-BE49-F238E27FC236}">
-                <a16:creationId xmlns:a16="http://schemas.microsoft.com/office/drawing/2014/main" id="{0C6E9E53-F40E-46F3-8B32-BE0138F441B1}"/>
-              </a:ext>
-            </a:extLst>
-          </p:cNvPr>
-          <p:cNvSpPr>
+          <p:cNvPr id="257" name="Late Policy"/>
+          <p:cNvSpPr txBox="1">
             <a:spLocks noGrp="1"/>
           </p:cNvSpPr>
           <p:nvPr>
             <p:ph type="title"/>
+          </p:nvPr>
+        </p:nvSpPr>
+        <p:spPr/>
+        <p:txBody>
+          <a:bodyPr/>
+          <a:lstStyle>
+            <a:lvl1pPr>
+              <a:defRPr>
+                <a:solidFill>
+                  <a:srgbClr val="005493"/>
+                </a:solidFill>
+              </a:defRPr>
+            </a:lvl1pPr>
+          </a:lstStyle>
+          <a:p>
+            <a:r>
+              <a:rPr lang="en-US" dirty="0">
+                <a:solidFill>
+                  <a:srgbClr val="0070C0"/>
+                </a:solidFill>
+              </a:rPr>
+              <a:t>Late Policy</a:t>
+            </a:r>
+          </a:p>
+        </p:txBody>
+      </p:sp>
+      <p:sp>
+        <p:nvSpPr>
+          <p:cNvPr id="258" name="Your work is late if it is not turned in by the deadline. The official clock is the time on the submission tool (github.ccs.neu.edu).…"/>
+          <p:cNvSpPr txBox="1">
+            <a:spLocks noGrp="1"/>
+          </p:cNvSpPr>
+          <p:nvPr>
+            <p:ph idx="1"/>
+          </p:nvPr>
+        </p:nvSpPr>
+        <p:spPr>
+          <a:xfrm>
+            <a:off x="838200" y="1500160"/>
+            <a:ext cx="8662639" cy="4856190"/>
+          </a:xfrm>
+        </p:spPr>
+        <p:txBody>
+          <a:bodyPr>
+            <a:normAutofit/>
+          </a:bodyPr>
+          <a:lstStyle/>
+          <a:p>
+            <a:r>
+              <a:rPr lang="en-US" dirty="0"/>
+              <a:t>Your work is </a:t>
+            </a:r>
+            <a:r>
+              <a:rPr lang="en-US" b="1" dirty="0"/>
+              <a:t>late</a:t>
+            </a:r>
+            <a:r>
+              <a:rPr lang="en-US" dirty="0"/>
+              <a:t> if it is not turned in by the deadline. </a:t>
+            </a:r>
+          </a:p>
+          <a:p>
+            <a:pPr lvl="1"/>
+            <a:r>
+              <a:rPr lang="en-US" dirty="0"/>
+              <a:t>10% will be deducted for late HW (individual assignments) turned in within 24 hours after the due date </a:t>
+            </a:r>
+          </a:p>
+          <a:p>
+            <a:pPr lvl="1"/>
+            <a:r>
+              <a:rPr lang="en-US" dirty="0"/>
+              <a:t>Individual assignments submitted more than 24 hours late will receive a zero.</a:t>
+            </a:r>
+          </a:p>
+          <a:p>
+            <a:pPr lvl="1"/>
+            <a:r>
+              <a:rPr lang="en-US" dirty="0"/>
+              <a:t>If you're worried about being busy around the time of a HW submission, please plan ahead and get started early.</a:t>
+            </a:r>
+          </a:p>
+          <a:p>
+            <a:pPr lvl="1"/>
+            <a:r>
+              <a:rPr lang="en-US" dirty="0"/>
+              <a:t>No late submissions allowed for any </a:t>
+            </a:r>
+            <a:r>
+              <a:rPr lang="en-US" b="1" dirty="0"/>
+              <a:t>group work</a:t>
+            </a:r>
+          </a:p>
+          <a:p>
+            <a:pPr lvl="1"/>
+            <a:r>
+              <a:rPr lang="en-US" dirty="0"/>
+              <a:t>If you have an accommodation from Disability Resource Center, you must request it from the instructors separately for each assignment or exam.</a:t>
+            </a:r>
+          </a:p>
+          <a:p>
+            <a:pPr lvl="2"/>
+            <a:r>
+              <a:rPr lang="en-US" dirty="0"/>
+              <a:t>DRC Accommodations are usually NOT available for Group Assignments (please work with instructor) </a:t>
+            </a:r>
+          </a:p>
+        </p:txBody>
+      </p:sp>
+      <p:sp>
+        <p:nvSpPr>
+          <p:cNvPr id="259" name="Slide Number"/>
+          <p:cNvSpPr txBox="1">
+            <a:spLocks noGrp="1"/>
+          </p:cNvSpPr>
+          <p:nvPr>
+            <p:ph type="sldNum" sz="quarter" idx="12"/>
           </p:nvPr>
         </p:nvSpPr>
         <p:spPr/>
@@ -11652,106 +12265,9 @@
           <a:bodyPr/>
           <a:lstStyle/>
           <a:p>
-            <a:r>
-              <a:rPr lang="en-US" dirty="0"/>
-              <a:t>Academic Integrity (2)</a:t>
-            </a:r>
-          </a:p>
-        </p:txBody>
-      </p:sp>
-      <p:sp>
-        <p:nvSpPr>
-          <p:cNvPr id="3" name="Text Placeholder 2">
-            <a:extLst>
-              <a:ext uri="{FF2B5EF4-FFF2-40B4-BE49-F238E27FC236}">
-                <a16:creationId xmlns:a16="http://schemas.microsoft.com/office/drawing/2014/main" id="{9BD682CD-7D52-49E3-A660-C4CB4A35F3AD}"/>
-              </a:ext>
-            </a:extLst>
-          </p:cNvPr>
-          <p:cNvSpPr>
-            <a:spLocks noGrp="1"/>
-          </p:cNvSpPr>
-          <p:nvPr>
-            <p:ph idx="1"/>
-          </p:nvPr>
-        </p:nvSpPr>
-        <p:spPr/>
-        <p:txBody>
-          <a:bodyPr>
-            <a:normAutofit lnSpcReduction="10000"/>
-          </a:bodyPr>
-          <a:lstStyle/>
-          <a:p>
-            <a:r>
-              <a:rPr lang="en-US" dirty="0"/>
-              <a:t>You are free to reuse small snippets of example code found on the Internet (e.g., via </a:t>
-            </a:r>
-            <a:r>
-              <a:rPr lang="en-US" dirty="0" err="1"/>
-              <a:t>StackOverflow</a:t>
-            </a:r>
-            <a:r>
-              <a:rPr lang="en-US" dirty="0"/>
-              <a:t>) provided that it is attributed. </a:t>
-            </a:r>
-          </a:p>
-          <a:p>
-            <a:pPr lvl="1"/>
-            <a:r>
-              <a:rPr lang="en-US" dirty="0"/>
-              <a:t>Use of co-pilot is </a:t>
-            </a:r>
-            <a:r>
-              <a:rPr lang="en-US" b="1" dirty="0"/>
-              <a:t>permitted</a:t>
-            </a:r>
-          </a:p>
-          <a:p>
-            <a:r>
-              <a:rPr lang="en-US" dirty="0"/>
-              <a:t>If you are concerned that by reusing and attributing that copied code it may appear that you didn't complete the assignment yourself, then please raise a discussion with the instructor.</a:t>
-            </a:r>
-          </a:p>
-          <a:p>
-            <a:r>
-              <a:rPr lang="en-US" dirty="0"/>
-              <a:t> If you are in doubt whether using others' work is allowed, you should assume that it is NOT allowed unless the instructors confirm otherwise.</a:t>
-            </a:r>
-          </a:p>
-          <a:p>
-            <a:endParaRPr lang="en-US" dirty="0"/>
-          </a:p>
-        </p:txBody>
-      </p:sp>
-      <p:sp>
-        <p:nvSpPr>
-          <p:cNvPr id="4" name="Slide Number Placeholder 3">
-            <a:extLst>
-              <a:ext uri="{FF2B5EF4-FFF2-40B4-BE49-F238E27FC236}">
-                <a16:creationId xmlns:a16="http://schemas.microsoft.com/office/drawing/2014/main" id="{B061B1C6-5E6F-4408-9C79-8B3E2C5DE989}"/>
-              </a:ext>
-            </a:extLst>
-          </p:cNvPr>
-          <p:cNvSpPr>
-            <a:spLocks noGrp="1"/>
-          </p:cNvSpPr>
-          <p:nvPr>
-            <p:ph type="sldNum" sz="quarter" idx="12"/>
-          </p:nvPr>
-        </p:nvSpPr>
-        <p:spPr/>
-        <p:txBody>
-          <a:bodyPr/>
-          <a:lstStyle/>
-          <a:p>
-            <a:pPr defTabSz="547695">
-              <a:defRPr/>
-            </a:pPr>
             <a:fld id="{86CB4B4D-7CA3-9044-876B-883B54F8677D}" type="slidenum">
-              <a:rPr lang="en-US" smtClean="0"/>
-              <a:pPr defTabSz="547695">
-                <a:defRPr/>
-              </a:pPr>
+              <a:rPr lang="en-US"/>
+              <a:pPr/>
               <a:t>21</a:t>
             </a:fld>
             <a:endParaRPr lang="en-US"/>
@@ -11759,11 +12275,6 @@
         </p:txBody>
       </p:sp>
     </p:spTree>
-    <p:extLst>
-      <p:ext uri="{BB962C8B-B14F-4D97-AF65-F5344CB8AC3E}">
-        <p14:creationId xmlns:p14="http://schemas.microsoft.com/office/powerpoint/2010/main" val="1665633817"/>
-      </p:ext>
-    </p:extLst>
   </p:cSld>
   <p:clrMapOvr>
     <a:masterClrMapping/>
@@ -11793,7 +12304,7 @@
           <p:cNvPr id="2" name="Title 1">
             <a:extLst>
               <a:ext uri="{FF2B5EF4-FFF2-40B4-BE49-F238E27FC236}">
-                <a16:creationId xmlns:a16="http://schemas.microsoft.com/office/drawing/2014/main" id="{1DD99648-CE8F-4E19-953E-8B3920440319}"/>
+                <a16:creationId xmlns:a16="http://schemas.microsoft.com/office/drawing/2014/main" id="{8DAD8E7C-85CF-4AF5-8090-304D54E13733}"/>
               </a:ext>
             </a:extLst>
           </p:cNvPr>
@@ -11811,17 +12322,17 @@
           <a:p>
             <a:r>
               <a:rPr lang="en-US" dirty="0"/>
-              <a:t>Communication</a:t>
-            </a:r>
-          </a:p>
-        </p:txBody>
-      </p:sp>
-      <p:sp>
-        <p:nvSpPr>
-          <p:cNvPr id="3" name="Content Placeholder 2">
+              <a:t>Academic Integrity (1)</a:t>
+            </a:r>
+          </a:p>
+        </p:txBody>
+      </p:sp>
+      <p:sp>
+        <p:nvSpPr>
+          <p:cNvPr id="3" name="Text Placeholder 2">
             <a:extLst>
               <a:ext uri="{FF2B5EF4-FFF2-40B4-BE49-F238E27FC236}">
-                <a16:creationId xmlns:a16="http://schemas.microsoft.com/office/drawing/2014/main" id="{82CC43D4-82B4-449F-8A4A-151724B1D9F3}"/>
+                <a16:creationId xmlns:a16="http://schemas.microsoft.com/office/drawing/2014/main" id="{F3F41972-2455-48E2-B0C8-0C2FD08B1049}"/>
               </a:ext>
             </a:extLst>
           </p:cNvPr>
@@ -11832,118 +12343,59 @@
             <p:ph idx="1"/>
           </p:nvPr>
         </p:nvSpPr>
-        <p:spPr>
-          <a:xfrm>
-            <a:off x="838200" y="1466706"/>
-            <a:ext cx="10515599" cy="4351338"/>
-          </a:xfrm>
-        </p:spPr>
+        <p:spPr/>
         <p:txBody>
           <a:bodyPr>
-            <a:normAutofit/>
+            <a:normAutofit fontScale="92500" lnSpcReduction="10000"/>
           </a:bodyPr>
           <a:lstStyle/>
           <a:p>
             <a:r>
               <a:rPr lang="en-US" dirty="0"/>
-              <a:t>Canvas</a:t>
-            </a:r>
-          </a:p>
-          <a:p>
-            <a:r>
-              <a:rPr lang="en-US" dirty="0"/>
-              <a:t>Course web page (</a:t>
+              <a:t>Students must work individually on all homework assignments.</a:t>
+            </a:r>
+          </a:p>
+          <a:p>
+            <a:r>
+              <a:rPr lang="en-US" dirty="0"/>
+              <a:t>We encourage you to have high-level discussions with other students in the class about the assignments, however, we require that when you turn in an assignment, it is only your work. That is, copying any part of another student's assignment is strictly prohibited.</a:t>
+            </a:r>
+          </a:p>
+          <a:p>
+            <a:r>
+              <a:rPr lang="en-US" dirty="0"/>
+              <a:t>If you steal someone else's work, you </a:t>
             </a:r>
             <a:r>
               <a:rPr lang="en-US" dirty="0">
-                <a:hlinkClick r:id="rId2"/>
+                <a:solidFill>
+                  <a:srgbClr val="FF0000"/>
+                </a:solidFill>
               </a:rPr>
-              <a:t>https://neu-se.github.io/CS4530-Spring-2024</a:t>
-            </a:r>
-            <a:r>
-              <a:rPr lang="en-US" dirty="0"/>
-              <a:t>)</a:t>
-            </a:r>
-          </a:p>
-          <a:p>
-            <a:pPr lvl="1"/>
-            <a:r>
-              <a:rPr lang="en-US" dirty="0"/>
-              <a:t>Canvas will mirror the course web site. </a:t>
-            </a:r>
-          </a:p>
-          <a:p>
-            <a:pPr lvl="1"/>
-            <a:r>
-              <a:rPr lang="en-US" dirty="0"/>
-              <a:t>Assignments, important notices, etc., will appear in both places.</a:t>
-            </a:r>
-          </a:p>
-          <a:p>
-            <a:r>
-              <a:rPr lang="en-US" dirty="0"/>
-              <a:t>Piazza (see Canvas for link)</a:t>
-            </a:r>
-          </a:p>
-          <a:p>
-            <a:pPr lvl="1"/>
-            <a:r>
-              <a:rPr lang="en-US" dirty="0"/>
-              <a:t>for questions about assignments, projects, etc.</a:t>
-            </a:r>
-          </a:p>
-          <a:p>
-            <a:r>
-              <a:rPr lang="en-US" dirty="0"/>
-              <a:t>Office Hours </a:t>
-            </a:r>
-          </a:p>
-          <a:p>
-            <a:pPr lvl="1"/>
-            <a:r>
-              <a:rPr lang="en-US" dirty="0"/>
-              <a:t>Schedule is available at (</a:t>
+              <a:t>fail </a:t>
+            </a:r>
+            <a:r>
+              <a:rPr lang="en-US" dirty="0"/>
+              <a:t>the class.</a:t>
+            </a:r>
+          </a:p>
+          <a:p>
+            <a:r>
+              <a:rPr lang="en-US" dirty="0"/>
+              <a:t>You are responsible for protecting your work. If someone uses your work, with or without your permission, you </a:t>
             </a:r>
             <a:r>
               <a:rPr lang="en-US" dirty="0">
-                <a:hlinkClick r:id="rId3"/>
+                <a:solidFill>
+                  <a:srgbClr val="FF0000"/>
+                </a:solidFill>
               </a:rPr>
-              <a:t>https://neu-se.github.io/CS4530-Spring-2024/staff/</a:t>
-            </a:r>
-            <a:r>
-              <a:rPr lang="en-US" dirty="0"/>
-              <a:t>)</a:t>
-            </a:r>
-          </a:p>
-          <a:p>
-            <a:pPr lvl="1"/>
-            <a:r>
-              <a:rPr lang="en-US" dirty="0"/>
-              <a:t>TA Office Hours are held via </a:t>
-            </a:r>
-            <a:r>
-              <a:rPr lang="en-US" b="1" dirty="0">
-                <a:hlinkClick r:id="rId4">
-                  <a:extLst>
-                    <a:ext uri="{A12FA001-AC4F-418D-AE19-62706E023703}">
-                      <ahyp:hlinkClr xmlns:ahyp="http://schemas.microsoft.com/office/drawing/2018/hyperlinkcolor" val="tx"/>
-                    </a:ext>
-                  </a:extLst>
-                </a:hlinkClick>
-              </a:rPr>
-              <a:t>Khoury Office Hours App</a:t>
-            </a:r>
-            <a:endParaRPr lang="en-US" dirty="0"/>
-          </a:p>
-          <a:p>
-            <a:pPr lvl="1"/>
-            <a:endParaRPr lang="en-US" dirty="0"/>
-          </a:p>
-          <a:p>
-            <a:pPr marL="0" indent="0">
-              <a:buNone/>
-            </a:pPr>
-            <a:endParaRPr lang="en-US" dirty="0"/>
+              <a:t>fail</a:t>
+            </a:r>
+            <a:r>
+              <a:rPr lang="en-US" dirty="0"/>
+              <a:t> the class.</a:t>
+            </a:r>
           </a:p>
         </p:txBody>
       </p:sp>
@@ -11952,7 +12404,7 @@
           <p:cNvPr id="4" name="Slide Number Placeholder 3">
             <a:extLst>
               <a:ext uri="{FF2B5EF4-FFF2-40B4-BE49-F238E27FC236}">
-                <a16:creationId xmlns:a16="http://schemas.microsoft.com/office/drawing/2014/main" id="{66441BF3-B319-4719-9933-B7B7F3244E64}"/>
+                <a16:creationId xmlns:a16="http://schemas.microsoft.com/office/drawing/2014/main" id="{34D72AC8-7059-4398-976F-9B0E0D6DABC0}"/>
               </a:ext>
             </a:extLst>
           </p:cNvPr>
@@ -11968,8 +12420,14 @@
           <a:bodyPr/>
           <a:lstStyle/>
           <a:p>
-            <a:fld id="{20F37917-FD3A-4669-9018-DA04BCDD3D75}" type="slidenum">
+            <a:pPr defTabSz="547695">
+              <a:defRPr/>
+            </a:pPr>
+            <a:fld id="{86CB4B4D-7CA3-9044-876B-883B54F8677D}" type="slidenum">
               <a:rPr lang="en-US" smtClean="0"/>
+              <a:pPr defTabSz="547695">
+                <a:defRPr/>
+              </a:pPr>
               <a:t>22</a:t>
             </a:fld>
             <a:endParaRPr lang="en-US"/>
@@ -11979,7 +12437,7 @@
     </p:spTree>
     <p:extLst>
       <p:ext uri="{BB962C8B-B14F-4D97-AF65-F5344CB8AC3E}">
-        <p14:creationId xmlns:p14="http://schemas.microsoft.com/office/powerpoint/2010/main" val="2855917600"/>
+        <p14:creationId xmlns:p14="http://schemas.microsoft.com/office/powerpoint/2010/main" val="4223183005"/>
       </p:ext>
     </p:extLst>
   </p:cSld>
@@ -12011,7 +12469,7 @@
           <p:cNvPr id="2" name="Title 1">
             <a:extLst>
               <a:ext uri="{FF2B5EF4-FFF2-40B4-BE49-F238E27FC236}">
-                <a16:creationId xmlns:a16="http://schemas.microsoft.com/office/drawing/2014/main" id="{ADDDF7AD-1809-4173-85DB-C6679D1D1171}"/>
+                <a16:creationId xmlns:a16="http://schemas.microsoft.com/office/drawing/2014/main" id="{0C6E9E53-F40E-46F3-8B32-BE0138F441B1}"/>
               </a:ext>
             </a:extLst>
           </p:cNvPr>
@@ -12029,7 +12487,7 @@
           <a:p>
             <a:r>
               <a:rPr lang="en-US" dirty="0"/>
-              <a:t>Review</a:t>
+              <a:t>Academic Integrity (2)</a:t>
             </a:r>
           </a:p>
         </p:txBody>
@@ -12039,7 +12497,7 @@
           <p:cNvPr id="3" name="Text Placeholder 2">
             <a:extLst>
               <a:ext uri="{FF2B5EF4-FFF2-40B4-BE49-F238E27FC236}">
-                <a16:creationId xmlns:a16="http://schemas.microsoft.com/office/drawing/2014/main" id="{2DC04701-46F5-4631-A66B-9AC1D5520E14}"/>
+                <a16:creationId xmlns:a16="http://schemas.microsoft.com/office/drawing/2014/main" id="{9BD682CD-7D52-49E3-A660-C4CB4A35F3AD}"/>
               </a:ext>
             </a:extLst>
           </p:cNvPr>
@@ -12052,33 +12510,45 @@
         </p:nvSpPr>
         <p:spPr/>
         <p:txBody>
-          <a:bodyPr/>
+          <a:bodyPr>
+            <a:normAutofit lnSpcReduction="10000"/>
+          </a:bodyPr>
           <a:lstStyle/>
           <a:p>
             <a:r>
               <a:rPr lang="en-US" dirty="0"/>
-              <a:t>Now that you've studied this lesson, you should be able to:</a:t>
+              <a:t>You are free to reuse small snippets of example code found on the Internet (e.g., via </a:t>
+            </a:r>
+            <a:r>
+              <a:rPr lang="en-US" dirty="0" err="1"/>
+              <a:t>StackOverflow</a:t>
+            </a:r>
+            <a:r>
+              <a:rPr lang="en-US" dirty="0"/>
+              <a:t>) provided that it is attributed. </a:t>
             </a:r>
           </a:p>
           <a:p>
             <a:pPr lvl="1"/>
             <a:r>
               <a:rPr lang="en-US" dirty="0"/>
-              <a:t>Explain in general terms what software engineering is </a:t>
-            </a:r>
-          </a:p>
-          <a:p>
-            <a:pPr lvl="1"/>
-            <a:r>
-              <a:rPr lang="en-US" dirty="0"/>
-              <a:t>List your weekly obligations as a student</a:t>
-            </a:r>
-          </a:p>
-          <a:p>
-            <a:pPr lvl="1"/>
-            <a:r>
-              <a:rPr lang="en-US" dirty="0"/>
-              <a:t>List the requirements for completing the course</a:t>
+              <a:t>Use of co-pilot is </a:t>
+            </a:r>
+            <a:r>
+              <a:rPr lang="en-US" b="1" dirty="0"/>
+              <a:t>permitted</a:t>
+            </a:r>
+          </a:p>
+          <a:p>
+            <a:r>
+              <a:rPr lang="en-US" dirty="0"/>
+              <a:t>If you are concerned that by reusing and attributing that copied code it may appear that you didn't complete the assignment yourself, then please raise a discussion with the instructor.</a:t>
+            </a:r>
+          </a:p>
+          <a:p>
+            <a:r>
+              <a:rPr lang="en-US" dirty="0"/>
+              <a:t> If you are in doubt whether using others' work is allowed, you should assume that it is NOT allowed unless the instructors confirm otherwise.</a:t>
             </a:r>
           </a:p>
           <a:p>
@@ -12091,7 +12561,7 @@
           <p:cNvPr id="4" name="Slide Number Placeholder 3">
             <a:extLst>
               <a:ext uri="{FF2B5EF4-FFF2-40B4-BE49-F238E27FC236}">
-                <a16:creationId xmlns:a16="http://schemas.microsoft.com/office/drawing/2014/main" id="{9A834773-9D4D-43DB-BE71-9B7317CC3980}"/>
+                <a16:creationId xmlns:a16="http://schemas.microsoft.com/office/drawing/2014/main" id="{B061B1C6-5E6F-4408-9C79-8B3E2C5DE989}"/>
               </a:ext>
             </a:extLst>
           </p:cNvPr>
@@ -12116,6 +12586,369 @@
                 <a:defRPr/>
               </a:pPr>
               <a:t>23</a:t>
+            </a:fld>
+            <a:endParaRPr lang="en-US"/>
+          </a:p>
+        </p:txBody>
+      </p:sp>
+    </p:spTree>
+    <p:extLst>
+      <p:ext uri="{BB962C8B-B14F-4D97-AF65-F5344CB8AC3E}">
+        <p14:creationId xmlns:p14="http://schemas.microsoft.com/office/powerpoint/2010/main" val="1665633817"/>
+      </p:ext>
+    </p:extLst>
+  </p:cSld>
+  <p:clrMapOvr>
+    <a:masterClrMapping/>
+  </p:clrMapOvr>
+</p:sld>
+</file>
+
+<file path=ppt/slides/slide24.xml><?xml version="1.0" encoding="utf-8"?>
+<p:sld xmlns:a="http://schemas.openxmlformats.org/drawingml/2006/main" xmlns:r="http://schemas.openxmlformats.org/officeDocument/2006/relationships" xmlns:p="http://schemas.openxmlformats.org/presentationml/2006/main">
+  <p:cSld>
+    <p:spTree>
+      <p:nvGrpSpPr>
+        <p:cNvPr id="1" name=""/>
+        <p:cNvGrpSpPr/>
+        <p:nvPr/>
+      </p:nvGrpSpPr>
+      <p:grpSpPr>
+        <a:xfrm>
+          <a:off x="0" y="0"/>
+          <a:ext cx="0" cy="0"/>
+          <a:chOff x="0" y="0"/>
+          <a:chExt cx="0" cy="0"/>
+        </a:xfrm>
+      </p:grpSpPr>
+      <p:sp>
+        <p:nvSpPr>
+          <p:cNvPr id="2" name="Title 1">
+            <a:extLst>
+              <a:ext uri="{FF2B5EF4-FFF2-40B4-BE49-F238E27FC236}">
+                <a16:creationId xmlns:a16="http://schemas.microsoft.com/office/drawing/2014/main" id="{1DD99648-CE8F-4E19-953E-8B3920440319}"/>
+              </a:ext>
+            </a:extLst>
+          </p:cNvPr>
+          <p:cNvSpPr>
+            <a:spLocks noGrp="1"/>
+          </p:cNvSpPr>
+          <p:nvPr>
+            <p:ph type="title"/>
+          </p:nvPr>
+        </p:nvSpPr>
+        <p:spPr/>
+        <p:txBody>
+          <a:bodyPr/>
+          <a:lstStyle/>
+          <a:p>
+            <a:r>
+              <a:rPr lang="en-US" dirty="0"/>
+              <a:t>Communication</a:t>
+            </a:r>
+          </a:p>
+        </p:txBody>
+      </p:sp>
+      <p:sp>
+        <p:nvSpPr>
+          <p:cNvPr id="3" name="Content Placeholder 2">
+            <a:extLst>
+              <a:ext uri="{FF2B5EF4-FFF2-40B4-BE49-F238E27FC236}">
+                <a16:creationId xmlns:a16="http://schemas.microsoft.com/office/drawing/2014/main" id="{82CC43D4-82B4-449F-8A4A-151724B1D9F3}"/>
+              </a:ext>
+            </a:extLst>
+          </p:cNvPr>
+          <p:cNvSpPr>
+            <a:spLocks noGrp="1"/>
+          </p:cNvSpPr>
+          <p:nvPr>
+            <p:ph idx="1"/>
+          </p:nvPr>
+        </p:nvSpPr>
+        <p:spPr>
+          <a:xfrm>
+            <a:off x="838200" y="1466706"/>
+            <a:ext cx="10515599" cy="4351338"/>
+          </a:xfrm>
+        </p:spPr>
+        <p:txBody>
+          <a:bodyPr>
+            <a:normAutofit/>
+          </a:bodyPr>
+          <a:lstStyle/>
+          <a:p>
+            <a:r>
+              <a:rPr lang="en-US" dirty="0"/>
+              <a:t>Canvas</a:t>
+            </a:r>
+          </a:p>
+          <a:p>
+            <a:r>
+              <a:rPr lang="en-US" dirty="0"/>
+              <a:t>Course web page (</a:t>
+            </a:r>
+            <a:r>
+              <a:rPr lang="en-US" dirty="0">
+                <a:hlinkClick r:id="rId2"/>
+              </a:rPr>
+              <a:t>https://neu-se.github.io/CS4530-Spring-2024</a:t>
+            </a:r>
+            <a:r>
+              <a:rPr lang="en-US" dirty="0"/>
+              <a:t>)</a:t>
+            </a:r>
+          </a:p>
+          <a:p>
+            <a:pPr lvl="1"/>
+            <a:r>
+              <a:rPr lang="en-US" dirty="0"/>
+              <a:t>Canvas will mirror the course web site. </a:t>
+            </a:r>
+          </a:p>
+          <a:p>
+            <a:pPr lvl="1"/>
+            <a:r>
+              <a:rPr lang="en-US" dirty="0"/>
+              <a:t>Assignments, important notices, etc., will appear in both places.</a:t>
+            </a:r>
+          </a:p>
+          <a:p>
+            <a:r>
+              <a:rPr lang="en-US" dirty="0"/>
+              <a:t>Piazza (see Canvas for link)</a:t>
+            </a:r>
+          </a:p>
+          <a:p>
+            <a:pPr lvl="1"/>
+            <a:r>
+              <a:rPr lang="en-US" dirty="0"/>
+              <a:t>for questions about assignments, projects, etc.</a:t>
+            </a:r>
+          </a:p>
+          <a:p>
+            <a:r>
+              <a:rPr lang="en-US" dirty="0"/>
+              <a:t>Office Hours </a:t>
+            </a:r>
+          </a:p>
+          <a:p>
+            <a:pPr lvl="1"/>
+            <a:r>
+              <a:rPr lang="en-US" dirty="0"/>
+              <a:t>Schedule is available at (</a:t>
+            </a:r>
+            <a:r>
+              <a:rPr lang="en-US" dirty="0">
+                <a:hlinkClick r:id="rId3"/>
+              </a:rPr>
+              <a:t>https://neu-se.github.io/CS4530-Spring-2024/staff/</a:t>
+            </a:r>
+            <a:r>
+              <a:rPr lang="en-US" dirty="0"/>
+              <a:t>)</a:t>
+            </a:r>
+          </a:p>
+          <a:p>
+            <a:pPr lvl="1"/>
+            <a:r>
+              <a:rPr lang="en-US" dirty="0"/>
+              <a:t>TA Office Hours are held via </a:t>
+            </a:r>
+            <a:r>
+              <a:rPr lang="en-US" b="1" dirty="0">
+                <a:hlinkClick r:id="rId4">
+                  <a:extLst>
+                    <a:ext uri="{A12FA001-AC4F-418D-AE19-62706E023703}">
+                      <ahyp:hlinkClr xmlns:ahyp="http://schemas.microsoft.com/office/drawing/2018/hyperlinkcolor" val="tx"/>
+                    </a:ext>
+                  </a:extLst>
+                </a:hlinkClick>
+              </a:rPr>
+              <a:t>Khoury Office Hours App</a:t>
+            </a:r>
+            <a:endParaRPr lang="en-US" dirty="0"/>
+          </a:p>
+          <a:p>
+            <a:pPr lvl="1"/>
+            <a:endParaRPr lang="en-US" dirty="0"/>
+          </a:p>
+          <a:p>
+            <a:pPr marL="0" indent="0">
+              <a:buNone/>
+            </a:pPr>
+            <a:endParaRPr lang="en-US" dirty="0"/>
+          </a:p>
+        </p:txBody>
+      </p:sp>
+      <p:sp>
+        <p:nvSpPr>
+          <p:cNvPr id="4" name="Slide Number Placeholder 3">
+            <a:extLst>
+              <a:ext uri="{FF2B5EF4-FFF2-40B4-BE49-F238E27FC236}">
+                <a16:creationId xmlns:a16="http://schemas.microsoft.com/office/drawing/2014/main" id="{66441BF3-B319-4719-9933-B7B7F3244E64}"/>
+              </a:ext>
+            </a:extLst>
+          </p:cNvPr>
+          <p:cNvSpPr>
+            <a:spLocks noGrp="1"/>
+          </p:cNvSpPr>
+          <p:nvPr>
+            <p:ph type="sldNum" sz="quarter" idx="12"/>
+          </p:nvPr>
+        </p:nvSpPr>
+        <p:spPr/>
+        <p:txBody>
+          <a:bodyPr/>
+          <a:lstStyle/>
+          <a:p>
+            <a:fld id="{20F37917-FD3A-4669-9018-DA04BCDD3D75}" type="slidenum">
+              <a:rPr lang="en-US" smtClean="0"/>
+              <a:t>24</a:t>
+            </a:fld>
+            <a:endParaRPr lang="en-US"/>
+          </a:p>
+        </p:txBody>
+      </p:sp>
+    </p:spTree>
+    <p:extLst>
+      <p:ext uri="{BB962C8B-B14F-4D97-AF65-F5344CB8AC3E}">
+        <p14:creationId xmlns:p14="http://schemas.microsoft.com/office/powerpoint/2010/main" val="2855917600"/>
+      </p:ext>
+    </p:extLst>
+  </p:cSld>
+  <p:clrMapOvr>
+    <a:masterClrMapping/>
+  </p:clrMapOvr>
+</p:sld>
+</file>
+
+<file path=ppt/slides/slide25.xml><?xml version="1.0" encoding="utf-8"?>
+<p:sld xmlns:a="http://schemas.openxmlformats.org/drawingml/2006/main" xmlns:r="http://schemas.openxmlformats.org/officeDocument/2006/relationships" xmlns:p="http://schemas.openxmlformats.org/presentationml/2006/main">
+  <p:cSld>
+    <p:spTree>
+      <p:nvGrpSpPr>
+        <p:cNvPr id="1" name=""/>
+        <p:cNvGrpSpPr/>
+        <p:nvPr/>
+      </p:nvGrpSpPr>
+      <p:grpSpPr>
+        <a:xfrm>
+          <a:off x="0" y="0"/>
+          <a:ext cx="0" cy="0"/>
+          <a:chOff x="0" y="0"/>
+          <a:chExt cx="0" cy="0"/>
+        </a:xfrm>
+      </p:grpSpPr>
+      <p:sp>
+        <p:nvSpPr>
+          <p:cNvPr id="2" name="Title 1">
+            <a:extLst>
+              <a:ext uri="{FF2B5EF4-FFF2-40B4-BE49-F238E27FC236}">
+                <a16:creationId xmlns:a16="http://schemas.microsoft.com/office/drawing/2014/main" id="{ADDDF7AD-1809-4173-85DB-C6679D1D1171}"/>
+              </a:ext>
+            </a:extLst>
+          </p:cNvPr>
+          <p:cNvSpPr>
+            <a:spLocks noGrp="1"/>
+          </p:cNvSpPr>
+          <p:nvPr>
+            <p:ph type="title"/>
+          </p:nvPr>
+        </p:nvSpPr>
+        <p:spPr/>
+        <p:txBody>
+          <a:bodyPr/>
+          <a:lstStyle/>
+          <a:p>
+            <a:r>
+              <a:rPr lang="en-US" dirty="0"/>
+              <a:t>Review</a:t>
+            </a:r>
+          </a:p>
+        </p:txBody>
+      </p:sp>
+      <p:sp>
+        <p:nvSpPr>
+          <p:cNvPr id="3" name="Text Placeholder 2">
+            <a:extLst>
+              <a:ext uri="{FF2B5EF4-FFF2-40B4-BE49-F238E27FC236}">
+                <a16:creationId xmlns:a16="http://schemas.microsoft.com/office/drawing/2014/main" id="{2DC04701-46F5-4631-A66B-9AC1D5520E14}"/>
+              </a:ext>
+            </a:extLst>
+          </p:cNvPr>
+          <p:cNvSpPr>
+            <a:spLocks noGrp="1"/>
+          </p:cNvSpPr>
+          <p:nvPr>
+            <p:ph idx="1"/>
+          </p:nvPr>
+        </p:nvSpPr>
+        <p:spPr/>
+        <p:txBody>
+          <a:bodyPr/>
+          <a:lstStyle/>
+          <a:p>
+            <a:r>
+              <a:rPr lang="en-US" dirty="0"/>
+              <a:t>Now that you've studied this lesson, you should be able to:</a:t>
+            </a:r>
+          </a:p>
+          <a:p>
+            <a:pPr lvl="1"/>
+            <a:r>
+              <a:rPr lang="en-US" dirty="0"/>
+              <a:t>Explain in general terms what software engineering is </a:t>
+            </a:r>
+          </a:p>
+          <a:p>
+            <a:pPr lvl="1"/>
+            <a:r>
+              <a:rPr lang="en-US" dirty="0"/>
+              <a:t>List your weekly obligations as a student</a:t>
+            </a:r>
+          </a:p>
+          <a:p>
+            <a:pPr lvl="1"/>
+            <a:r>
+              <a:rPr lang="en-US" dirty="0"/>
+              <a:t>List the requirements for completing the course</a:t>
+            </a:r>
+          </a:p>
+          <a:p>
+            <a:endParaRPr lang="en-US" dirty="0"/>
+          </a:p>
+        </p:txBody>
+      </p:sp>
+      <p:sp>
+        <p:nvSpPr>
+          <p:cNvPr id="4" name="Slide Number Placeholder 3">
+            <a:extLst>
+              <a:ext uri="{FF2B5EF4-FFF2-40B4-BE49-F238E27FC236}">
+                <a16:creationId xmlns:a16="http://schemas.microsoft.com/office/drawing/2014/main" id="{9A834773-9D4D-43DB-BE71-9B7317CC3980}"/>
+              </a:ext>
+            </a:extLst>
+          </p:cNvPr>
+          <p:cNvSpPr>
+            <a:spLocks noGrp="1"/>
+          </p:cNvSpPr>
+          <p:nvPr>
+            <p:ph type="sldNum" sz="quarter" idx="12"/>
+          </p:nvPr>
+        </p:nvSpPr>
+        <p:spPr/>
+        <p:txBody>
+          <a:bodyPr/>
+          <a:lstStyle/>
+          <a:p>
+            <a:pPr defTabSz="547695">
+              <a:defRPr/>
+            </a:pPr>
+            <a:fld id="{86CB4B4D-7CA3-9044-876B-883B54F8677D}" type="slidenum">
+              <a:rPr lang="en-US" smtClean="0"/>
+              <a:pPr defTabSz="547695">
+                <a:defRPr/>
+              </a:pPr>
+              <a:t>25</a:t>
             </a:fld>
             <a:endParaRPr lang="en-US"/>
           </a:p>
@@ -13670,366 +14503,6 @@
       </p:grpSpPr>
       <p:sp>
         <p:nvSpPr>
-          <p:cNvPr id="3" name="Title 2">
-            <a:extLst>
-              <a:ext uri="{FF2B5EF4-FFF2-40B4-BE49-F238E27FC236}">
-                <a16:creationId xmlns:a16="http://schemas.microsoft.com/office/drawing/2014/main" id="{24219210-064D-4723-B315-AF5F6E373DCD}"/>
-              </a:ext>
-            </a:extLst>
-          </p:cNvPr>
-          <p:cNvSpPr>
-            <a:spLocks noGrp="1"/>
-          </p:cNvSpPr>
-          <p:nvPr>
-            <p:ph type="title"/>
-          </p:nvPr>
-        </p:nvSpPr>
-        <p:spPr/>
-        <p:txBody>
-          <a:bodyPr/>
-          <a:lstStyle/>
-          <a:p>
-            <a:r>
-              <a:rPr lang="en-US" dirty="0"/>
-              <a:t>But this raises many questions</a:t>
-            </a:r>
-          </a:p>
-        </p:txBody>
-      </p:sp>
-      <p:sp>
-        <p:nvSpPr>
-          <p:cNvPr id="4" name="Content Placeholder 3">
-            <a:extLst>
-              <a:ext uri="{FF2B5EF4-FFF2-40B4-BE49-F238E27FC236}">
-                <a16:creationId xmlns:a16="http://schemas.microsoft.com/office/drawing/2014/main" id="{36F72267-A1BB-4BD1-A54B-EAFF10E7506A}"/>
-              </a:ext>
-            </a:extLst>
-          </p:cNvPr>
-          <p:cNvSpPr>
-            <a:spLocks noGrp="1"/>
-          </p:cNvSpPr>
-          <p:nvPr>
-            <p:ph idx="1"/>
-          </p:nvPr>
-        </p:nvSpPr>
-        <p:spPr/>
-        <p:txBody>
-          <a:bodyPr/>
-          <a:lstStyle/>
-          <a:p>
-            <a:r>
-              <a:rPr lang="en-US" dirty="0"/>
-              <a:t>How {</a:t>
-            </a:r>
-            <a:r>
-              <a:rPr lang="en-US" b="1" dirty="0"/>
-              <a:t>big</a:t>
-            </a:r>
-            <a:r>
-              <a:rPr lang="en-US" dirty="0"/>
-              <a:t>} is each cycle? When do you repeat it?</a:t>
-            </a:r>
-          </a:p>
-          <a:p>
-            <a:pPr lvl="1"/>
-            <a:r>
-              <a:rPr lang="en-US" dirty="0"/>
-              <a:t>In terms of code to be written?</a:t>
-            </a:r>
-          </a:p>
-          <a:p>
-            <a:pPr lvl="1"/>
-            <a:r>
-              <a:rPr lang="en-US" dirty="0"/>
-              <a:t>In terms of time?</a:t>
-            </a:r>
-          </a:p>
-          <a:p>
-            <a:pPr lvl="1"/>
-            <a:r>
-              <a:rPr lang="en-US" dirty="0"/>
-              <a:t>In terms of person-power?</a:t>
-            </a:r>
-          </a:p>
-          <a:p>
-            <a:r>
-              <a:rPr lang="en-US" dirty="0"/>
-              <a:t>Can you have multiple cycles going at once?</a:t>
-            </a:r>
-          </a:p>
-          <a:p>
-            <a:r>
-              <a:rPr lang="en-US" dirty="0"/>
-              <a:t>What artifacts need to be produced at the end of each stage?</a:t>
-            </a:r>
-          </a:p>
-          <a:p>
-            <a:pPr lvl="1"/>
-            <a:r>
-              <a:rPr lang="en-US" dirty="0"/>
-              <a:t>Need to prepare for the next time through the cycle.</a:t>
-            </a:r>
-          </a:p>
-          <a:p>
-            <a:pPr lvl="1"/>
-            <a:r>
-              <a:rPr lang="en-US" dirty="0"/>
-              <a:t>Need to document what was done, so that others can build on your work.</a:t>
-            </a:r>
-          </a:p>
-          <a:p>
-            <a:endParaRPr lang="en-US" dirty="0"/>
-          </a:p>
-        </p:txBody>
-      </p:sp>
-      <p:sp>
-        <p:nvSpPr>
-          <p:cNvPr id="2" name="Slide Number Placeholder 1">
-            <a:extLst>
-              <a:ext uri="{FF2B5EF4-FFF2-40B4-BE49-F238E27FC236}">
-                <a16:creationId xmlns:a16="http://schemas.microsoft.com/office/drawing/2014/main" id="{C836D586-F332-4DBB-BC0A-251ECC8028E0}"/>
-              </a:ext>
-            </a:extLst>
-          </p:cNvPr>
-          <p:cNvSpPr>
-            <a:spLocks noGrp="1"/>
-          </p:cNvSpPr>
-          <p:nvPr>
-            <p:ph type="sldNum" sz="quarter" idx="12"/>
-          </p:nvPr>
-        </p:nvSpPr>
-        <p:spPr/>
-        <p:txBody>
-          <a:bodyPr/>
-          <a:lstStyle/>
-          <a:p>
-            <a:fld id="{20F37917-FD3A-4669-9018-DA04BCDD3D75}" type="slidenum">
-              <a:rPr lang="en-US" smtClean="0"/>
-              <a:t>7</a:t>
-            </a:fld>
-            <a:endParaRPr lang="en-US"/>
-          </a:p>
-        </p:txBody>
-      </p:sp>
-    </p:spTree>
-    <p:extLst>
-      <p:ext uri="{BB962C8B-B14F-4D97-AF65-F5344CB8AC3E}">
-        <p14:creationId xmlns:p14="http://schemas.microsoft.com/office/powerpoint/2010/main" val="480510607"/>
-      </p:ext>
-    </p:extLst>
-  </p:cSld>
-  <p:clrMapOvr>
-    <a:masterClrMapping/>
-  </p:clrMapOvr>
-</p:sld>
-</file>
-
-<file path=ppt/slides/slide8.xml><?xml version="1.0" encoding="utf-8"?>
-<p:sld xmlns:a="http://schemas.openxmlformats.org/drawingml/2006/main" xmlns:r="http://schemas.openxmlformats.org/officeDocument/2006/relationships" xmlns:p="http://schemas.openxmlformats.org/presentationml/2006/main">
-  <p:cSld>
-    <p:spTree>
-      <p:nvGrpSpPr>
-        <p:cNvPr id="1" name=""/>
-        <p:cNvGrpSpPr/>
-        <p:nvPr/>
-      </p:nvGrpSpPr>
-      <p:grpSpPr>
-        <a:xfrm>
-          <a:off x="0" y="0"/>
-          <a:ext cx="0" cy="0"/>
-          <a:chOff x="0" y="0"/>
-          <a:chExt cx="0" cy="0"/>
-        </a:xfrm>
-      </p:grpSpPr>
-      <p:sp>
-        <p:nvSpPr>
-          <p:cNvPr id="2" name="Title 1">
-            <a:extLst>
-              <a:ext uri="{FF2B5EF4-FFF2-40B4-BE49-F238E27FC236}">
-                <a16:creationId xmlns:a16="http://schemas.microsoft.com/office/drawing/2014/main" id="{E1A1CA2F-B830-4EF9-AABF-DC522F2572EF}"/>
-              </a:ext>
-            </a:extLst>
-          </p:cNvPr>
-          <p:cNvSpPr>
-            <a:spLocks noGrp="1"/>
-          </p:cNvSpPr>
-          <p:nvPr>
-            <p:ph type="title"/>
-          </p:nvPr>
-        </p:nvSpPr>
-        <p:spPr/>
-        <p:txBody>
-          <a:bodyPr/>
-          <a:lstStyle/>
-          <a:p>
-            <a:r>
-              <a:rPr lang="en-US" dirty="0"/>
-              <a:t>The answers depend on many factors</a:t>
-            </a:r>
-          </a:p>
-        </p:txBody>
-      </p:sp>
-      <p:sp>
-        <p:nvSpPr>
-          <p:cNvPr id="3" name="Text Placeholder 2">
-            <a:extLst>
-              <a:ext uri="{FF2B5EF4-FFF2-40B4-BE49-F238E27FC236}">
-                <a16:creationId xmlns:a16="http://schemas.microsoft.com/office/drawing/2014/main" id="{1A2C1194-FA42-4E3A-A65B-A1165F11DFB1}"/>
-              </a:ext>
-            </a:extLst>
-          </p:cNvPr>
-          <p:cNvSpPr>
-            <a:spLocks noGrp="1"/>
-          </p:cNvSpPr>
-          <p:nvPr>
-            <p:ph idx="1"/>
-          </p:nvPr>
-        </p:nvSpPr>
-        <p:spPr/>
-        <p:txBody>
-          <a:bodyPr>
-            <a:normAutofit/>
-          </a:bodyPr>
-          <a:lstStyle/>
-          <a:p>
-            <a:r>
-              <a:rPr lang="en-US" dirty="0"/>
-              <a:t>Depends on things like:</a:t>
-            </a:r>
-          </a:p>
-          <a:p>
-            <a:pPr lvl="1"/>
-            <a:r>
-              <a:rPr lang="en-US" dirty="0"/>
-              <a:t>the size of the team (i.e., </a:t>
-            </a:r>
-            <a:r>
-              <a:rPr lang="en-US" b="1" dirty="0"/>
-              <a:t>p</a:t>
-            </a:r>
-            <a:r>
-              <a:rPr lang="en-US" dirty="0"/>
-              <a:t>eople)</a:t>
-            </a:r>
-          </a:p>
-          <a:p>
-            <a:pPr lvl="1"/>
-            <a:r>
-              <a:rPr lang="en-US" dirty="0"/>
-              <a:t>the size of the </a:t>
-            </a:r>
-            <a:r>
-              <a:rPr lang="en-US" b="1" dirty="0"/>
-              <a:t>p</a:t>
-            </a:r>
-            <a:r>
-              <a:rPr lang="en-US" dirty="0"/>
-              <a:t>roduct</a:t>
-            </a:r>
-          </a:p>
-          <a:p>
-            <a:pPr lvl="1"/>
-            <a:r>
-              <a:rPr lang="en-US" dirty="0"/>
-              <a:t>The type of the project</a:t>
-            </a:r>
-          </a:p>
-          <a:p>
-            <a:pPr lvl="1"/>
-            <a:r>
-              <a:rPr lang="en-US" dirty="0"/>
-              <a:t>the longevity of the product</a:t>
-            </a:r>
-          </a:p>
-          <a:p>
-            <a:r>
-              <a:rPr lang="en-US" dirty="0"/>
-              <a:t>There's no one "right" way; no universal </a:t>
-            </a:r>
-            <a:r>
-              <a:rPr lang="en-US" b="1" dirty="0"/>
-              <a:t>p</a:t>
-            </a:r>
-            <a:r>
-              <a:rPr lang="en-US" dirty="0"/>
-              <a:t>rocess or silver bullet; there are always tradeoffs.</a:t>
-            </a:r>
-          </a:p>
-          <a:p>
-            <a:r>
-              <a:rPr lang="en-US" dirty="0"/>
-              <a:t>But there are best practices, which we will expect you to follow.</a:t>
-            </a:r>
-          </a:p>
-        </p:txBody>
-      </p:sp>
-      <p:sp>
-        <p:nvSpPr>
-          <p:cNvPr id="4" name="Slide Number Placeholder 3">
-            <a:extLst>
-              <a:ext uri="{FF2B5EF4-FFF2-40B4-BE49-F238E27FC236}">
-                <a16:creationId xmlns:a16="http://schemas.microsoft.com/office/drawing/2014/main" id="{A249E72F-16DC-4F27-A68F-C6A31919E455}"/>
-              </a:ext>
-            </a:extLst>
-          </p:cNvPr>
-          <p:cNvSpPr>
-            <a:spLocks noGrp="1"/>
-          </p:cNvSpPr>
-          <p:nvPr>
-            <p:ph type="sldNum" sz="quarter" idx="12"/>
-          </p:nvPr>
-        </p:nvSpPr>
-        <p:spPr/>
-        <p:txBody>
-          <a:bodyPr/>
-          <a:lstStyle/>
-          <a:p>
-            <a:pPr defTabSz="547695">
-              <a:defRPr/>
-            </a:pPr>
-            <a:fld id="{86CB4B4D-7CA3-9044-876B-883B54F8677D}" type="slidenum">
-              <a:rPr lang="en-US" smtClean="0"/>
-              <a:pPr defTabSz="547695">
-                <a:defRPr/>
-              </a:pPr>
-              <a:t>8</a:t>
-            </a:fld>
-            <a:endParaRPr lang="en-US"/>
-          </a:p>
-        </p:txBody>
-      </p:sp>
-    </p:spTree>
-    <p:extLst>
-      <p:ext uri="{BB962C8B-B14F-4D97-AF65-F5344CB8AC3E}">
-        <p14:creationId xmlns:p14="http://schemas.microsoft.com/office/powerpoint/2010/main" val="1909338716"/>
-      </p:ext>
-    </p:extLst>
-  </p:cSld>
-  <p:clrMapOvr>
-    <a:masterClrMapping/>
-  </p:clrMapOvr>
-</p:sld>
-</file>
-
-<file path=ppt/slides/slide9.xml><?xml version="1.0" encoding="utf-8"?>
-<p:sld xmlns:a="http://schemas.openxmlformats.org/drawingml/2006/main" xmlns:r="http://schemas.openxmlformats.org/officeDocument/2006/relationships" xmlns:p="http://schemas.openxmlformats.org/presentationml/2006/main">
-  <p:cSld>
-    <p:spTree>
-      <p:nvGrpSpPr>
-        <p:cNvPr id="1" name=""/>
-        <p:cNvGrpSpPr/>
-        <p:nvPr/>
-      </p:nvGrpSpPr>
-      <p:grpSpPr>
-        <a:xfrm>
-          <a:off x="0" y="0"/>
-          <a:ext cx="0" cy="0"/>
-          <a:chOff x="0" y="0"/>
-          <a:chExt cx="0" cy="0"/>
-        </a:xfrm>
-      </p:grpSpPr>
-      <p:sp>
-        <p:nvSpPr>
           <p:cNvPr id="214" name="Software Engineering is about People"/>
           <p:cNvSpPr txBox="1">
             <a:spLocks noGrp="1"/>
@@ -14075,7 +14548,7 @@
           </a:ln>
           <a:extLst>
             <a:ext uri="{C572A759-6A51-4108-AA02-DFA0A04FC94B}">
-              <ma14:wrappingTextBoxFlag xmlns:ma14="http://schemas.microsoft.com/office/mac/drawingml/2011/main" xmlns:a14="http://schemas.microsoft.com/office/drawing/2010/main" xmlns:m="http://schemas.openxmlformats.org/officeDocument/2006/math" xmlns="" val="1"/>
+              <ma14:wrappingTextBoxFlag xmlns="" xmlns:m="http://schemas.openxmlformats.org/officeDocument/2006/math" xmlns:a14="http://schemas.microsoft.com/office/drawing/2010/main" xmlns:ma14="http://schemas.microsoft.com/office/mac/drawingml/2011/main" val="1"/>
             </a:ext>
           </a:extLst>
         </p:spPr>
@@ -14136,7 +14609,7 @@
           </a:ln>
           <a:extLst>
             <a:ext uri="{C572A759-6A51-4108-AA02-DFA0A04FC94B}">
-              <ma14:wrappingTextBoxFlag xmlns:ma14="http://schemas.microsoft.com/office/mac/drawingml/2011/main" xmlns:a14="http://schemas.microsoft.com/office/drawing/2010/main" xmlns:m="http://schemas.openxmlformats.org/officeDocument/2006/math" xmlns="" val="1"/>
+              <ma14:wrappingTextBoxFlag xmlns="" xmlns:m="http://schemas.openxmlformats.org/officeDocument/2006/math" xmlns:a14="http://schemas.microsoft.com/office/drawing/2010/main" xmlns:ma14="http://schemas.microsoft.com/office/mac/drawingml/2011/main" val="1"/>
             </a:ext>
           </a:extLst>
         </p:spPr>
@@ -14189,6 +14662,472 @@
         </p:spPr>
       </p:pic>
     </p:spTree>
+  </p:cSld>
+  <p:clrMapOvr>
+    <a:masterClrMapping/>
+  </p:clrMapOvr>
+</p:sld>
+</file>
+
+<file path=ppt/slides/slide8.xml><?xml version="1.0" encoding="utf-8"?>
+<p:sld xmlns:a="http://schemas.openxmlformats.org/drawingml/2006/main" xmlns:r="http://schemas.openxmlformats.org/officeDocument/2006/relationships" xmlns:p="http://schemas.openxmlformats.org/presentationml/2006/main">
+  <p:cSld>
+    <p:spTree>
+      <p:nvGrpSpPr>
+        <p:cNvPr id="1" name=""/>
+        <p:cNvGrpSpPr/>
+        <p:nvPr/>
+      </p:nvGrpSpPr>
+      <p:grpSpPr>
+        <a:xfrm>
+          <a:off x="0" y="0"/>
+          <a:ext cx="0" cy="0"/>
+          <a:chOff x="0" y="0"/>
+          <a:chExt cx="0" cy="0"/>
+        </a:xfrm>
+      </p:grpSpPr>
+      <p:sp>
+        <p:nvSpPr>
+          <p:cNvPr id="3" name="Title 2">
+            <a:extLst>
+              <a:ext uri="{FF2B5EF4-FFF2-40B4-BE49-F238E27FC236}">
+                <a16:creationId xmlns:a16="http://schemas.microsoft.com/office/drawing/2014/main" id="{24219210-064D-4723-B315-AF5F6E373DCD}"/>
+              </a:ext>
+            </a:extLst>
+          </p:cNvPr>
+          <p:cNvSpPr>
+            <a:spLocks noGrp="1"/>
+          </p:cNvSpPr>
+          <p:nvPr>
+            <p:ph type="title"/>
+          </p:nvPr>
+        </p:nvSpPr>
+        <p:spPr/>
+        <p:txBody>
+          <a:bodyPr/>
+          <a:lstStyle/>
+          <a:p>
+            <a:r>
+              <a:rPr lang="en-US" dirty="0"/>
+              <a:t>But this raises many questions</a:t>
+            </a:r>
+          </a:p>
+        </p:txBody>
+      </p:sp>
+      <p:sp>
+        <p:nvSpPr>
+          <p:cNvPr id="4" name="Content Placeholder 3">
+            <a:extLst>
+              <a:ext uri="{FF2B5EF4-FFF2-40B4-BE49-F238E27FC236}">
+                <a16:creationId xmlns:a16="http://schemas.microsoft.com/office/drawing/2014/main" id="{36F72267-A1BB-4BD1-A54B-EAFF10E7506A}"/>
+              </a:ext>
+            </a:extLst>
+          </p:cNvPr>
+          <p:cNvSpPr>
+            <a:spLocks noGrp="1"/>
+          </p:cNvSpPr>
+          <p:nvPr>
+            <p:ph idx="1"/>
+          </p:nvPr>
+        </p:nvSpPr>
+        <p:spPr/>
+        <p:txBody>
+          <a:bodyPr/>
+          <a:lstStyle/>
+          <a:p>
+            <a:r>
+              <a:rPr lang="en-US" dirty="0"/>
+              <a:t>How {</a:t>
+            </a:r>
+            <a:r>
+              <a:rPr lang="en-US" b="1" dirty="0"/>
+              <a:t>big</a:t>
+            </a:r>
+            <a:r>
+              <a:rPr lang="en-US" dirty="0"/>
+              <a:t>} is each cycle? When do you repeat it?</a:t>
+            </a:r>
+          </a:p>
+          <a:p>
+            <a:pPr lvl="1"/>
+            <a:r>
+              <a:rPr lang="en-US" dirty="0"/>
+              <a:t>In terms of code to be written?</a:t>
+            </a:r>
+          </a:p>
+          <a:p>
+            <a:pPr lvl="1"/>
+            <a:r>
+              <a:rPr lang="en-US" dirty="0"/>
+              <a:t>In terms of time?</a:t>
+            </a:r>
+          </a:p>
+          <a:p>
+            <a:pPr lvl="1"/>
+            <a:r>
+              <a:rPr lang="en-US" dirty="0"/>
+              <a:t>In terms of person-power?</a:t>
+            </a:r>
+          </a:p>
+          <a:p>
+            <a:r>
+              <a:rPr lang="en-US" dirty="0"/>
+              <a:t>Can you have multiple cycles going at once?</a:t>
+            </a:r>
+          </a:p>
+          <a:p>
+            <a:r>
+              <a:rPr lang="en-US" dirty="0"/>
+              <a:t>What artifacts need to be produced at the end of each stage?</a:t>
+            </a:r>
+          </a:p>
+          <a:p>
+            <a:pPr lvl="1"/>
+            <a:r>
+              <a:rPr lang="en-US" dirty="0"/>
+              <a:t>Need to prepare for the next time through the cycle.</a:t>
+            </a:r>
+          </a:p>
+          <a:p>
+            <a:pPr lvl="1"/>
+            <a:r>
+              <a:rPr lang="en-US" dirty="0"/>
+              <a:t>Need to document what was done, so that others can build on your work.</a:t>
+            </a:r>
+          </a:p>
+          <a:p>
+            <a:endParaRPr lang="en-US" dirty="0"/>
+          </a:p>
+        </p:txBody>
+      </p:sp>
+      <p:sp>
+        <p:nvSpPr>
+          <p:cNvPr id="2" name="Slide Number Placeholder 1">
+            <a:extLst>
+              <a:ext uri="{FF2B5EF4-FFF2-40B4-BE49-F238E27FC236}">
+                <a16:creationId xmlns:a16="http://schemas.microsoft.com/office/drawing/2014/main" id="{C836D586-F332-4DBB-BC0A-251ECC8028E0}"/>
+              </a:ext>
+            </a:extLst>
+          </p:cNvPr>
+          <p:cNvSpPr>
+            <a:spLocks noGrp="1"/>
+          </p:cNvSpPr>
+          <p:nvPr>
+            <p:ph type="sldNum" sz="quarter" idx="12"/>
+          </p:nvPr>
+        </p:nvSpPr>
+        <p:spPr/>
+        <p:txBody>
+          <a:bodyPr/>
+          <a:lstStyle/>
+          <a:p>
+            <a:fld id="{20F37917-FD3A-4669-9018-DA04BCDD3D75}" type="slidenum">
+              <a:rPr lang="en-US" smtClean="0"/>
+              <a:t>8</a:t>
+            </a:fld>
+            <a:endParaRPr lang="en-US"/>
+          </a:p>
+        </p:txBody>
+      </p:sp>
+      <p:sp>
+        <p:nvSpPr>
+          <p:cNvPr id="5" name="Diagonal Stripe 4">
+            <a:extLst>
+              <a:ext uri="{FF2B5EF4-FFF2-40B4-BE49-F238E27FC236}">
+                <a16:creationId xmlns:a16="http://schemas.microsoft.com/office/drawing/2014/main" id="{B839CFC8-D351-AE61-EFBA-312C8C77038D}"/>
+              </a:ext>
+            </a:extLst>
+          </p:cNvPr>
+          <p:cNvSpPr/>
+          <p:nvPr/>
+        </p:nvSpPr>
+        <p:spPr>
+          <a:xfrm>
+            <a:off x="1463040" y="1655545"/>
+            <a:ext cx="7411453" cy="4119613"/>
+          </a:xfrm>
+          <a:prstGeom prst="diagStripe">
+            <a:avLst/>
+          </a:prstGeom>
+          <a:solidFill>
+            <a:srgbClr val="FFFF00"/>
+          </a:solidFill>
+        </p:spPr>
+        <p:style>
+          <a:lnRef idx="2">
+            <a:schemeClr val="accent1">
+              <a:shade val="50000"/>
+            </a:schemeClr>
+          </a:lnRef>
+          <a:fillRef idx="1">
+            <a:schemeClr val="accent1"/>
+          </a:fillRef>
+          <a:effectRef idx="0">
+            <a:schemeClr val="accent1"/>
+          </a:effectRef>
+          <a:fontRef idx="minor">
+            <a:schemeClr val="lt1"/>
+          </a:fontRef>
+        </p:style>
+        <p:txBody>
+          <a:bodyPr rtlCol="0" anchor="ctr"/>
+          <a:lstStyle/>
+          <a:p>
+            <a:pPr algn="ctr"/>
+            <a:endParaRPr lang="en-US" sz="2400" dirty="0">
+              <a:solidFill>
+                <a:sysClr val="windowText" lastClr="000000"/>
+              </a:solidFill>
+            </a:endParaRPr>
+          </a:p>
+        </p:txBody>
+      </p:sp>
+    </p:spTree>
+    <p:extLst>
+      <p:ext uri="{BB962C8B-B14F-4D97-AF65-F5344CB8AC3E}">
+        <p14:creationId xmlns:p14="http://schemas.microsoft.com/office/powerpoint/2010/main" val="480510607"/>
+      </p:ext>
+    </p:extLst>
+  </p:cSld>
+  <p:clrMapOvr>
+    <a:masterClrMapping/>
+  </p:clrMapOvr>
+</p:sld>
+</file>
+
+<file path=ppt/slides/slide9.xml><?xml version="1.0" encoding="utf-8"?>
+<p:sld xmlns:a="http://schemas.openxmlformats.org/drawingml/2006/main" xmlns:r="http://schemas.openxmlformats.org/officeDocument/2006/relationships" xmlns:p="http://schemas.openxmlformats.org/presentationml/2006/main">
+  <p:cSld>
+    <p:spTree>
+      <p:nvGrpSpPr>
+        <p:cNvPr id="1" name=""/>
+        <p:cNvGrpSpPr/>
+        <p:nvPr/>
+      </p:nvGrpSpPr>
+      <p:grpSpPr>
+        <a:xfrm>
+          <a:off x="0" y="0"/>
+          <a:ext cx="0" cy="0"/>
+          <a:chOff x="0" y="0"/>
+          <a:chExt cx="0" cy="0"/>
+        </a:xfrm>
+      </p:grpSpPr>
+      <p:sp>
+        <p:nvSpPr>
+          <p:cNvPr id="2" name="Title 1">
+            <a:extLst>
+              <a:ext uri="{FF2B5EF4-FFF2-40B4-BE49-F238E27FC236}">
+                <a16:creationId xmlns:a16="http://schemas.microsoft.com/office/drawing/2014/main" id="{E1A1CA2F-B830-4EF9-AABF-DC522F2572EF}"/>
+              </a:ext>
+            </a:extLst>
+          </p:cNvPr>
+          <p:cNvSpPr>
+            <a:spLocks noGrp="1"/>
+          </p:cNvSpPr>
+          <p:nvPr>
+            <p:ph type="title"/>
+          </p:nvPr>
+        </p:nvSpPr>
+        <p:spPr/>
+        <p:txBody>
+          <a:bodyPr/>
+          <a:lstStyle/>
+          <a:p>
+            <a:r>
+              <a:rPr lang="en-US" dirty="0"/>
+              <a:t>The answers depend on many factors</a:t>
+            </a:r>
+          </a:p>
+        </p:txBody>
+      </p:sp>
+      <p:sp>
+        <p:nvSpPr>
+          <p:cNvPr id="3" name="Text Placeholder 2">
+            <a:extLst>
+              <a:ext uri="{FF2B5EF4-FFF2-40B4-BE49-F238E27FC236}">
+                <a16:creationId xmlns:a16="http://schemas.microsoft.com/office/drawing/2014/main" id="{1A2C1194-FA42-4E3A-A65B-A1165F11DFB1}"/>
+              </a:ext>
+            </a:extLst>
+          </p:cNvPr>
+          <p:cNvSpPr>
+            <a:spLocks noGrp="1"/>
+          </p:cNvSpPr>
+          <p:nvPr>
+            <p:ph idx="1"/>
+          </p:nvPr>
+        </p:nvSpPr>
+        <p:spPr/>
+        <p:txBody>
+          <a:bodyPr>
+            <a:normAutofit/>
+          </a:bodyPr>
+          <a:lstStyle/>
+          <a:p>
+            <a:r>
+              <a:rPr lang="en-US" dirty="0"/>
+              <a:t>Depends on things like:</a:t>
+            </a:r>
+          </a:p>
+          <a:p>
+            <a:pPr lvl="1"/>
+            <a:r>
+              <a:rPr lang="en-US" dirty="0"/>
+              <a:t>the size of the team (i.e., </a:t>
+            </a:r>
+            <a:r>
+              <a:rPr lang="en-US" b="1" dirty="0"/>
+              <a:t>p</a:t>
+            </a:r>
+            <a:r>
+              <a:rPr lang="en-US" dirty="0"/>
+              <a:t>eople)</a:t>
+            </a:r>
+          </a:p>
+          <a:p>
+            <a:pPr lvl="1"/>
+            <a:r>
+              <a:rPr lang="en-US" dirty="0"/>
+              <a:t>the size of the </a:t>
+            </a:r>
+            <a:r>
+              <a:rPr lang="en-US" b="1" dirty="0"/>
+              <a:t>p</a:t>
+            </a:r>
+            <a:r>
+              <a:rPr lang="en-US" dirty="0"/>
+              <a:t>roduct</a:t>
+            </a:r>
+          </a:p>
+          <a:p>
+            <a:pPr lvl="1"/>
+            <a:r>
+              <a:rPr lang="en-US" dirty="0"/>
+              <a:t>The type of the project</a:t>
+            </a:r>
+          </a:p>
+          <a:p>
+            <a:pPr lvl="1"/>
+            <a:r>
+              <a:rPr lang="en-US" dirty="0"/>
+              <a:t>the longevity of the product</a:t>
+            </a:r>
+          </a:p>
+          <a:p>
+            <a:r>
+              <a:rPr lang="en-US" dirty="0"/>
+              <a:t>There's no one "right" way; no universal </a:t>
+            </a:r>
+            <a:r>
+              <a:rPr lang="en-US" b="1" dirty="0"/>
+              <a:t>p</a:t>
+            </a:r>
+            <a:r>
+              <a:rPr lang="en-US" dirty="0"/>
+              <a:t>rocess or silver bullet; there are always tradeoffs.</a:t>
+            </a:r>
+          </a:p>
+          <a:p>
+            <a:r>
+              <a:rPr lang="en-US" dirty="0"/>
+              <a:t>But there are best practices, which we will expect you to follow.</a:t>
+            </a:r>
+          </a:p>
+        </p:txBody>
+      </p:sp>
+      <p:sp>
+        <p:nvSpPr>
+          <p:cNvPr id="4" name="Slide Number Placeholder 3">
+            <a:extLst>
+              <a:ext uri="{FF2B5EF4-FFF2-40B4-BE49-F238E27FC236}">
+                <a16:creationId xmlns:a16="http://schemas.microsoft.com/office/drawing/2014/main" id="{A249E72F-16DC-4F27-A68F-C6A31919E455}"/>
+              </a:ext>
+            </a:extLst>
+          </p:cNvPr>
+          <p:cNvSpPr>
+            <a:spLocks noGrp="1"/>
+          </p:cNvSpPr>
+          <p:nvPr>
+            <p:ph type="sldNum" sz="quarter" idx="12"/>
+          </p:nvPr>
+        </p:nvSpPr>
+        <p:spPr/>
+        <p:txBody>
+          <a:bodyPr/>
+          <a:lstStyle/>
+          <a:p>
+            <a:pPr defTabSz="547695">
+              <a:defRPr/>
+            </a:pPr>
+            <a:fld id="{86CB4B4D-7CA3-9044-876B-883B54F8677D}" type="slidenum">
+              <a:rPr lang="en-US" smtClean="0"/>
+              <a:pPr defTabSz="547695">
+                <a:defRPr/>
+              </a:pPr>
+              <a:t>9</a:t>
+            </a:fld>
+            <a:endParaRPr lang="en-US"/>
+          </a:p>
+        </p:txBody>
+      </p:sp>
+      <p:sp>
+        <p:nvSpPr>
+          <p:cNvPr id="5" name="Diagonal Stripe 4">
+            <a:extLst>
+              <a:ext uri="{FF2B5EF4-FFF2-40B4-BE49-F238E27FC236}">
+                <a16:creationId xmlns:a16="http://schemas.microsoft.com/office/drawing/2014/main" id="{E03BD600-34A7-30DD-1A5D-AED88A816452}"/>
+              </a:ext>
+            </a:extLst>
+          </p:cNvPr>
+          <p:cNvSpPr/>
+          <p:nvPr/>
+        </p:nvSpPr>
+        <p:spPr>
+          <a:xfrm>
+            <a:off x="1463040" y="1655545"/>
+            <a:ext cx="7411453" cy="4119613"/>
+          </a:xfrm>
+          <a:prstGeom prst="diagStripe">
+            <a:avLst/>
+          </a:prstGeom>
+          <a:solidFill>
+            <a:srgbClr val="FFFF00"/>
+          </a:solidFill>
+        </p:spPr>
+        <p:style>
+          <a:lnRef idx="2">
+            <a:schemeClr val="accent1">
+              <a:shade val="50000"/>
+            </a:schemeClr>
+          </a:lnRef>
+          <a:fillRef idx="1">
+            <a:schemeClr val="accent1"/>
+          </a:fillRef>
+          <a:effectRef idx="0">
+            <a:schemeClr val="accent1"/>
+          </a:effectRef>
+          <a:fontRef idx="minor">
+            <a:schemeClr val="lt1"/>
+          </a:fontRef>
+        </p:style>
+        <p:txBody>
+          <a:bodyPr rtlCol="0" anchor="ctr"/>
+          <a:lstStyle/>
+          <a:p>
+            <a:pPr algn="ctr"/>
+            <a:endParaRPr lang="en-US" sz="2400" dirty="0">
+              <a:solidFill>
+                <a:sysClr val="windowText" lastClr="000000"/>
+              </a:solidFill>
+            </a:endParaRPr>
+          </a:p>
+        </p:txBody>
+      </p:sp>
+    </p:spTree>
+    <p:extLst>
+      <p:ext uri="{BB962C8B-B14F-4D97-AF65-F5344CB8AC3E}">
+        <p14:creationId xmlns:p14="http://schemas.microsoft.com/office/powerpoint/2010/main" val="1909338716"/>
+      </p:ext>
+    </p:extLst>
   </p:cSld>
   <p:clrMapOvr>
     <a:masterClrMapping/>
